--- a/Slides/Database Fundamentals/Big Data Azure Training-Database_Fundamentals.pptx
+++ b/Slides/Database Fundamentals/Big Data Azure Training-Database_Fundamentals.pptx
@@ -5,7 +5,7 @@
     <p:sldMasterId id="2147483659" r:id="rId1"/>
   </p:sldMasterIdLst>
   <p:notesMasterIdLst>
-    <p:notesMasterId r:id="rId97"/>
+    <p:notesMasterId r:id="rId96"/>
   </p:notesMasterIdLst>
   <p:sldIdLst>
     <p:sldId id="256" r:id="rId2"/>
@@ -18,101 +18,100 @@
     <p:sldId id="263" r:id="rId9"/>
     <p:sldId id="264" r:id="rId10"/>
     <p:sldId id="265" r:id="rId11"/>
-    <p:sldId id="266" r:id="rId12"/>
-    <p:sldId id="267" r:id="rId13"/>
-    <p:sldId id="268" r:id="rId14"/>
-    <p:sldId id="269" r:id="rId15"/>
-    <p:sldId id="270" r:id="rId16"/>
-    <p:sldId id="271" r:id="rId17"/>
-    <p:sldId id="272" r:id="rId18"/>
-    <p:sldId id="273" r:id="rId19"/>
-    <p:sldId id="274" r:id="rId20"/>
-    <p:sldId id="275" r:id="rId21"/>
-    <p:sldId id="276" r:id="rId22"/>
-    <p:sldId id="277" r:id="rId23"/>
-    <p:sldId id="278" r:id="rId24"/>
-    <p:sldId id="279" r:id="rId25"/>
-    <p:sldId id="338" r:id="rId26"/>
-    <p:sldId id="280" r:id="rId27"/>
-    <p:sldId id="281" r:id="rId28"/>
-    <p:sldId id="282" r:id="rId29"/>
-    <p:sldId id="339" r:id="rId30"/>
-    <p:sldId id="340" r:id="rId31"/>
-    <p:sldId id="341" r:id="rId32"/>
-    <p:sldId id="342" r:id="rId33"/>
-    <p:sldId id="343" r:id="rId34"/>
-    <p:sldId id="344" r:id="rId35"/>
-    <p:sldId id="283" r:id="rId36"/>
-    <p:sldId id="284" r:id="rId37"/>
-    <p:sldId id="285" r:id="rId38"/>
-    <p:sldId id="286" r:id="rId39"/>
-    <p:sldId id="287" r:id="rId40"/>
-    <p:sldId id="288" r:id="rId41"/>
-    <p:sldId id="289" r:id="rId42"/>
-    <p:sldId id="290" r:id="rId43"/>
-    <p:sldId id="291" r:id="rId44"/>
-    <p:sldId id="292" r:id="rId45"/>
-    <p:sldId id="293" r:id="rId46"/>
-    <p:sldId id="294" r:id="rId47"/>
-    <p:sldId id="295" r:id="rId48"/>
-    <p:sldId id="296" r:id="rId49"/>
-    <p:sldId id="297" r:id="rId50"/>
-    <p:sldId id="298" r:id="rId51"/>
-    <p:sldId id="299" r:id="rId52"/>
-    <p:sldId id="300" r:id="rId53"/>
-    <p:sldId id="301" r:id="rId54"/>
-    <p:sldId id="302" r:id="rId55"/>
-    <p:sldId id="303" r:id="rId56"/>
-    <p:sldId id="304" r:id="rId57"/>
-    <p:sldId id="305" r:id="rId58"/>
-    <p:sldId id="306" r:id="rId59"/>
-    <p:sldId id="307" r:id="rId60"/>
-    <p:sldId id="308" r:id="rId61"/>
-    <p:sldId id="309" r:id="rId62"/>
-    <p:sldId id="310" r:id="rId63"/>
-    <p:sldId id="311" r:id="rId64"/>
-    <p:sldId id="312" r:id="rId65"/>
-    <p:sldId id="313" r:id="rId66"/>
-    <p:sldId id="314" r:id="rId67"/>
-    <p:sldId id="315" r:id="rId68"/>
-    <p:sldId id="316" r:id="rId69"/>
-    <p:sldId id="317" r:id="rId70"/>
-    <p:sldId id="318" r:id="rId71"/>
-    <p:sldId id="319" r:id="rId72"/>
-    <p:sldId id="320" r:id="rId73"/>
-    <p:sldId id="321" r:id="rId74"/>
-    <p:sldId id="322" r:id="rId75"/>
-    <p:sldId id="323" r:id="rId76"/>
-    <p:sldId id="324" r:id="rId77"/>
-    <p:sldId id="325" r:id="rId78"/>
-    <p:sldId id="326" r:id="rId79"/>
-    <p:sldId id="327" r:id="rId80"/>
-    <p:sldId id="328" r:id="rId81"/>
-    <p:sldId id="329" r:id="rId82"/>
-    <p:sldId id="330" r:id="rId83"/>
-    <p:sldId id="331" r:id="rId84"/>
-    <p:sldId id="332" r:id="rId85"/>
-    <p:sldId id="333" r:id="rId86"/>
-    <p:sldId id="334" r:id="rId87"/>
-    <p:sldId id="335" r:id="rId88"/>
-    <p:sldId id="336" r:id="rId89"/>
-    <p:sldId id="337" r:id="rId90"/>
-    <p:sldId id="345" r:id="rId91"/>
-    <p:sldId id="346" r:id="rId92"/>
-    <p:sldId id="347" r:id="rId93"/>
-    <p:sldId id="348" r:id="rId94"/>
-    <p:sldId id="349" r:id="rId95"/>
-    <p:sldId id="350" r:id="rId96"/>
+    <p:sldId id="267" r:id="rId12"/>
+    <p:sldId id="268" r:id="rId13"/>
+    <p:sldId id="269" r:id="rId14"/>
+    <p:sldId id="270" r:id="rId15"/>
+    <p:sldId id="271" r:id="rId16"/>
+    <p:sldId id="272" r:id="rId17"/>
+    <p:sldId id="273" r:id="rId18"/>
+    <p:sldId id="274" r:id="rId19"/>
+    <p:sldId id="275" r:id="rId20"/>
+    <p:sldId id="276" r:id="rId21"/>
+    <p:sldId id="277" r:id="rId22"/>
+    <p:sldId id="278" r:id="rId23"/>
+    <p:sldId id="279" r:id="rId24"/>
+    <p:sldId id="338" r:id="rId25"/>
+    <p:sldId id="280" r:id="rId26"/>
+    <p:sldId id="281" r:id="rId27"/>
+    <p:sldId id="282" r:id="rId28"/>
+    <p:sldId id="339" r:id="rId29"/>
+    <p:sldId id="340" r:id="rId30"/>
+    <p:sldId id="341" r:id="rId31"/>
+    <p:sldId id="342" r:id="rId32"/>
+    <p:sldId id="343" r:id="rId33"/>
+    <p:sldId id="344" r:id="rId34"/>
+    <p:sldId id="283" r:id="rId35"/>
+    <p:sldId id="284" r:id="rId36"/>
+    <p:sldId id="285" r:id="rId37"/>
+    <p:sldId id="286" r:id="rId38"/>
+    <p:sldId id="287" r:id="rId39"/>
+    <p:sldId id="288" r:id="rId40"/>
+    <p:sldId id="289" r:id="rId41"/>
+    <p:sldId id="290" r:id="rId42"/>
+    <p:sldId id="291" r:id="rId43"/>
+    <p:sldId id="292" r:id="rId44"/>
+    <p:sldId id="293" r:id="rId45"/>
+    <p:sldId id="294" r:id="rId46"/>
+    <p:sldId id="295" r:id="rId47"/>
+    <p:sldId id="296" r:id="rId48"/>
+    <p:sldId id="297" r:id="rId49"/>
+    <p:sldId id="298" r:id="rId50"/>
+    <p:sldId id="299" r:id="rId51"/>
+    <p:sldId id="300" r:id="rId52"/>
+    <p:sldId id="301" r:id="rId53"/>
+    <p:sldId id="302" r:id="rId54"/>
+    <p:sldId id="303" r:id="rId55"/>
+    <p:sldId id="304" r:id="rId56"/>
+    <p:sldId id="305" r:id="rId57"/>
+    <p:sldId id="306" r:id="rId58"/>
+    <p:sldId id="307" r:id="rId59"/>
+    <p:sldId id="308" r:id="rId60"/>
+    <p:sldId id="309" r:id="rId61"/>
+    <p:sldId id="310" r:id="rId62"/>
+    <p:sldId id="311" r:id="rId63"/>
+    <p:sldId id="312" r:id="rId64"/>
+    <p:sldId id="313" r:id="rId65"/>
+    <p:sldId id="314" r:id="rId66"/>
+    <p:sldId id="315" r:id="rId67"/>
+    <p:sldId id="316" r:id="rId68"/>
+    <p:sldId id="317" r:id="rId69"/>
+    <p:sldId id="318" r:id="rId70"/>
+    <p:sldId id="319" r:id="rId71"/>
+    <p:sldId id="320" r:id="rId72"/>
+    <p:sldId id="321" r:id="rId73"/>
+    <p:sldId id="322" r:id="rId74"/>
+    <p:sldId id="323" r:id="rId75"/>
+    <p:sldId id="324" r:id="rId76"/>
+    <p:sldId id="325" r:id="rId77"/>
+    <p:sldId id="326" r:id="rId78"/>
+    <p:sldId id="327" r:id="rId79"/>
+    <p:sldId id="328" r:id="rId80"/>
+    <p:sldId id="329" r:id="rId81"/>
+    <p:sldId id="330" r:id="rId82"/>
+    <p:sldId id="331" r:id="rId83"/>
+    <p:sldId id="332" r:id="rId84"/>
+    <p:sldId id="333" r:id="rId85"/>
+    <p:sldId id="334" r:id="rId86"/>
+    <p:sldId id="335" r:id="rId87"/>
+    <p:sldId id="336" r:id="rId88"/>
+    <p:sldId id="337" r:id="rId89"/>
+    <p:sldId id="345" r:id="rId90"/>
+    <p:sldId id="346" r:id="rId91"/>
+    <p:sldId id="347" r:id="rId92"/>
+    <p:sldId id="348" r:id="rId93"/>
+    <p:sldId id="349" r:id="rId94"/>
+    <p:sldId id="350" r:id="rId95"/>
   </p:sldIdLst>
   <p:sldSz cx="9144000" cy="5143500" type="screen16x9"/>
   <p:notesSz cx="6858000" cy="9144000"/>
   <p:embeddedFontLst>
     <p:embeddedFont>
       <p:font typeface="Roboto" panose="02000000000000000000" pitchFamily="2" charset="0"/>
-      <p:regular r:id="rId98"/>
-      <p:bold r:id="rId99"/>
-      <p:italic r:id="rId100"/>
-      <p:boldItalic r:id="rId101"/>
+      <p:regular r:id="rId97"/>
+      <p:bold r:id="rId98"/>
+      <p:italic r:id="rId99"/>
+      <p:boldItalic r:id="rId100"/>
     </p:embeddedFont>
   </p:embeddedFontLst>
   <p:defaultTextStyle>
@@ -1017,7 +1016,7 @@
   <p:cSld>
     <p:spTree>
       <p:nvGrpSpPr>
-        <p:cNvPr id="1" name="Shape 111"/>
+        <p:cNvPr id="1" name="Shape 117"/>
         <p:cNvGrpSpPr/>
         <p:nvPr/>
       </p:nvGrpSpPr>
@@ -1031,7 +1030,7 @@
       </p:grpSpPr>
       <p:sp>
         <p:nvSpPr>
-          <p:cNvPr id="112" name="Google Shape;112;g15173642282_0_264:notes"/>
+          <p:cNvPr id="118" name="Google Shape;118;g15173642282_0_51:notes"/>
           <p:cNvSpPr>
             <a:spLocks noGrp="1" noRot="1" noChangeAspect="1"/>
           </p:cNvSpPr>
@@ -1041,7 +1040,7 @@
         </p:nvSpPr>
         <p:spPr>
           <a:xfrm>
-            <a:off x="381300" y="685800"/>
+            <a:off x="381000" y="685800"/>
             <a:ext cx="6096000" cy="3429000"/>
           </a:xfrm>
           <a:custGeom>
@@ -1072,7 +1071,7 @@
       </p:sp>
       <p:sp>
         <p:nvSpPr>
-          <p:cNvPr id="113" name="Google Shape;113;g15173642282_0_264:notes"/>
+          <p:cNvPr id="119" name="Google Shape;119;g15173642282_0_51:notes"/>
           <p:cNvSpPr txBox="1">
             <a:spLocks noGrp="1"/>
           </p:cNvSpPr>
@@ -1121,7 +1120,7 @@
   <p:cSld>
     <p:spTree>
       <p:nvGrpSpPr>
-        <p:cNvPr id="1" name="Shape 117"/>
+        <p:cNvPr id="1" name="Shape 123"/>
         <p:cNvGrpSpPr/>
         <p:nvPr/>
       </p:nvGrpSpPr>
@@ -1135,7 +1134,7 @@
       </p:grpSpPr>
       <p:sp>
         <p:nvSpPr>
-          <p:cNvPr id="118" name="Google Shape;118;g15173642282_0_51:notes"/>
+          <p:cNvPr id="124" name="Google Shape;124;g15173642282_0_58:notes"/>
           <p:cNvSpPr>
             <a:spLocks noGrp="1" noRot="1" noChangeAspect="1"/>
           </p:cNvSpPr>
@@ -1176,7 +1175,7 @@
       </p:sp>
       <p:sp>
         <p:nvSpPr>
-          <p:cNvPr id="119" name="Google Shape;119;g15173642282_0_51:notes"/>
+          <p:cNvPr id="125" name="Google Shape;125;g15173642282_0_58:notes"/>
           <p:cNvSpPr txBox="1">
             <a:spLocks noGrp="1"/>
           </p:cNvSpPr>
@@ -1225,7 +1224,7 @@
   <p:cSld>
     <p:spTree>
       <p:nvGrpSpPr>
-        <p:cNvPr id="1" name="Shape 123"/>
+        <p:cNvPr id="1" name="Shape 129"/>
         <p:cNvGrpSpPr/>
         <p:nvPr/>
       </p:nvGrpSpPr>
@@ -1239,7 +1238,7 @@
       </p:grpSpPr>
       <p:sp>
         <p:nvSpPr>
-          <p:cNvPr id="124" name="Google Shape;124;g15173642282_0_58:notes"/>
+          <p:cNvPr id="130" name="Google Shape;130;g15173642282_0_19:notes"/>
           <p:cNvSpPr>
             <a:spLocks noGrp="1" noRot="1" noChangeAspect="1"/>
           </p:cNvSpPr>
@@ -1280,7 +1279,7 @@
       </p:sp>
       <p:sp>
         <p:nvSpPr>
-          <p:cNvPr id="125" name="Google Shape;125;g15173642282_0_58:notes"/>
+          <p:cNvPr id="131" name="Google Shape;131;g15173642282_0_19:notes"/>
           <p:cNvSpPr txBox="1">
             <a:spLocks noGrp="1"/>
           </p:cNvSpPr>
@@ -1329,7 +1328,7 @@
   <p:cSld>
     <p:spTree>
       <p:nvGrpSpPr>
-        <p:cNvPr id="1" name="Shape 129"/>
+        <p:cNvPr id="1" name="Shape 135"/>
         <p:cNvGrpSpPr/>
         <p:nvPr/>
       </p:nvGrpSpPr>
@@ -1343,7 +1342,7 @@
       </p:grpSpPr>
       <p:sp>
         <p:nvSpPr>
-          <p:cNvPr id="130" name="Google Shape;130;g15173642282_0_19:notes"/>
+          <p:cNvPr id="136" name="Google Shape;136;g15173642282_0_0:notes"/>
           <p:cNvSpPr>
             <a:spLocks noGrp="1" noRot="1" noChangeAspect="1"/>
           </p:cNvSpPr>
@@ -1353,7 +1352,7 @@
         </p:nvSpPr>
         <p:spPr>
           <a:xfrm>
-            <a:off x="381000" y="685800"/>
+            <a:off x="381300" y="685800"/>
             <a:ext cx="6096000" cy="3429000"/>
           </a:xfrm>
           <a:custGeom>
@@ -1384,7 +1383,7 @@
       </p:sp>
       <p:sp>
         <p:nvSpPr>
-          <p:cNvPr id="131" name="Google Shape;131;g15173642282_0_19:notes"/>
+          <p:cNvPr id="137" name="Google Shape;137;g15173642282_0_0:notes"/>
           <p:cNvSpPr txBox="1">
             <a:spLocks noGrp="1"/>
           </p:cNvSpPr>
@@ -1433,7 +1432,7 @@
   <p:cSld>
     <p:spTree>
       <p:nvGrpSpPr>
-        <p:cNvPr id="1" name="Shape 135"/>
+        <p:cNvPr id="1" name="Shape 141"/>
         <p:cNvGrpSpPr/>
         <p:nvPr/>
       </p:nvGrpSpPr>
@@ -1447,7 +1446,7 @@
       </p:grpSpPr>
       <p:sp>
         <p:nvSpPr>
-          <p:cNvPr id="136" name="Google Shape;136;g15173642282_0_0:notes"/>
+          <p:cNvPr id="142" name="Google Shape;142;g15173642282_0_7:notes"/>
           <p:cNvSpPr>
             <a:spLocks noGrp="1" noRot="1" noChangeAspect="1"/>
           </p:cNvSpPr>
@@ -1457,7 +1456,7 @@
         </p:nvSpPr>
         <p:spPr>
           <a:xfrm>
-            <a:off x="381300" y="685800"/>
+            <a:off x="381000" y="685800"/>
             <a:ext cx="6096000" cy="3429000"/>
           </a:xfrm>
           <a:custGeom>
@@ -1488,7 +1487,7 @@
       </p:sp>
       <p:sp>
         <p:nvSpPr>
-          <p:cNvPr id="137" name="Google Shape;137;g15173642282_0_0:notes"/>
+          <p:cNvPr id="143" name="Google Shape;143;g15173642282_0_7:notes"/>
           <p:cNvSpPr txBox="1">
             <a:spLocks noGrp="1"/>
           </p:cNvSpPr>
@@ -1537,7 +1536,7 @@
   <p:cSld>
     <p:spTree>
       <p:nvGrpSpPr>
-        <p:cNvPr id="1" name="Shape 141"/>
+        <p:cNvPr id="1" name="Shape 147"/>
         <p:cNvGrpSpPr/>
         <p:nvPr/>
       </p:nvGrpSpPr>
@@ -1551,7 +1550,7 @@
       </p:grpSpPr>
       <p:sp>
         <p:nvSpPr>
-          <p:cNvPr id="142" name="Google Shape;142;g15173642282_0_7:notes"/>
+          <p:cNvPr id="148" name="Google Shape;148;g15173642282_0_14:notes"/>
           <p:cNvSpPr>
             <a:spLocks noGrp="1" noRot="1" noChangeAspect="1"/>
           </p:cNvSpPr>
@@ -1592,7 +1591,7 @@
       </p:sp>
       <p:sp>
         <p:nvSpPr>
-          <p:cNvPr id="143" name="Google Shape;143;g15173642282_0_7:notes"/>
+          <p:cNvPr id="149" name="Google Shape;149;g15173642282_0_14:notes"/>
           <p:cNvSpPr txBox="1">
             <a:spLocks noGrp="1"/>
           </p:cNvSpPr>
@@ -1641,7 +1640,7 @@
   <p:cSld>
     <p:spTree>
       <p:nvGrpSpPr>
-        <p:cNvPr id="1" name="Shape 147"/>
+        <p:cNvPr id="1" name="Shape 154"/>
         <p:cNvGrpSpPr/>
         <p:nvPr/>
       </p:nvGrpSpPr>
@@ -1655,7 +1654,7 @@
       </p:grpSpPr>
       <p:sp>
         <p:nvSpPr>
-          <p:cNvPr id="148" name="Google Shape;148;g15173642282_0_14:notes"/>
+          <p:cNvPr id="155" name="Google Shape;155;g15173642282_0_66:notes"/>
           <p:cNvSpPr>
             <a:spLocks noGrp="1" noRot="1" noChangeAspect="1"/>
           </p:cNvSpPr>
@@ -1696,7 +1695,7 @@
       </p:sp>
       <p:sp>
         <p:nvSpPr>
-          <p:cNvPr id="149" name="Google Shape;149;g15173642282_0_14:notes"/>
+          <p:cNvPr id="156" name="Google Shape;156;g15173642282_0_66:notes"/>
           <p:cNvSpPr txBox="1">
             <a:spLocks noGrp="1"/>
           </p:cNvSpPr>
@@ -1745,7 +1744,7 @@
   <p:cSld>
     <p:spTree>
       <p:nvGrpSpPr>
-        <p:cNvPr id="1" name="Shape 154"/>
+        <p:cNvPr id="1" name="Shape 160"/>
         <p:cNvGrpSpPr/>
         <p:nvPr/>
       </p:nvGrpSpPr>
@@ -1759,7 +1758,7 @@
       </p:grpSpPr>
       <p:sp>
         <p:nvSpPr>
-          <p:cNvPr id="155" name="Google Shape;155;g15173642282_0_66:notes"/>
+          <p:cNvPr id="161" name="Google Shape;161;g15173642282_0_25:notes"/>
           <p:cNvSpPr>
             <a:spLocks noGrp="1" noRot="1" noChangeAspect="1"/>
           </p:cNvSpPr>
@@ -1769,7 +1768,7 @@
         </p:nvSpPr>
         <p:spPr>
           <a:xfrm>
-            <a:off x="381000" y="685800"/>
+            <a:off x="381300" y="685800"/>
             <a:ext cx="6096000" cy="3429000"/>
           </a:xfrm>
           <a:custGeom>
@@ -1800,7 +1799,7 @@
       </p:sp>
       <p:sp>
         <p:nvSpPr>
-          <p:cNvPr id="156" name="Google Shape;156;g15173642282_0_66:notes"/>
+          <p:cNvPr id="162" name="Google Shape;162;g15173642282_0_25:notes"/>
           <p:cNvSpPr txBox="1">
             <a:spLocks noGrp="1"/>
           </p:cNvSpPr>
@@ -1849,7 +1848,7 @@
   <p:cSld>
     <p:spTree>
       <p:nvGrpSpPr>
-        <p:cNvPr id="1" name="Shape 160"/>
+        <p:cNvPr id="1" name="Shape 166"/>
         <p:cNvGrpSpPr/>
         <p:nvPr/>
       </p:nvGrpSpPr>
@@ -1863,7 +1862,7 @@
       </p:grpSpPr>
       <p:sp>
         <p:nvSpPr>
-          <p:cNvPr id="161" name="Google Shape;161;g15173642282_0_25:notes"/>
+          <p:cNvPr id="167" name="Google Shape;167;g15173642282_0_31:notes"/>
           <p:cNvSpPr>
             <a:spLocks noGrp="1" noRot="1" noChangeAspect="1"/>
           </p:cNvSpPr>
@@ -1904,7 +1903,7 @@
       </p:sp>
       <p:sp>
         <p:nvSpPr>
-          <p:cNvPr id="162" name="Google Shape;162;g15173642282_0_25:notes"/>
+          <p:cNvPr id="168" name="Google Shape;168;g15173642282_0_31:notes"/>
           <p:cNvSpPr txBox="1">
             <a:spLocks noGrp="1"/>
           </p:cNvSpPr>
@@ -2057,7 +2056,7 @@
   <p:cSld>
     <p:spTree>
       <p:nvGrpSpPr>
-        <p:cNvPr id="1" name="Shape 166"/>
+        <p:cNvPr id="1" name="Shape 172"/>
         <p:cNvGrpSpPr/>
         <p:nvPr/>
       </p:nvGrpSpPr>
@@ -2071,7 +2070,7 @@
       </p:grpSpPr>
       <p:sp>
         <p:nvSpPr>
-          <p:cNvPr id="167" name="Google Shape;167;g15173642282_0_31:notes"/>
+          <p:cNvPr id="173" name="Google Shape;173;g15173642282_0_36:notes"/>
           <p:cNvSpPr>
             <a:spLocks noGrp="1" noRot="1" noChangeAspect="1"/>
           </p:cNvSpPr>
@@ -2112,7 +2111,7 @@
       </p:sp>
       <p:sp>
         <p:nvSpPr>
-          <p:cNvPr id="168" name="Google Shape;168;g15173642282_0_31:notes"/>
+          <p:cNvPr id="174" name="Google Shape;174;g15173642282_0_36:notes"/>
           <p:cNvSpPr txBox="1">
             <a:spLocks noGrp="1"/>
           </p:cNvSpPr>
@@ -2161,7 +2160,7 @@
   <p:cSld>
     <p:spTree>
       <p:nvGrpSpPr>
-        <p:cNvPr id="1" name="Shape 172"/>
+        <p:cNvPr id="1" name="Shape 178"/>
         <p:cNvGrpSpPr/>
         <p:nvPr/>
       </p:nvGrpSpPr>
@@ -2175,7 +2174,7 @@
       </p:grpSpPr>
       <p:sp>
         <p:nvSpPr>
-          <p:cNvPr id="173" name="Google Shape;173;g15173642282_0_36:notes"/>
+          <p:cNvPr id="179" name="Google Shape;179;g15173642282_0_41:notes"/>
           <p:cNvSpPr>
             <a:spLocks noGrp="1" noRot="1" noChangeAspect="1"/>
           </p:cNvSpPr>
@@ -2185,7 +2184,7 @@
         </p:nvSpPr>
         <p:spPr>
           <a:xfrm>
-            <a:off x="381300" y="685800"/>
+            <a:off x="381000" y="685800"/>
             <a:ext cx="6096000" cy="3429000"/>
           </a:xfrm>
           <a:custGeom>
@@ -2216,7 +2215,7 @@
       </p:sp>
       <p:sp>
         <p:nvSpPr>
-          <p:cNvPr id="174" name="Google Shape;174;g15173642282_0_36:notes"/>
+          <p:cNvPr id="180" name="Google Shape;180;g15173642282_0_41:notes"/>
           <p:cNvSpPr txBox="1">
             <a:spLocks noGrp="1"/>
           </p:cNvSpPr>
@@ -2265,7 +2264,7 @@
   <p:cSld>
     <p:spTree>
       <p:nvGrpSpPr>
-        <p:cNvPr id="1" name="Shape 178"/>
+        <p:cNvPr id="1" name="Shape 184"/>
         <p:cNvGrpSpPr/>
         <p:nvPr/>
       </p:nvGrpSpPr>
@@ -2279,7 +2278,7 @@
       </p:grpSpPr>
       <p:sp>
         <p:nvSpPr>
-          <p:cNvPr id="179" name="Google Shape;179;g15173642282_0_41:notes"/>
+          <p:cNvPr id="185" name="Google Shape;185;g15173642282_0_46:notes"/>
           <p:cNvSpPr>
             <a:spLocks noGrp="1" noRot="1" noChangeAspect="1"/>
           </p:cNvSpPr>
@@ -2289,7 +2288,7 @@
         </p:nvSpPr>
         <p:spPr>
           <a:xfrm>
-            <a:off x="381000" y="685800"/>
+            <a:off x="381300" y="685800"/>
             <a:ext cx="6096000" cy="3429000"/>
           </a:xfrm>
           <a:custGeom>
@@ -2320,7 +2319,7 @@
       </p:sp>
       <p:sp>
         <p:nvSpPr>
-          <p:cNvPr id="180" name="Google Shape;180;g15173642282_0_41:notes"/>
+          <p:cNvPr id="186" name="Google Shape;186;g15173642282_0_46:notes"/>
           <p:cNvSpPr txBox="1">
             <a:spLocks noGrp="1"/>
           </p:cNvSpPr>
@@ -2369,7 +2368,7 @@
   <p:cSld>
     <p:spTree>
       <p:nvGrpSpPr>
-        <p:cNvPr id="1" name="Shape 184"/>
+        <p:cNvPr id="1" name="Shape 190"/>
         <p:cNvGrpSpPr/>
         <p:nvPr/>
       </p:nvGrpSpPr>
@@ -2383,7 +2382,7 @@
       </p:grpSpPr>
       <p:sp>
         <p:nvSpPr>
-          <p:cNvPr id="185" name="Google Shape;185;g15173642282_0_46:notes"/>
+          <p:cNvPr id="191" name="Google Shape;191;g15173642282_0_73:notes"/>
           <p:cNvSpPr>
             <a:spLocks noGrp="1" noRot="1" noChangeAspect="1"/>
           </p:cNvSpPr>
@@ -2424,7 +2423,7 @@
       </p:sp>
       <p:sp>
         <p:nvSpPr>
-          <p:cNvPr id="186" name="Google Shape;186;g15173642282_0_46:notes"/>
+          <p:cNvPr id="192" name="Google Shape;192;g15173642282_0_73:notes"/>
           <p:cNvSpPr txBox="1">
             <a:spLocks noGrp="1"/>
           </p:cNvSpPr>
@@ -2473,7 +2472,7 @@
   <p:cSld>
     <p:spTree>
       <p:nvGrpSpPr>
-        <p:cNvPr id="1" name="Shape 190"/>
+        <p:cNvPr id="1" name="Shape 196"/>
         <p:cNvGrpSpPr/>
         <p:nvPr/>
       </p:nvGrpSpPr>
@@ -2487,7 +2486,7 @@
       </p:grpSpPr>
       <p:sp>
         <p:nvSpPr>
-          <p:cNvPr id="191" name="Google Shape;191;g15173642282_0_73:notes"/>
+          <p:cNvPr id="197" name="Google Shape;197;g15173642282_0_300:notes"/>
           <p:cNvSpPr>
             <a:spLocks noGrp="1" noRot="1" noChangeAspect="1"/>
           </p:cNvSpPr>
@@ -2497,7 +2496,7 @@
         </p:nvSpPr>
         <p:spPr>
           <a:xfrm>
-            <a:off x="381300" y="685800"/>
+            <a:off x="381000" y="685800"/>
             <a:ext cx="6096000" cy="3429000"/>
           </a:xfrm>
           <a:custGeom>
@@ -2528,7 +2527,7 @@
       </p:sp>
       <p:sp>
         <p:nvSpPr>
-          <p:cNvPr id="192" name="Google Shape;192;g15173642282_0_73:notes"/>
+          <p:cNvPr id="198" name="Google Shape;198;g15173642282_0_300:notes"/>
           <p:cNvSpPr txBox="1">
             <a:spLocks noGrp="1"/>
           </p:cNvSpPr>
@@ -2577,7 +2576,7 @@
   <p:cSld>
     <p:spTree>
       <p:nvGrpSpPr>
-        <p:cNvPr id="1" name="Shape 196"/>
+        <p:cNvPr id="1" name="Shape 202"/>
         <p:cNvGrpSpPr/>
         <p:nvPr/>
       </p:nvGrpSpPr>
@@ -2591,7 +2590,7 @@
       </p:grpSpPr>
       <p:sp>
         <p:nvSpPr>
-          <p:cNvPr id="197" name="Google Shape;197;g15173642282_0_300:notes"/>
+          <p:cNvPr id="203" name="Google Shape;203;g15173642282_0_306:notes"/>
           <p:cNvSpPr>
             <a:spLocks noGrp="1" noRot="1" noChangeAspect="1"/>
           </p:cNvSpPr>
@@ -2601,7 +2600,7 @@
         </p:nvSpPr>
         <p:spPr>
           <a:xfrm>
-            <a:off x="381000" y="685800"/>
+            <a:off x="381300" y="685800"/>
             <a:ext cx="6096000" cy="3429000"/>
           </a:xfrm>
           <a:custGeom>
@@ -2632,7 +2631,7 @@
       </p:sp>
       <p:sp>
         <p:nvSpPr>
-          <p:cNvPr id="198" name="Google Shape;198;g15173642282_0_300:notes"/>
+          <p:cNvPr id="204" name="Google Shape;204;g15173642282_0_306:notes"/>
           <p:cNvSpPr txBox="1">
             <a:spLocks noGrp="1"/>
           </p:cNvSpPr>
@@ -2681,7 +2680,7 @@
   <p:cSld>
     <p:spTree>
       <p:nvGrpSpPr>
-        <p:cNvPr id="1" name="Shape 202"/>
+        <p:cNvPr id="1" name="Shape 208"/>
         <p:cNvGrpSpPr/>
         <p:nvPr/>
       </p:nvGrpSpPr>
@@ -2695,7 +2694,7 @@
       </p:grpSpPr>
       <p:sp>
         <p:nvSpPr>
-          <p:cNvPr id="203" name="Google Shape;203;g15173642282_0_306:notes"/>
+          <p:cNvPr id="209" name="Google Shape;209;g15173642282_0_312:notes"/>
           <p:cNvSpPr>
             <a:spLocks noGrp="1" noRot="1" noChangeAspect="1"/>
           </p:cNvSpPr>
@@ -2705,7 +2704,7 @@
         </p:nvSpPr>
         <p:spPr>
           <a:xfrm>
-            <a:off x="381300" y="685800"/>
+            <a:off x="381000" y="685800"/>
             <a:ext cx="6096000" cy="3429000"/>
           </a:xfrm>
           <a:custGeom>
@@ -2736,7 +2735,7 @@
       </p:sp>
       <p:sp>
         <p:nvSpPr>
-          <p:cNvPr id="204" name="Google Shape;204;g15173642282_0_306:notes"/>
+          <p:cNvPr id="210" name="Google Shape;210;g15173642282_0_312:notes"/>
           <p:cNvSpPr txBox="1">
             <a:spLocks noGrp="1"/>
           </p:cNvSpPr>
@@ -2785,7 +2784,7 @@
   <p:cSld>
     <p:spTree>
       <p:nvGrpSpPr>
-        <p:cNvPr id="1" name="Shape 208"/>
+        <p:cNvPr id="1" name="Shape 214"/>
         <p:cNvGrpSpPr/>
         <p:nvPr/>
       </p:nvGrpSpPr>
@@ -2799,7 +2798,7 @@
       </p:grpSpPr>
       <p:sp>
         <p:nvSpPr>
-          <p:cNvPr id="209" name="Google Shape;209;g15173642282_0_312:notes"/>
+          <p:cNvPr id="215" name="Google Shape;215;g15173642282_0_318:notes"/>
           <p:cNvSpPr>
             <a:spLocks noGrp="1" noRot="1" noChangeAspect="1"/>
           </p:cNvSpPr>
@@ -2840,7 +2839,7 @@
       </p:sp>
       <p:sp>
         <p:nvSpPr>
-          <p:cNvPr id="210" name="Google Shape;210;g15173642282_0_312:notes"/>
+          <p:cNvPr id="216" name="Google Shape;216;g15173642282_0_318:notes"/>
           <p:cNvSpPr txBox="1">
             <a:spLocks noGrp="1"/>
           </p:cNvSpPr>
@@ -2889,7 +2888,7 @@
   <p:cSld>
     <p:spTree>
       <p:nvGrpSpPr>
-        <p:cNvPr id="1" name="Shape 214"/>
+        <p:cNvPr id="1" name="Shape 220"/>
         <p:cNvGrpSpPr/>
         <p:nvPr/>
       </p:nvGrpSpPr>
@@ -2903,7 +2902,7 @@
       </p:grpSpPr>
       <p:sp>
         <p:nvSpPr>
-          <p:cNvPr id="215" name="Google Shape;215;g15173642282_0_318:notes"/>
+          <p:cNvPr id="221" name="Google Shape;221;g15173642282_0_324:notes"/>
           <p:cNvSpPr>
             <a:spLocks noGrp="1" noRot="1" noChangeAspect="1"/>
           </p:cNvSpPr>
@@ -2913,7 +2912,7 @@
         </p:nvSpPr>
         <p:spPr>
           <a:xfrm>
-            <a:off x="381000" y="685800"/>
+            <a:off x="381300" y="685800"/>
             <a:ext cx="6096000" cy="3429000"/>
           </a:xfrm>
           <a:custGeom>
@@ -2944,7 +2943,7 @@
       </p:sp>
       <p:sp>
         <p:nvSpPr>
-          <p:cNvPr id="216" name="Google Shape;216;g15173642282_0_318:notes"/>
+          <p:cNvPr id="222" name="Google Shape;222;g15173642282_0_324:notes"/>
           <p:cNvSpPr txBox="1">
             <a:spLocks noGrp="1"/>
           </p:cNvSpPr>
@@ -2993,7 +2992,7 @@
   <p:cSld>
     <p:spTree>
       <p:nvGrpSpPr>
-        <p:cNvPr id="1" name="Shape 220"/>
+        <p:cNvPr id="1" name="Shape 227"/>
         <p:cNvGrpSpPr/>
         <p:nvPr/>
       </p:nvGrpSpPr>
@@ -3007,7 +3006,7 @@
       </p:grpSpPr>
       <p:sp>
         <p:nvSpPr>
-          <p:cNvPr id="221" name="Google Shape;221;g15173642282_0_324:notes"/>
+          <p:cNvPr id="228" name="Google Shape;228;g15173642282_0_337:notes"/>
           <p:cNvSpPr>
             <a:spLocks noGrp="1" noRot="1" noChangeAspect="1"/>
           </p:cNvSpPr>
@@ -3048,7 +3047,7 @@
       </p:sp>
       <p:sp>
         <p:nvSpPr>
-          <p:cNvPr id="222" name="Google Shape;222;g15173642282_0_324:notes"/>
+          <p:cNvPr id="229" name="Google Shape;229;g15173642282_0_337:notes"/>
           <p:cNvSpPr txBox="1">
             <a:spLocks noGrp="1"/>
           </p:cNvSpPr>
@@ -3201,7 +3200,7 @@
   <p:cSld>
     <p:spTree>
       <p:nvGrpSpPr>
-        <p:cNvPr id="1" name="Shape 227"/>
+        <p:cNvPr id="1" name="Shape 233"/>
         <p:cNvGrpSpPr/>
         <p:nvPr/>
       </p:nvGrpSpPr>
@@ -3215,7 +3214,7 @@
       </p:grpSpPr>
       <p:sp>
         <p:nvSpPr>
-          <p:cNvPr id="228" name="Google Shape;228;g15173642282_0_337:notes"/>
+          <p:cNvPr id="234" name="Google Shape;234;g15173642282_0_343:notes"/>
           <p:cNvSpPr>
             <a:spLocks noGrp="1" noRot="1" noChangeAspect="1"/>
           </p:cNvSpPr>
@@ -3225,7 +3224,7 @@
         </p:nvSpPr>
         <p:spPr>
           <a:xfrm>
-            <a:off x="381300" y="685800"/>
+            <a:off x="381000" y="685800"/>
             <a:ext cx="6096000" cy="3429000"/>
           </a:xfrm>
           <a:custGeom>
@@ -3256,7 +3255,7 @@
       </p:sp>
       <p:sp>
         <p:nvSpPr>
-          <p:cNvPr id="229" name="Google Shape;229;g15173642282_0_337:notes"/>
+          <p:cNvPr id="235" name="Google Shape;235;g15173642282_0_343:notes"/>
           <p:cNvSpPr txBox="1">
             <a:spLocks noGrp="1"/>
           </p:cNvSpPr>
@@ -3305,7 +3304,7 @@
   <p:cSld>
     <p:spTree>
       <p:nvGrpSpPr>
-        <p:cNvPr id="1" name="Shape 233"/>
+        <p:cNvPr id="1" name="Shape 240"/>
         <p:cNvGrpSpPr/>
         <p:nvPr/>
       </p:nvGrpSpPr>
@@ -3319,7 +3318,7 @@
       </p:grpSpPr>
       <p:sp>
         <p:nvSpPr>
-          <p:cNvPr id="234" name="Google Shape;234;g15173642282_0_343:notes"/>
+          <p:cNvPr id="241" name="Google Shape;241;g15173642282_0_350:notes"/>
           <p:cNvSpPr>
             <a:spLocks noGrp="1" noRot="1" noChangeAspect="1"/>
           </p:cNvSpPr>
@@ -3329,7 +3328,7 @@
         </p:nvSpPr>
         <p:spPr>
           <a:xfrm>
-            <a:off x="381000" y="685800"/>
+            <a:off x="381300" y="685800"/>
             <a:ext cx="6096000" cy="3429000"/>
           </a:xfrm>
           <a:custGeom>
@@ -3360,7 +3359,7 @@
       </p:sp>
       <p:sp>
         <p:nvSpPr>
-          <p:cNvPr id="235" name="Google Shape;235;g15173642282_0_343:notes"/>
+          <p:cNvPr id="242" name="Google Shape;242;g15173642282_0_350:notes"/>
           <p:cNvSpPr txBox="1">
             <a:spLocks noGrp="1"/>
           </p:cNvSpPr>
@@ -3409,7 +3408,7 @@
   <p:cSld>
     <p:spTree>
       <p:nvGrpSpPr>
-        <p:cNvPr id="1" name="Shape 240"/>
+        <p:cNvPr id="1" name="Shape 246"/>
         <p:cNvGrpSpPr/>
         <p:nvPr/>
       </p:nvGrpSpPr>
@@ -3423,7 +3422,7 @@
       </p:grpSpPr>
       <p:sp>
         <p:nvSpPr>
-          <p:cNvPr id="241" name="Google Shape;241;g15173642282_0_350:notes"/>
+          <p:cNvPr id="247" name="Google Shape;247;g15173642282_0_356:notes"/>
           <p:cNvSpPr>
             <a:spLocks noGrp="1" noRot="1" noChangeAspect="1"/>
           </p:cNvSpPr>
@@ -3464,7 +3463,7 @@
       </p:sp>
       <p:sp>
         <p:nvSpPr>
-          <p:cNvPr id="242" name="Google Shape;242;g15173642282_0_350:notes"/>
+          <p:cNvPr id="248" name="Google Shape;248;g15173642282_0_356:notes"/>
           <p:cNvSpPr txBox="1">
             <a:spLocks noGrp="1"/>
           </p:cNvSpPr>
@@ -3513,7 +3512,7 @@
   <p:cSld>
     <p:spTree>
       <p:nvGrpSpPr>
-        <p:cNvPr id="1" name="Shape 246"/>
+        <p:cNvPr id="1" name="Shape 252"/>
         <p:cNvGrpSpPr/>
         <p:nvPr/>
       </p:nvGrpSpPr>
@@ -3527,7 +3526,7 @@
       </p:grpSpPr>
       <p:sp>
         <p:nvSpPr>
-          <p:cNvPr id="247" name="Google Shape;247;g15173642282_0_356:notes"/>
+          <p:cNvPr id="253" name="Google Shape;253;g15173642282_0_362:notes"/>
           <p:cNvSpPr>
             <a:spLocks noGrp="1" noRot="1" noChangeAspect="1"/>
           </p:cNvSpPr>
@@ -3568,7 +3567,7 @@
       </p:sp>
       <p:sp>
         <p:nvSpPr>
-          <p:cNvPr id="248" name="Google Shape;248;g15173642282_0_356:notes"/>
+          <p:cNvPr id="254" name="Google Shape;254;g15173642282_0_362:notes"/>
           <p:cNvSpPr txBox="1">
             <a:spLocks noGrp="1"/>
           </p:cNvSpPr>
@@ -3617,7 +3616,7 @@
   <p:cSld>
     <p:spTree>
       <p:nvGrpSpPr>
-        <p:cNvPr id="1" name="Shape 252"/>
+        <p:cNvPr id="1" name="Shape 258"/>
         <p:cNvGrpSpPr/>
         <p:nvPr/>
       </p:nvGrpSpPr>
@@ -3631,7 +3630,7 @@
       </p:grpSpPr>
       <p:sp>
         <p:nvSpPr>
-          <p:cNvPr id="253" name="Google Shape;253;g15173642282_0_362:notes"/>
+          <p:cNvPr id="259" name="Google Shape;259;g15173642282_0_368:notes"/>
           <p:cNvSpPr>
             <a:spLocks noGrp="1" noRot="1" noChangeAspect="1"/>
           </p:cNvSpPr>
@@ -3672,7 +3671,7 @@
       </p:sp>
       <p:sp>
         <p:nvSpPr>
-          <p:cNvPr id="254" name="Google Shape;254;g15173642282_0_362:notes"/>
+          <p:cNvPr id="260" name="Google Shape;260;g15173642282_0_368:notes"/>
           <p:cNvSpPr txBox="1">
             <a:spLocks noGrp="1"/>
           </p:cNvSpPr>
@@ -3721,7 +3720,7 @@
   <p:cSld>
     <p:spTree>
       <p:nvGrpSpPr>
-        <p:cNvPr id="1" name="Shape 258"/>
+        <p:cNvPr id="1" name="Shape 264"/>
         <p:cNvGrpSpPr/>
         <p:nvPr/>
       </p:nvGrpSpPr>
@@ -3735,7 +3734,7 @@
       </p:grpSpPr>
       <p:sp>
         <p:nvSpPr>
-          <p:cNvPr id="259" name="Google Shape;259;g15173642282_0_368:notes"/>
+          <p:cNvPr id="265" name="Google Shape;265;g15173642282_0_374:notes"/>
           <p:cNvSpPr>
             <a:spLocks noGrp="1" noRot="1" noChangeAspect="1"/>
           </p:cNvSpPr>
@@ -3776,7 +3775,7 @@
       </p:sp>
       <p:sp>
         <p:nvSpPr>
-          <p:cNvPr id="260" name="Google Shape;260;g15173642282_0_368:notes"/>
+          <p:cNvPr id="266" name="Google Shape;266;g15173642282_0_374:notes"/>
           <p:cNvSpPr txBox="1">
             <a:spLocks noGrp="1"/>
           </p:cNvSpPr>
@@ -3825,7 +3824,7 @@
   <p:cSld>
     <p:spTree>
       <p:nvGrpSpPr>
-        <p:cNvPr id="1" name="Shape 264"/>
+        <p:cNvPr id="1" name="Shape 270"/>
         <p:cNvGrpSpPr/>
         <p:nvPr/>
       </p:nvGrpSpPr>
@@ -3839,7 +3838,7 @@
       </p:grpSpPr>
       <p:sp>
         <p:nvSpPr>
-          <p:cNvPr id="265" name="Google Shape;265;g15173642282_0_374:notes"/>
+          <p:cNvPr id="271" name="Google Shape;271;g15173642282_0_380:notes"/>
           <p:cNvSpPr>
             <a:spLocks noGrp="1" noRot="1" noChangeAspect="1"/>
           </p:cNvSpPr>
@@ -3880,7 +3879,7 @@
       </p:sp>
       <p:sp>
         <p:nvSpPr>
-          <p:cNvPr id="266" name="Google Shape;266;g15173642282_0_374:notes"/>
+          <p:cNvPr id="272" name="Google Shape;272;g15173642282_0_380:notes"/>
           <p:cNvSpPr txBox="1">
             <a:spLocks noGrp="1"/>
           </p:cNvSpPr>
@@ -3929,7 +3928,7 @@
   <p:cSld>
     <p:spTree>
       <p:nvGrpSpPr>
-        <p:cNvPr id="1" name="Shape 270"/>
+        <p:cNvPr id="1" name="Shape 276"/>
         <p:cNvGrpSpPr/>
         <p:nvPr/>
       </p:nvGrpSpPr>
@@ -3943,7 +3942,7 @@
       </p:grpSpPr>
       <p:sp>
         <p:nvSpPr>
-          <p:cNvPr id="271" name="Google Shape;271;g15173642282_0_380:notes"/>
+          <p:cNvPr id="277" name="Google Shape;277;g15173642282_0_386:notes"/>
           <p:cNvSpPr>
             <a:spLocks noGrp="1" noRot="1" noChangeAspect="1"/>
           </p:cNvSpPr>
@@ -3984,7 +3983,7 @@
       </p:sp>
       <p:sp>
         <p:nvSpPr>
-          <p:cNvPr id="272" name="Google Shape;272;g15173642282_0_380:notes"/>
+          <p:cNvPr id="278" name="Google Shape;278;g15173642282_0_386:notes"/>
           <p:cNvSpPr txBox="1">
             <a:spLocks noGrp="1"/>
           </p:cNvSpPr>
@@ -4033,7 +4032,7 @@
   <p:cSld>
     <p:spTree>
       <p:nvGrpSpPr>
-        <p:cNvPr id="1" name="Shape 276"/>
+        <p:cNvPr id="1" name="Shape 282"/>
         <p:cNvGrpSpPr/>
         <p:nvPr/>
       </p:nvGrpSpPr>
@@ -4047,7 +4046,7 @@
       </p:grpSpPr>
       <p:sp>
         <p:nvSpPr>
-          <p:cNvPr id="277" name="Google Shape;277;g15173642282_0_386:notes"/>
+          <p:cNvPr id="283" name="Google Shape;283;g15173642282_0_393:notes"/>
           <p:cNvSpPr>
             <a:spLocks noGrp="1" noRot="1" noChangeAspect="1"/>
           </p:cNvSpPr>
@@ -4088,7 +4087,7 @@
       </p:sp>
       <p:sp>
         <p:nvSpPr>
-          <p:cNvPr id="278" name="Google Shape;278;g15173642282_0_386:notes"/>
+          <p:cNvPr id="284" name="Google Shape;284;g15173642282_0_393:notes"/>
           <p:cNvSpPr txBox="1">
             <a:spLocks noGrp="1"/>
           </p:cNvSpPr>
@@ -4137,7 +4136,7 @@
   <p:cSld>
     <p:spTree>
       <p:nvGrpSpPr>
-        <p:cNvPr id="1" name="Shape 282"/>
+        <p:cNvPr id="1" name="Shape 288"/>
         <p:cNvGrpSpPr/>
         <p:nvPr/>
       </p:nvGrpSpPr>
@@ -4151,7 +4150,7 @@
       </p:grpSpPr>
       <p:sp>
         <p:nvSpPr>
-          <p:cNvPr id="283" name="Google Shape;283;g15173642282_0_393:notes"/>
+          <p:cNvPr id="289" name="Google Shape;289;g15173642282_0_399:notes"/>
           <p:cNvSpPr>
             <a:spLocks noGrp="1" noRot="1" noChangeAspect="1"/>
           </p:cNvSpPr>
@@ -4192,7 +4191,7 @@
       </p:sp>
       <p:sp>
         <p:nvSpPr>
-          <p:cNvPr id="284" name="Google Shape;284;g15173642282_0_393:notes"/>
+          <p:cNvPr id="290" name="Google Shape;290;g15173642282_0_399:notes"/>
           <p:cNvSpPr txBox="1">
             <a:spLocks noGrp="1"/>
           </p:cNvSpPr>
@@ -4345,7 +4344,7 @@
   <p:cSld>
     <p:spTree>
       <p:nvGrpSpPr>
-        <p:cNvPr id="1" name="Shape 288"/>
+        <p:cNvPr id="1" name="Shape 294"/>
         <p:cNvGrpSpPr/>
         <p:nvPr/>
       </p:nvGrpSpPr>
@@ -4359,7 +4358,7 @@
       </p:grpSpPr>
       <p:sp>
         <p:nvSpPr>
-          <p:cNvPr id="289" name="Google Shape;289;g15173642282_0_399:notes"/>
+          <p:cNvPr id="295" name="Google Shape;295;g15173642282_0_405:notes"/>
           <p:cNvSpPr>
             <a:spLocks noGrp="1" noRot="1" noChangeAspect="1"/>
           </p:cNvSpPr>
@@ -4369,7 +4368,7 @@
         </p:nvSpPr>
         <p:spPr>
           <a:xfrm>
-            <a:off x="381300" y="685800"/>
+            <a:off x="381000" y="685800"/>
             <a:ext cx="6096000" cy="3429000"/>
           </a:xfrm>
           <a:custGeom>
@@ -4400,7 +4399,7 @@
       </p:sp>
       <p:sp>
         <p:nvSpPr>
-          <p:cNvPr id="290" name="Google Shape;290;g15173642282_0_399:notes"/>
+          <p:cNvPr id="296" name="Google Shape;296;g15173642282_0_405:notes"/>
           <p:cNvSpPr txBox="1">
             <a:spLocks noGrp="1"/>
           </p:cNvSpPr>
@@ -4449,7 +4448,7 @@
   <p:cSld>
     <p:spTree>
       <p:nvGrpSpPr>
-        <p:cNvPr id="1" name="Shape 294"/>
+        <p:cNvPr id="1" name="Shape 300"/>
         <p:cNvGrpSpPr/>
         <p:nvPr/>
       </p:nvGrpSpPr>
@@ -4463,7 +4462,7 @@
       </p:grpSpPr>
       <p:sp>
         <p:nvSpPr>
-          <p:cNvPr id="295" name="Google Shape;295;g15173642282_0_405:notes"/>
+          <p:cNvPr id="301" name="Google Shape;301;g15173642282_0_411:notes"/>
           <p:cNvSpPr>
             <a:spLocks noGrp="1" noRot="1" noChangeAspect="1"/>
           </p:cNvSpPr>
@@ -4473,7 +4472,7 @@
         </p:nvSpPr>
         <p:spPr>
           <a:xfrm>
-            <a:off x="381000" y="685800"/>
+            <a:off x="381300" y="685800"/>
             <a:ext cx="6096000" cy="3429000"/>
           </a:xfrm>
           <a:custGeom>
@@ -4504,7 +4503,7 @@
       </p:sp>
       <p:sp>
         <p:nvSpPr>
-          <p:cNvPr id="296" name="Google Shape;296;g15173642282_0_405:notes"/>
+          <p:cNvPr id="302" name="Google Shape;302;g15173642282_0_411:notes"/>
           <p:cNvSpPr txBox="1">
             <a:spLocks noGrp="1"/>
           </p:cNvSpPr>
@@ -4553,7 +4552,7 @@
   <p:cSld>
     <p:spTree>
       <p:nvGrpSpPr>
-        <p:cNvPr id="1" name="Shape 300"/>
+        <p:cNvPr id="1" name="Shape 306"/>
         <p:cNvGrpSpPr/>
         <p:nvPr/>
       </p:nvGrpSpPr>
@@ -4567,7 +4566,7 @@
       </p:grpSpPr>
       <p:sp>
         <p:nvSpPr>
-          <p:cNvPr id="301" name="Google Shape;301;g15173642282_0_411:notes"/>
+          <p:cNvPr id="307" name="Google Shape;307;g15173642282_0_417:notes"/>
           <p:cNvSpPr>
             <a:spLocks noGrp="1" noRot="1" noChangeAspect="1"/>
           </p:cNvSpPr>
@@ -4608,7 +4607,7 @@
       </p:sp>
       <p:sp>
         <p:nvSpPr>
-          <p:cNvPr id="302" name="Google Shape;302;g15173642282_0_411:notes"/>
+          <p:cNvPr id="308" name="Google Shape;308;g15173642282_0_417:notes"/>
           <p:cNvSpPr txBox="1">
             <a:spLocks noGrp="1"/>
           </p:cNvSpPr>
@@ -4657,7 +4656,7 @@
   <p:cSld>
     <p:spTree>
       <p:nvGrpSpPr>
-        <p:cNvPr id="1" name="Shape 306"/>
+        <p:cNvPr id="1" name="Shape 312"/>
         <p:cNvGrpSpPr/>
         <p:nvPr/>
       </p:nvGrpSpPr>
@@ -4671,7 +4670,7 @@
       </p:grpSpPr>
       <p:sp>
         <p:nvSpPr>
-          <p:cNvPr id="307" name="Google Shape;307;g15173642282_0_417:notes"/>
+          <p:cNvPr id="313" name="Google Shape;313;g15173642282_0_423:notes"/>
           <p:cNvSpPr>
             <a:spLocks noGrp="1" noRot="1" noChangeAspect="1"/>
           </p:cNvSpPr>
@@ -4712,7 +4711,7 @@
       </p:sp>
       <p:sp>
         <p:nvSpPr>
-          <p:cNvPr id="308" name="Google Shape;308;g15173642282_0_417:notes"/>
+          <p:cNvPr id="314" name="Google Shape;314;g15173642282_0_423:notes"/>
           <p:cNvSpPr txBox="1">
             <a:spLocks noGrp="1"/>
           </p:cNvSpPr>
@@ -4761,7 +4760,7 @@
   <p:cSld>
     <p:spTree>
       <p:nvGrpSpPr>
-        <p:cNvPr id="1" name="Shape 312"/>
+        <p:cNvPr id="1" name="Shape 318"/>
         <p:cNvGrpSpPr/>
         <p:nvPr/>
       </p:nvGrpSpPr>
@@ -4775,7 +4774,7 @@
       </p:grpSpPr>
       <p:sp>
         <p:nvSpPr>
-          <p:cNvPr id="313" name="Google Shape;313;g15173642282_0_423:notes"/>
+          <p:cNvPr id="319" name="Google Shape;319;g15173642282_0_429:notes"/>
           <p:cNvSpPr>
             <a:spLocks noGrp="1" noRot="1" noChangeAspect="1"/>
           </p:cNvSpPr>
@@ -4816,7 +4815,7 @@
       </p:sp>
       <p:sp>
         <p:nvSpPr>
-          <p:cNvPr id="314" name="Google Shape;314;g15173642282_0_423:notes"/>
+          <p:cNvPr id="320" name="Google Shape;320;g15173642282_0_429:notes"/>
           <p:cNvSpPr txBox="1">
             <a:spLocks noGrp="1"/>
           </p:cNvSpPr>
@@ -4865,7 +4864,7 @@
   <p:cSld>
     <p:spTree>
       <p:nvGrpSpPr>
-        <p:cNvPr id="1" name="Shape 318"/>
+        <p:cNvPr id="1" name="Shape 324"/>
         <p:cNvGrpSpPr/>
         <p:nvPr/>
       </p:nvGrpSpPr>
@@ -4879,7 +4878,7 @@
       </p:grpSpPr>
       <p:sp>
         <p:nvSpPr>
-          <p:cNvPr id="319" name="Google Shape;319;g15173642282_0_429:notes"/>
+          <p:cNvPr id="325" name="Google Shape;325;g15173642282_0_435:notes"/>
           <p:cNvSpPr>
             <a:spLocks noGrp="1" noRot="1" noChangeAspect="1"/>
           </p:cNvSpPr>
@@ -4920,7 +4919,7 @@
       </p:sp>
       <p:sp>
         <p:nvSpPr>
-          <p:cNvPr id="320" name="Google Shape;320;g15173642282_0_429:notes"/>
+          <p:cNvPr id="326" name="Google Shape;326;g15173642282_0_435:notes"/>
           <p:cNvSpPr txBox="1">
             <a:spLocks noGrp="1"/>
           </p:cNvSpPr>
@@ -4969,7 +4968,7 @@
   <p:cSld>
     <p:spTree>
       <p:nvGrpSpPr>
-        <p:cNvPr id="1" name="Shape 324"/>
+        <p:cNvPr id="1" name="Shape 330"/>
         <p:cNvGrpSpPr/>
         <p:nvPr/>
       </p:nvGrpSpPr>
@@ -4983,7 +4982,7 @@
       </p:grpSpPr>
       <p:sp>
         <p:nvSpPr>
-          <p:cNvPr id="325" name="Google Shape;325;g15173642282_0_435:notes"/>
+          <p:cNvPr id="331" name="Google Shape;331;g15173642282_0_441:notes"/>
           <p:cNvSpPr>
             <a:spLocks noGrp="1" noRot="1" noChangeAspect="1"/>
           </p:cNvSpPr>
@@ -5024,7 +5023,7 @@
       </p:sp>
       <p:sp>
         <p:nvSpPr>
-          <p:cNvPr id="326" name="Google Shape;326;g15173642282_0_435:notes"/>
+          <p:cNvPr id="332" name="Google Shape;332;g15173642282_0_441:notes"/>
           <p:cNvSpPr txBox="1">
             <a:spLocks noGrp="1"/>
           </p:cNvSpPr>
@@ -5073,7 +5072,7 @@
   <p:cSld>
     <p:spTree>
       <p:nvGrpSpPr>
-        <p:cNvPr id="1" name="Shape 330"/>
+        <p:cNvPr id="1" name="Shape 336"/>
         <p:cNvGrpSpPr/>
         <p:nvPr/>
       </p:nvGrpSpPr>
@@ -5087,7 +5086,7 @@
       </p:grpSpPr>
       <p:sp>
         <p:nvSpPr>
-          <p:cNvPr id="331" name="Google Shape;331;g15173642282_0_441:notes"/>
+          <p:cNvPr id="337" name="Google Shape;337;g15173642282_0_447:notes"/>
           <p:cNvSpPr>
             <a:spLocks noGrp="1" noRot="1" noChangeAspect="1"/>
           </p:cNvSpPr>
@@ -5128,7 +5127,7 @@
       </p:sp>
       <p:sp>
         <p:nvSpPr>
-          <p:cNvPr id="332" name="Google Shape;332;g15173642282_0_441:notes"/>
+          <p:cNvPr id="338" name="Google Shape;338;g15173642282_0_447:notes"/>
           <p:cNvSpPr txBox="1">
             <a:spLocks noGrp="1"/>
           </p:cNvSpPr>
@@ -5177,7 +5176,7 @@
   <p:cSld>
     <p:spTree>
       <p:nvGrpSpPr>
-        <p:cNvPr id="1" name="Shape 336"/>
+        <p:cNvPr id="1" name="Shape 342"/>
         <p:cNvGrpSpPr/>
         <p:nvPr/>
       </p:nvGrpSpPr>
@@ -5191,7 +5190,7 @@
       </p:grpSpPr>
       <p:sp>
         <p:nvSpPr>
-          <p:cNvPr id="337" name="Google Shape;337;g15173642282_0_447:notes"/>
+          <p:cNvPr id="343" name="Google Shape;343;g15173642282_0_453:notes"/>
           <p:cNvSpPr>
             <a:spLocks noGrp="1" noRot="1" noChangeAspect="1"/>
           </p:cNvSpPr>
@@ -5201,7 +5200,7 @@
         </p:nvSpPr>
         <p:spPr>
           <a:xfrm>
-            <a:off x="381300" y="685800"/>
+            <a:off x="381000" y="685800"/>
             <a:ext cx="6096000" cy="3429000"/>
           </a:xfrm>
           <a:custGeom>
@@ -5232,7 +5231,7 @@
       </p:sp>
       <p:sp>
         <p:nvSpPr>
-          <p:cNvPr id="338" name="Google Shape;338;g15173642282_0_447:notes"/>
+          <p:cNvPr id="344" name="Google Shape;344;g15173642282_0_453:notes"/>
           <p:cNvSpPr txBox="1">
             <a:spLocks noGrp="1"/>
           </p:cNvSpPr>
@@ -5281,7 +5280,7 @@
   <p:cSld>
     <p:spTree>
       <p:nvGrpSpPr>
-        <p:cNvPr id="1" name="Shape 342"/>
+        <p:cNvPr id="1" name="Shape 348"/>
         <p:cNvGrpSpPr/>
         <p:nvPr/>
       </p:nvGrpSpPr>
@@ -5295,7 +5294,7 @@
       </p:grpSpPr>
       <p:sp>
         <p:nvSpPr>
-          <p:cNvPr id="343" name="Google Shape;343;g15173642282_0_453:notes"/>
+          <p:cNvPr id="349" name="Google Shape;349;g15173642282_0_79:notes"/>
           <p:cNvSpPr>
             <a:spLocks noGrp="1" noRot="1" noChangeAspect="1"/>
           </p:cNvSpPr>
@@ -5305,7 +5304,7 @@
         </p:nvSpPr>
         <p:spPr>
           <a:xfrm>
-            <a:off x="381000" y="685800"/>
+            <a:off x="381300" y="685800"/>
             <a:ext cx="6096000" cy="3429000"/>
           </a:xfrm>
           <a:custGeom>
@@ -5336,7 +5335,7 @@
       </p:sp>
       <p:sp>
         <p:nvSpPr>
-          <p:cNvPr id="344" name="Google Shape;344;g15173642282_0_453:notes"/>
+          <p:cNvPr id="350" name="Google Shape;350;g15173642282_0_79:notes"/>
           <p:cNvSpPr txBox="1">
             <a:spLocks noGrp="1"/>
           </p:cNvSpPr>
@@ -5489,7 +5488,7 @@
   <p:cSld>
     <p:spTree>
       <p:nvGrpSpPr>
-        <p:cNvPr id="1" name="Shape 348"/>
+        <p:cNvPr id="1" name="Shape 354"/>
         <p:cNvGrpSpPr/>
         <p:nvPr/>
       </p:nvGrpSpPr>
@@ -5503,7 +5502,7 @@
       </p:grpSpPr>
       <p:sp>
         <p:nvSpPr>
-          <p:cNvPr id="349" name="Google Shape;349;g15173642282_0_79:notes"/>
+          <p:cNvPr id="355" name="Google Shape;355;g15173642282_0_84:notes"/>
           <p:cNvSpPr>
             <a:spLocks noGrp="1" noRot="1" noChangeAspect="1"/>
           </p:cNvSpPr>
@@ -5513,7 +5512,7 @@
         </p:nvSpPr>
         <p:spPr>
           <a:xfrm>
-            <a:off x="381300" y="685800"/>
+            <a:off x="381000" y="685800"/>
             <a:ext cx="6096000" cy="3429000"/>
           </a:xfrm>
           <a:custGeom>
@@ -5544,7 +5543,7 @@
       </p:sp>
       <p:sp>
         <p:nvSpPr>
-          <p:cNvPr id="350" name="Google Shape;350;g15173642282_0_79:notes"/>
+          <p:cNvPr id="356" name="Google Shape;356;g15173642282_0_84:notes"/>
           <p:cNvSpPr txBox="1">
             <a:spLocks noGrp="1"/>
           </p:cNvSpPr>
@@ -5593,7 +5592,7 @@
   <p:cSld>
     <p:spTree>
       <p:nvGrpSpPr>
-        <p:cNvPr id="1" name="Shape 354"/>
+        <p:cNvPr id="1" name="Shape 360"/>
         <p:cNvGrpSpPr/>
         <p:nvPr/>
       </p:nvGrpSpPr>
@@ -5607,7 +5606,7 @@
       </p:grpSpPr>
       <p:sp>
         <p:nvSpPr>
-          <p:cNvPr id="355" name="Google Shape;355;g15173642282_0_84:notes"/>
+          <p:cNvPr id="361" name="Google Shape;361;g15173642282_0_90:notes"/>
           <p:cNvSpPr>
             <a:spLocks noGrp="1" noRot="1" noChangeAspect="1"/>
           </p:cNvSpPr>
@@ -5617,7 +5616,7 @@
         </p:nvSpPr>
         <p:spPr>
           <a:xfrm>
-            <a:off x="381000" y="685800"/>
+            <a:off x="381300" y="685800"/>
             <a:ext cx="6096000" cy="3429000"/>
           </a:xfrm>
           <a:custGeom>
@@ -5648,7 +5647,7 @@
       </p:sp>
       <p:sp>
         <p:nvSpPr>
-          <p:cNvPr id="356" name="Google Shape;356;g15173642282_0_84:notes"/>
+          <p:cNvPr id="362" name="Google Shape;362;g15173642282_0_90:notes"/>
           <p:cNvSpPr txBox="1">
             <a:spLocks noGrp="1"/>
           </p:cNvSpPr>
@@ -5697,7 +5696,7 @@
   <p:cSld>
     <p:spTree>
       <p:nvGrpSpPr>
-        <p:cNvPr id="1" name="Shape 360"/>
+        <p:cNvPr id="1" name="Shape 366"/>
         <p:cNvGrpSpPr/>
         <p:nvPr/>
       </p:nvGrpSpPr>
@@ -5711,7 +5710,7 @@
       </p:grpSpPr>
       <p:sp>
         <p:nvSpPr>
-          <p:cNvPr id="361" name="Google Shape;361;g15173642282_0_90:notes"/>
+          <p:cNvPr id="367" name="Google Shape;367;g15173642282_0_95:notes"/>
           <p:cNvSpPr>
             <a:spLocks noGrp="1" noRot="1" noChangeAspect="1"/>
           </p:cNvSpPr>
@@ -5752,7 +5751,7 @@
       </p:sp>
       <p:sp>
         <p:nvSpPr>
-          <p:cNvPr id="362" name="Google Shape;362;g15173642282_0_90:notes"/>
+          <p:cNvPr id="368" name="Google Shape;368;g15173642282_0_95:notes"/>
           <p:cNvSpPr txBox="1">
             <a:spLocks noGrp="1"/>
           </p:cNvSpPr>
@@ -5801,7 +5800,7 @@
   <p:cSld>
     <p:spTree>
       <p:nvGrpSpPr>
-        <p:cNvPr id="1" name="Shape 366"/>
+        <p:cNvPr id="1" name="Shape 372"/>
         <p:cNvGrpSpPr/>
         <p:nvPr/>
       </p:nvGrpSpPr>
@@ -5815,7 +5814,7 @@
       </p:grpSpPr>
       <p:sp>
         <p:nvSpPr>
-          <p:cNvPr id="367" name="Google Shape;367;g15173642282_0_95:notes"/>
+          <p:cNvPr id="373" name="Google Shape;373;g15173642282_0_100:notes"/>
           <p:cNvSpPr>
             <a:spLocks noGrp="1" noRot="1" noChangeAspect="1"/>
           </p:cNvSpPr>
@@ -5856,7 +5855,7 @@
       </p:sp>
       <p:sp>
         <p:nvSpPr>
-          <p:cNvPr id="368" name="Google Shape;368;g15173642282_0_95:notes"/>
+          <p:cNvPr id="374" name="Google Shape;374;g15173642282_0_100:notes"/>
           <p:cNvSpPr txBox="1">
             <a:spLocks noGrp="1"/>
           </p:cNvSpPr>
@@ -5905,7 +5904,7 @@
   <p:cSld>
     <p:spTree>
       <p:nvGrpSpPr>
-        <p:cNvPr id="1" name="Shape 372"/>
+        <p:cNvPr id="1" name="Shape 378"/>
         <p:cNvGrpSpPr/>
         <p:nvPr/>
       </p:nvGrpSpPr>
@@ -5919,7 +5918,7 @@
       </p:grpSpPr>
       <p:sp>
         <p:nvSpPr>
-          <p:cNvPr id="373" name="Google Shape;373;g15173642282_0_100:notes"/>
+          <p:cNvPr id="379" name="Google Shape;379;g15173642282_0_105:notes"/>
           <p:cNvSpPr>
             <a:spLocks noGrp="1" noRot="1" noChangeAspect="1"/>
           </p:cNvSpPr>
@@ -5960,7 +5959,7 @@
       </p:sp>
       <p:sp>
         <p:nvSpPr>
-          <p:cNvPr id="374" name="Google Shape;374;g15173642282_0_100:notes"/>
+          <p:cNvPr id="380" name="Google Shape;380;g15173642282_0_105:notes"/>
           <p:cNvSpPr txBox="1">
             <a:spLocks noGrp="1"/>
           </p:cNvSpPr>
@@ -6009,7 +6008,7 @@
   <p:cSld>
     <p:spTree>
       <p:nvGrpSpPr>
-        <p:cNvPr id="1" name="Shape 378"/>
+        <p:cNvPr id="1" name="Shape 384"/>
         <p:cNvGrpSpPr/>
         <p:nvPr/>
       </p:nvGrpSpPr>
@@ -6023,7 +6022,7 @@
       </p:grpSpPr>
       <p:sp>
         <p:nvSpPr>
-          <p:cNvPr id="379" name="Google Shape;379;g15173642282_0_105:notes"/>
+          <p:cNvPr id="385" name="Google Shape;385;g15173642282_0_110:notes"/>
           <p:cNvSpPr>
             <a:spLocks noGrp="1" noRot="1" noChangeAspect="1"/>
           </p:cNvSpPr>
@@ -6064,7 +6063,7 @@
       </p:sp>
       <p:sp>
         <p:nvSpPr>
-          <p:cNvPr id="380" name="Google Shape;380;g15173642282_0_105:notes"/>
+          <p:cNvPr id="386" name="Google Shape;386;g15173642282_0_110:notes"/>
           <p:cNvSpPr txBox="1">
             <a:spLocks noGrp="1"/>
           </p:cNvSpPr>
@@ -6113,7 +6112,7 @@
   <p:cSld>
     <p:spTree>
       <p:nvGrpSpPr>
-        <p:cNvPr id="1" name="Shape 384"/>
+        <p:cNvPr id="1" name="Shape 390"/>
         <p:cNvGrpSpPr/>
         <p:nvPr/>
       </p:nvGrpSpPr>
@@ -6127,7 +6126,7 @@
       </p:grpSpPr>
       <p:sp>
         <p:nvSpPr>
-          <p:cNvPr id="385" name="Google Shape;385;g15173642282_0_110:notes"/>
+          <p:cNvPr id="391" name="Google Shape;391;g15173642282_0_115:notes"/>
           <p:cNvSpPr>
             <a:spLocks noGrp="1" noRot="1" noChangeAspect="1"/>
           </p:cNvSpPr>
@@ -6168,7 +6167,7 @@
       </p:sp>
       <p:sp>
         <p:nvSpPr>
-          <p:cNvPr id="386" name="Google Shape;386;g15173642282_0_110:notes"/>
+          <p:cNvPr id="392" name="Google Shape;392;g15173642282_0_115:notes"/>
           <p:cNvSpPr txBox="1">
             <a:spLocks noGrp="1"/>
           </p:cNvSpPr>
@@ -6217,7 +6216,7 @@
   <p:cSld>
     <p:spTree>
       <p:nvGrpSpPr>
-        <p:cNvPr id="1" name="Shape 390"/>
+        <p:cNvPr id="1" name="Shape 396"/>
         <p:cNvGrpSpPr/>
         <p:nvPr/>
       </p:nvGrpSpPr>
@@ -6231,7 +6230,7 @@
       </p:grpSpPr>
       <p:sp>
         <p:nvSpPr>
-          <p:cNvPr id="391" name="Google Shape;391;g15173642282_0_115:notes"/>
+          <p:cNvPr id="397" name="Google Shape;397;g15173642282_0_120:notes"/>
           <p:cNvSpPr>
             <a:spLocks noGrp="1" noRot="1" noChangeAspect="1"/>
           </p:cNvSpPr>
@@ -6241,7 +6240,7 @@
         </p:nvSpPr>
         <p:spPr>
           <a:xfrm>
-            <a:off x="381300" y="685800"/>
+            <a:off x="381000" y="685800"/>
             <a:ext cx="6096000" cy="3429000"/>
           </a:xfrm>
           <a:custGeom>
@@ -6272,7 +6271,7 @@
       </p:sp>
       <p:sp>
         <p:nvSpPr>
-          <p:cNvPr id="392" name="Google Shape;392;g15173642282_0_115:notes"/>
+          <p:cNvPr id="398" name="Google Shape;398;g15173642282_0_120:notes"/>
           <p:cNvSpPr txBox="1">
             <a:spLocks noGrp="1"/>
           </p:cNvSpPr>
@@ -6321,7 +6320,7 @@
   <p:cSld>
     <p:spTree>
       <p:nvGrpSpPr>
-        <p:cNvPr id="1" name="Shape 396"/>
+        <p:cNvPr id="1" name="Shape 402"/>
         <p:cNvGrpSpPr/>
         <p:nvPr/>
       </p:nvGrpSpPr>
@@ -6335,7 +6334,7 @@
       </p:grpSpPr>
       <p:sp>
         <p:nvSpPr>
-          <p:cNvPr id="397" name="Google Shape;397;g15173642282_0_120:notes"/>
+          <p:cNvPr id="403" name="Google Shape;403;g15173642282_0_125:notes"/>
           <p:cNvSpPr>
             <a:spLocks noGrp="1" noRot="1" noChangeAspect="1"/>
           </p:cNvSpPr>
@@ -6376,7 +6375,7 @@
       </p:sp>
       <p:sp>
         <p:nvSpPr>
-          <p:cNvPr id="398" name="Google Shape;398;g15173642282_0_120:notes"/>
+          <p:cNvPr id="404" name="Google Shape;404;g15173642282_0_125:notes"/>
           <p:cNvSpPr txBox="1">
             <a:spLocks noGrp="1"/>
           </p:cNvSpPr>
@@ -6425,7 +6424,7 @@
   <p:cSld>
     <p:spTree>
       <p:nvGrpSpPr>
-        <p:cNvPr id="1" name="Shape 402"/>
+        <p:cNvPr id="1" name="Shape 408"/>
         <p:cNvGrpSpPr/>
         <p:nvPr/>
       </p:nvGrpSpPr>
@@ -6439,7 +6438,7 @@
       </p:grpSpPr>
       <p:sp>
         <p:nvSpPr>
-          <p:cNvPr id="403" name="Google Shape;403;g15173642282_0_125:notes"/>
+          <p:cNvPr id="409" name="Google Shape;409;g15173642282_0_460:notes"/>
           <p:cNvSpPr>
             <a:spLocks noGrp="1" noRot="1" noChangeAspect="1"/>
           </p:cNvSpPr>
@@ -6449,7 +6448,7 @@
         </p:nvSpPr>
         <p:spPr>
           <a:xfrm>
-            <a:off x="381000" y="685800"/>
+            <a:off x="381300" y="685800"/>
             <a:ext cx="6096000" cy="3429000"/>
           </a:xfrm>
           <a:custGeom>
@@ -6480,7 +6479,7 @@
       </p:sp>
       <p:sp>
         <p:nvSpPr>
-          <p:cNvPr id="404" name="Google Shape;404;g15173642282_0_125:notes"/>
+          <p:cNvPr id="410" name="Google Shape;410;g15173642282_0_460:notes"/>
           <p:cNvSpPr txBox="1">
             <a:spLocks noGrp="1"/>
           </p:cNvSpPr>
@@ -6633,7 +6632,7 @@
   <p:cSld>
     <p:spTree>
       <p:nvGrpSpPr>
-        <p:cNvPr id="1" name="Shape 408"/>
+        <p:cNvPr id="1" name="Shape 414"/>
         <p:cNvGrpSpPr/>
         <p:nvPr/>
       </p:nvGrpSpPr>
@@ -6647,7 +6646,7 @@
       </p:grpSpPr>
       <p:sp>
         <p:nvSpPr>
-          <p:cNvPr id="409" name="Google Shape;409;g15173642282_0_460:notes"/>
+          <p:cNvPr id="415" name="Google Shape;415;g15173642282_0_467:notes"/>
           <p:cNvSpPr>
             <a:spLocks noGrp="1" noRot="1" noChangeAspect="1"/>
           </p:cNvSpPr>
@@ -6688,7 +6687,7 @@
       </p:sp>
       <p:sp>
         <p:nvSpPr>
-          <p:cNvPr id="410" name="Google Shape;410;g15173642282_0_460:notes"/>
+          <p:cNvPr id="416" name="Google Shape;416;g15173642282_0_467:notes"/>
           <p:cNvSpPr txBox="1">
             <a:spLocks noGrp="1"/>
           </p:cNvSpPr>
@@ -6737,7 +6736,7 @@
   <p:cSld>
     <p:spTree>
       <p:nvGrpSpPr>
-        <p:cNvPr id="1" name="Shape 414"/>
+        <p:cNvPr id="1" name="Shape 420"/>
         <p:cNvGrpSpPr/>
         <p:nvPr/>
       </p:nvGrpSpPr>
@@ -6751,7 +6750,7 @@
       </p:grpSpPr>
       <p:sp>
         <p:nvSpPr>
-          <p:cNvPr id="415" name="Google Shape;415;g15173642282_0_467:notes"/>
+          <p:cNvPr id="421" name="Google Shape;421;g15173642282_0_473:notes"/>
           <p:cNvSpPr>
             <a:spLocks noGrp="1" noRot="1" noChangeAspect="1"/>
           </p:cNvSpPr>
@@ -6792,7 +6791,7 @@
       </p:sp>
       <p:sp>
         <p:nvSpPr>
-          <p:cNvPr id="416" name="Google Shape;416;g15173642282_0_467:notes"/>
+          <p:cNvPr id="422" name="Google Shape;422;g15173642282_0_473:notes"/>
           <p:cNvSpPr txBox="1">
             <a:spLocks noGrp="1"/>
           </p:cNvSpPr>
@@ -6841,7 +6840,7 @@
   <p:cSld>
     <p:spTree>
       <p:nvGrpSpPr>
-        <p:cNvPr id="1" name="Shape 420"/>
+        <p:cNvPr id="1" name="Shape 426"/>
         <p:cNvGrpSpPr/>
         <p:nvPr/>
       </p:nvGrpSpPr>
@@ -6855,7 +6854,7 @@
       </p:grpSpPr>
       <p:sp>
         <p:nvSpPr>
-          <p:cNvPr id="421" name="Google Shape;421;g15173642282_0_473:notes"/>
+          <p:cNvPr id="427" name="Google Shape;427;g15173642282_0_479:notes"/>
           <p:cNvSpPr>
             <a:spLocks noGrp="1" noRot="1" noChangeAspect="1"/>
           </p:cNvSpPr>
@@ -6896,7 +6895,7 @@
       </p:sp>
       <p:sp>
         <p:nvSpPr>
-          <p:cNvPr id="422" name="Google Shape;422;g15173642282_0_473:notes"/>
+          <p:cNvPr id="428" name="Google Shape;428;g15173642282_0_479:notes"/>
           <p:cNvSpPr txBox="1">
             <a:spLocks noGrp="1"/>
           </p:cNvSpPr>
@@ -6945,7 +6944,7 @@
   <p:cSld>
     <p:spTree>
       <p:nvGrpSpPr>
-        <p:cNvPr id="1" name="Shape 426"/>
+        <p:cNvPr id="1" name="Shape 432"/>
         <p:cNvGrpSpPr/>
         <p:nvPr/>
       </p:nvGrpSpPr>
@@ -6959,7 +6958,7 @@
       </p:grpSpPr>
       <p:sp>
         <p:nvSpPr>
-          <p:cNvPr id="427" name="Google Shape;427;g15173642282_0_479:notes"/>
+          <p:cNvPr id="433" name="Google Shape;433;g15173642282_0_484:notes"/>
           <p:cNvSpPr>
             <a:spLocks noGrp="1" noRot="1" noChangeAspect="1"/>
           </p:cNvSpPr>
@@ -7000,7 +6999,7 @@
       </p:sp>
       <p:sp>
         <p:nvSpPr>
-          <p:cNvPr id="428" name="Google Shape;428;g15173642282_0_479:notes"/>
+          <p:cNvPr id="434" name="Google Shape;434;g15173642282_0_484:notes"/>
           <p:cNvSpPr txBox="1">
             <a:spLocks noGrp="1"/>
           </p:cNvSpPr>
@@ -7049,7 +7048,7 @@
   <p:cSld>
     <p:spTree>
       <p:nvGrpSpPr>
-        <p:cNvPr id="1" name="Shape 432"/>
+        <p:cNvPr id="1" name="Shape 438"/>
         <p:cNvGrpSpPr/>
         <p:nvPr/>
       </p:nvGrpSpPr>
@@ -7063,7 +7062,7 @@
       </p:grpSpPr>
       <p:sp>
         <p:nvSpPr>
-          <p:cNvPr id="433" name="Google Shape;433;g15173642282_0_484:notes"/>
+          <p:cNvPr id="439" name="Google Shape;439;g15173642282_0_491:notes"/>
           <p:cNvSpPr>
             <a:spLocks noGrp="1" noRot="1" noChangeAspect="1"/>
           </p:cNvSpPr>
@@ -7073,7 +7072,7 @@
         </p:nvSpPr>
         <p:spPr>
           <a:xfrm>
-            <a:off x="381300" y="685800"/>
+            <a:off x="381000" y="685800"/>
             <a:ext cx="6096000" cy="3429000"/>
           </a:xfrm>
           <a:custGeom>
@@ -7104,7 +7103,7 @@
       </p:sp>
       <p:sp>
         <p:nvSpPr>
-          <p:cNvPr id="434" name="Google Shape;434;g15173642282_0_484:notes"/>
+          <p:cNvPr id="440" name="Google Shape;440;g15173642282_0_491:notes"/>
           <p:cNvSpPr txBox="1">
             <a:spLocks noGrp="1"/>
           </p:cNvSpPr>
@@ -7153,7 +7152,7 @@
   <p:cSld>
     <p:spTree>
       <p:nvGrpSpPr>
-        <p:cNvPr id="1" name="Shape 438"/>
+        <p:cNvPr id="1" name="Shape 444"/>
         <p:cNvGrpSpPr/>
         <p:nvPr/>
       </p:nvGrpSpPr>
@@ -7167,7 +7166,7 @@
       </p:grpSpPr>
       <p:sp>
         <p:nvSpPr>
-          <p:cNvPr id="439" name="Google Shape;439;g15173642282_0_491:notes"/>
+          <p:cNvPr id="445" name="Google Shape;445;g15173642282_0_498:notes"/>
           <p:cNvSpPr>
             <a:spLocks noGrp="1" noRot="1" noChangeAspect="1"/>
           </p:cNvSpPr>
@@ -7177,7 +7176,7 @@
         </p:nvSpPr>
         <p:spPr>
           <a:xfrm>
-            <a:off x="381000" y="685800"/>
+            <a:off x="381300" y="685800"/>
             <a:ext cx="6096000" cy="3429000"/>
           </a:xfrm>
           <a:custGeom>
@@ -7208,7 +7207,7 @@
       </p:sp>
       <p:sp>
         <p:nvSpPr>
-          <p:cNvPr id="440" name="Google Shape;440;g15173642282_0_491:notes"/>
+          <p:cNvPr id="446" name="Google Shape;446;g15173642282_0_498:notes"/>
           <p:cNvSpPr txBox="1">
             <a:spLocks noGrp="1"/>
           </p:cNvSpPr>
@@ -7257,7 +7256,7 @@
   <p:cSld>
     <p:spTree>
       <p:nvGrpSpPr>
-        <p:cNvPr id="1" name="Shape 444"/>
+        <p:cNvPr id="1" name="Shape 451"/>
         <p:cNvGrpSpPr/>
         <p:nvPr/>
       </p:nvGrpSpPr>
@@ -7271,7 +7270,7 @@
       </p:grpSpPr>
       <p:sp>
         <p:nvSpPr>
-          <p:cNvPr id="445" name="Google Shape;445;g15173642282_0_498:notes"/>
+          <p:cNvPr id="452" name="Google Shape;452;g15173642282_0_130:notes"/>
           <p:cNvSpPr>
             <a:spLocks noGrp="1" noRot="1" noChangeAspect="1"/>
           </p:cNvSpPr>
@@ -7312,7 +7311,7 @@
       </p:sp>
       <p:sp>
         <p:nvSpPr>
-          <p:cNvPr id="446" name="Google Shape;446;g15173642282_0_498:notes"/>
+          <p:cNvPr id="453" name="Google Shape;453;g15173642282_0_130:notes"/>
           <p:cNvSpPr txBox="1">
             <a:spLocks noGrp="1"/>
           </p:cNvSpPr>
@@ -7361,7 +7360,7 @@
   <p:cSld>
     <p:spTree>
       <p:nvGrpSpPr>
-        <p:cNvPr id="1" name="Shape 451"/>
+        <p:cNvPr id="1" name="Shape 457"/>
         <p:cNvGrpSpPr/>
         <p:nvPr/>
       </p:nvGrpSpPr>
@@ -7375,7 +7374,7 @@
       </p:grpSpPr>
       <p:sp>
         <p:nvSpPr>
-          <p:cNvPr id="452" name="Google Shape;452;g15173642282_0_130:notes"/>
+          <p:cNvPr id="458" name="Google Shape;458;g15173642282_0_136:notes"/>
           <p:cNvSpPr>
             <a:spLocks noGrp="1" noRot="1" noChangeAspect="1"/>
           </p:cNvSpPr>
@@ -7416,7 +7415,7 @@
       </p:sp>
       <p:sp>
         <p:nvSpPr>
-          <p:cNvPr id="453" name="Google Shape;453;g15173642282_0_130:notes"/>
+          <p:cNvPr id="459" name="Google Shape;459;g15173642282_0_136:notes"/>
           <p:cNvSpPr txBox="1">
             <a:spLocks noGrp="1"/>
           </p:cNvSpPr>
@@ -7465,7 +7464,7 @@
   <p:cSld>
     <p:spTree>
       <p:nvGrpSpPr>
-        <p:cNvPr id="1" name="Shape 457"/>
+        <p:cNvPr id="1" name="Shape 463"/>
         <p:cNvGrpSpPr/>
         <p:nvPr/>
       </p:nvGrpSpPr>
@@ -7479,7 +7478,7 @@
       </p:grpSpPr>
       <p:sp>
         <p:nvSpPr>
-          <p:cNvPr id="458" name="Google Shape;458;g15173642282_0_136:notes"/>
+          <p:cNvPr id="464" name="Google Shape;464;g15173642282_0_142:notes"/>
           <p:cNvSpPr>
             <a:spLocks noGrp="1" noRot="1" noChangeAspect="1"/>
           </p:cNvSpPr>
@@ -7520,7 +7519,7 @@
       </p:sp>
       <p:sp>
         <p:nvSpPr>
-          <p:cNvPr id="459" name="Google Shape;459;g15173642282_0_136:notes"/>
+          <p:cNvPr id="465" name="Google Shape;465;g15173642282_0_142:notes"/>
           <p:cNvSpPr txBox="1">
             <a:spLocks noGrp="1"/>
           </p:cNvSpPr>
@@ -7569,7 +7568,7 @@
   <p:cSld>
     <p:spTree>
       <p:nvGrpSpPr>
-        <p:cNvPr id="1" name="Shape 463"/>
+        <p:cNvPr id="1" name="Shape 469"/>
         <p:cNvGrpSpPr/>
         <p:nvPr/>
       </p:nvGrpSpPr>
@@ -7583,7 +7582,7 @@
       </p:grpSpPr>
       <p:sp>
         <p:nvSpPr>
-          <p:cNvPr id="464" name="Google Shape;464;g15173642282_0_142:notes"/>
+          <p:cNvPr id="470" name="Google Shape;470;g15173642282_0_148:notes"/>
           <p:cNvSpPr>
             <a:spLocks noGrp="1" noRot="1" noChangeAspect="1"/>
           </p:cNvSpPr>
@@ -7624,7 +7623,7 @@
       </p:sp>
       <p:sp>
         <p:nvSpPr>
-          <p:cNvPr id="465" name="Google Shape;465;g15173642282_0_142:notes"/>
+          <p:cNvPr id="471" name="Google Shape;471;g15173642282_0_148:notes"/>
           <p:cNvSpPr txBox="1">
             <a:spLocks noGrp="1"/>
           </p:cNvSpPr>
@@ -7777,7 +7776,7 @@
   <p:cSld>
     <p:spTree>
       <p:nvGrpSpPr>
-        <p:cNvPr id="1" name="Shape 469"/>
+        <p:cNvPr id="1" name="Shape 475"/>
         <p:cNvGrpSpPr/>
         <p:nvPr/>
       </p:nvGrpSpPr>
@@ -7791,7 +7790,7 @@
       </p:grpSpPr>
       <p:sp>
         <p:nvSpPr>
-          <p:cNvPr id="470" name="Google Shape;470;g15173642282_0_148:notes"/>
+          <p:cNvPr id="476" name="Google Shape;476;g15173642282_0_154:notes"/>
           <p:cNvSpPr>
             <a:spLocks noGrp="1" noRot="1" noChangeAspect="1"/>
           </p:cNvSpPr>
@@ -7832,7 +7831,7 @@
       </p:sp>
       <p:sp>
         <p:nvSpPr>
-          <p:cNvPr id="471" name="Google Shape;471;g15173642282_0_148:notes"/>
+          <p:cNvPr id="477" name="Google Shape;477;g15173642282_0_154:notes"/>
           <p:cNvSpPr txBox="1">
             <a:spLocks noGrp="1"/>
           </p:cNvSpPr>
@@ -7881,7 +7880,7 @@
   <p:cSld>
     <p:spTree>
       <p:nvGrpSpPr>
-        <p:cNvPr id="1" name="Shape 475"/>
+        <p:cNvPr id="1" name="Shape 481"/>
         <p:cNvGrpSpPr/>
         <p:nvPr/>
       </p:nvGrpSpPr>
@@ -7895,7 +7894,7 @@
       </p:grpSpPr>
       <p:sp>
         <p:nvSpPr>
-          <p:cNvPr id="476" name="Google Shape;476;g15173642282_0_154:notes"/>
+          <p:cNvPr id="482" name="Google Shape;482;g15173642282_0_160:notes"/>
           <p:cNvSpPr>
             <a:spLocks noGrp="1" noRot="1" noChangeAspect="1"/>
           </p:cNvSpPr>
@@ -7936,7 +7935,7 @@
       </p:sp>
       <p:sp>
         <p:nvSpPr>
-          <p:cNvPr id="477" name="Google Shape;477;g15173642282_0_154:notes"/>
+          <p:cNvPr id="483" name="Google Shape;483;g15173642282_0_160:notes"/>
           <p:cNvSpPr txBox="1">
             <a:spLocks noGrp="1"/>
           </p:cNvSpPr>
@@ -7985,7 +7984,7 @@
   <p:cSld>
     <p:spTree>
       <p:nvGrpSpPr>
-        <p:cNvPr id="1" name="Shape 481"/>
+        <p:cNvPr id="1" name="Shape 487"/>
         <p:cNvGrpSpPr/>
         <p:nvPr/>
       </p:nvGrpSpPr>
@@ -7999,7 +7998,7 @@
       </p:grpSpPr>
       <p:sp>
         <p:nvSpPr>
-          <p:cNvPr id="482" name="Google Shape;482;g15173642282_0_160:notes"/>
+          <p:cNvPr id="488" name="Google Shape;488;g15173642282_0_165:notes"/>
           <p:cNvSpPr>
             <a:spLocks noGrp="1" noRot="1" noChangeAspect="1"/>
           </p:cNvSpPr>
@@ -8040,7 +8039,7 @@
       </p:sp>
       <p:sp>
         <p:nvSpPr>
-          <p:cNvPr id="483" name="Google Shape;483;g15173642282_0_160:notes"/>
+          <p:cNvPr id="489" name="Google Shape;489;g15173642282_0_165:notes"/>
           <p:cNvSpPr txBox="1">
             <a:spLocks noGrp="1"/>
           </p:cNvSpPr>
@@ -8089,7 +8088,7 @@
   <p:cSld>
     <p:spTree>
       <p:nvGrpSpPr>
-        <p:cNvPr id="1" name="Shape 487"/>
+        <p:cNvPr id="1" name="Shape 493"/>
         <p:cNvGrpSpPr/>
         <p:nvPr/>
       </p:nvGrpSpPr>
@@ -8103,7 +8102,7 @@
       </p:grpSpPr>
       <p:sp>
         <p:nvSpPr>
-          <p:cNvPr id="488" name="Google Shape;488;g15173642282_0_165:notes"/>
+          <p:cNvPr id="494" name="Google Shape;494;g15173642282_0_171:notes"/>
           <p:cNvSpPr>
             <a:spLocks noGrp="1" noRot="1" noChangeAspect="1"/>
           </p:cNvSpPr>
@@ -8144,7 +8143,7 @@
       </p:sp>
       <p:sp>
         <p:nvSpPr>
-          <p:cNvPr id="489" name="Google Shape;489;g15173642282_0_165:notes"/>
+          <p:cNvPr id="495" name="Google Shape;495;g15173642282_0_171:notes"/>
           <p:cNvSpPr txBox="1">
             <a:spLocks noGrp="1"/>
           </p:cNvSpPr>
@@ -8193,7 +8192,7 @@
   <p:cSld>
     <p:spTree>
       <p:nvGrpSpPr>
-        <p:cNvPr id="1" name="Shape 493"/>
+        <p:cNvPr id="1" name="Shape 499"/>
         <p:cNvGrpSpPr/>
         <p:nvPr/>
       </p:nvGrpSpPr>
@@ -8207,7 +8206,7 @@
       </p:grpSpPr>
       <p:sp>
         <p:nvSpPr>
-          <p:cNvPr id="494" name="Google Shape;494;g15173642282_0_171:notes"/>
+          <p:cNvPr id="500" name="Google Shape;500;g15173642282_0_177:notes"/>
           <p:cNvSpPr>
             <a:spLocks noGrp="1" noRot="1" noChangeAspect="1"/>
           </p:cNvSpPr>
@@ -8248,7 +8247,7 @@
       </p:sp>
       <p:sp>
         <p:nvSpPr>
-          <p:cNvPr id="495" name="Google Shape;495;g15173642282_0_171:notes"/>
+          <p:cNvPr id="501" name="Google Shape;501;g15173642282_0_177:notes"/>
           <p:cNvSpPr txBox="1">
             <a:spLocks noGrp="1"/>
           </p:cNvSpPr>
@@ -8297,7 +8296,7 @@
   <p:cSld>
     <p:spTree>
       <p:nvGrpSpPr>
-        <p:cNvPr id="1" name="Shape 499"/>
+        <p:cNvPr id="1" name="Shape 505"/>
         <p:cNvGrpSpPr/>
         <p:nvPr/>
       </p:nvGrpSpPr>
@@ -8311,7 +8310,7 @@
       </p:grpSpPr>
       <p:sp>
         <p:nvSpPr>
-          <p:cNvPr id="500" name="Google Shape;500;g15173642282_0_177:notes"/>
+          <p:cNvPr id="506" name="Google Shape;506;g15173642282_0_183:notes"/>
           <p:cNvSpPr>
             <a:spLocks noGrp="1" noRot="1" noChangeAspect="1"/>
           </p:cNvSpPr>
@@ -8352,7 +8351,7 @@
       </p:sp>
       <p:sp>
         <p:nvSpPr>
-          <p:cNvPr id="501" name="Google Shape;501;g15173642282_0_177:notes"/>
+          <p:cNvPr id="507" name="Google Shape;507;g15173642282_0_183:notes"/>
           <p:cNvSpPr txBox="1">
             <a:spLocks noGrp="1"/>
           </p:cNvSpPr>
@@ -8401,7 +8400,7 @@
   <p:cSld>
     <p:spTree>
       <p:nvGrpSpPr>
-        <p:cNvPr id="1" name="Shape 505"/>
+        <p:cNvPr id="1" name="Shape 511"/>
         <p:cNvGrpSpPr/>
         <p:nvPr/>
       </p:nvGrpSpPr>
@@ -8415,7 +8414,7 @@
       </p:grpSpPr>
       <p:sp>
         <p:nvSpPr>
-          <p:cNvPr id="506" name="Google Shape;506;g15173642282_0_183:notes"/>
+          <p:cNvPr id="512" name="Google Shape;512;g15173642282_0_189:notes"/>
           <p:cNvSpPr>
             <a:spLocks noGrp="1" noRot="1" noChangeAspect="1"/>
           </p:cNvSpPr>
@@ -8456,7 +8455,7 @@
       </p:sp>
       <p:sp>
         <p:nvSpPr>
-          <p:cNvPr id="507" name="Google Shape;507;g15173642282_0_183:notes"/>
+          <p:cNvPr id="513" name="Google Shape;513;g15173642282_0_189:notes"/>
           <p:cNvSpPr txBox="1">
             <a:spLocks noGrp="1"/>
           </p:cNvSpPr>
@@ -8505,7 +8504,7 @@
   <p:cSld>
     <p:spTree>
       <p:nvGrpSpPr>
-        <p:cNvPr id="1" name="Shape 511"/>
+        <p:cNvPr id="1" name="Shape 517"/>
         <p:cNvGrpSpPr/>
         <p:nvPr/>
       </p:nvGrpSpPr>
@@ -8519,7 +8518,7 @@
       </p:grpSpPr>
       <p:sp>
         <p:nvSpPr>
-          <p:cNvPr id="512" name="Google Shape;512;g15173642282_0_189:notes"/>
+          <p:cNvPr id="518" name="Google Shape;518;g15173642282_0_195:notes"/>
           <p:cNvSpPr>
             <a:spLocks noGrp="1" noRot="1" noChangeAspect="1"/>
           </p:cNvSpPr>
@@ -8560,7 +8559,7 @@
       </p:sp>
       <p:sp>
         <p:nvSpPr>
-          <p:cNvPr id="513" name="Google Shape;513;g15173642282_0_189:notes"/>
+          <p:cNvPr id="519" name="Google Shape;519;g15173642282_0_195:notes"/>
           <p:cNvSpPr txBox="1">
             <a:spLocks noGrp="1"/>
           </p:cNvSpPr>
@@ -8609,7 +8608,7 @@
   <p:cSld>
     <p:spTree>
       <p:nvGrpSpPr>
-        <p:cNvPr id="1" name="Shape 517"/>
+        <p:cNvPr id="1" name="Shape 523"/>
         <p:cNvGrpSpPr/>
         <p:nvPr/>
       </p:nvGrpSpPr>
@@ -8623,7 +8622,7 @@
       </p:grpSpPr>
       <p:sp>
         <p:nvSpPr>
-          <p:cNvPr id="518" name="Google Shape;518;g15173642282_0_195:notes"/>
+          <p:cNvPr id="524" name="Google Shape;524;g15173642282_0_200:notes"/>
           <p:cNvSpPr>
             <a:spLocks noGrp="1" noRot="1" noChangeAspect="1"/>
           </p:cNvSpPr>
@@ -8664,7 +8663,7 @@
       </p:sp>
       <p:sp>
         <p:nvSpPr>
-          <p:cNvPr id="519" name="Google Shape;519;g15173642282_0_195:notes"/>
+          <p:cNvPr id="525" name="Google Shape;525;g15173642282_0_200:notes"/>
           <p:cNvSpPr txBox="1">
             <a:spLocks noGrp="1"/>
           </p:cNvSpPr>
@@ -8713,7 +8712,7 @@
   <p:cSld>
     <p:spTree>
       <p:nvGrpSpPr>
-        <p:cNvPr id="1" name="Shape 523"/>
+        <p:cNvPr id="1" name="Shape 530"/>
         <p:cNvGrpSpPr/>
         <p:nvPr/>
       </p:nvGrpSpPr>
@@ -8727,7 +8726,7 @@
       </p:grpSpPr>
       <p:sp>
         <p:nvSpPr>
-          <p:cNvPr id="524" name="Google Shape;524;g15173642282_0_200:notes"/>
+          <p:cNvPr id="531" name="Google Shape;531;g15173642282_0_210:notes"/>
           <p:cNvSpPr>
             <a:spLocks noGrp="1" noRot="1" noChangeAspect="1"/>
           </p:cNvSpPr>
@@ -8737,7 +8736,7 @@
         </p:nvSpPr>
         <p:spPr>
           <a:xfrm>
-            <a:off x="381300" y="685800"/>
+            <a:off x="381000" y="685800"/>
             <a:ext cx="6096000" cy="3429000"/>
           </a:xfrm>
           <a:custGeom>
@@ -8768,7 +8767,7 @@
       </p:sp>
       <p:sp>
         <p:nvSpPr>
-          <p:cNvPr id="525" name="Google Shape;525;g15173642282_0_200:notes"/>
+          <p:cNvPr id="532" name="Google Shape;532;g15173642282_0_210:notes"/>
           <p:cNvSpPr txBox="1">
             <a:spLocks noGrp="1"/>
           </p:cNvSpPr>
@@ -8921,7 +8920,7 @@
   <p:cSld>
     <p:spTree>
       <p:nvGrpSpPr>
-        <p:cNvPr id="1" name="Shape 530"/>
+        <p:cNvPr id="1" name="Shape 537"/>
         <p:cNvGrpSpPr/>
         <p:nvPr/>
       </p:nvGrpSpPr>
@@ -8935,7 +8934,7 @@
       </p:grpSpPr>
       <p:sp>
         <p:nvSpPr>
-          <p:cNvPr id="531" name="Google Shape;531;g15173642282_0_210:notes"/>
+          <p:cNvPr id="538" name="Google Shape;538;g15173642282_0_217:notes"/>
           <p:cNvSpPr>
             <a:spLocks noGrp="1" noRot="1" noChangeAspect="1"/>
           </p:cNvSpPr>
@@ -8976,7 +8975,7 @@
       </p:sp>
       <p:sp>
         <p:nvSpPr>
-          <p:cNvPr id="532" name="Google Shape;532;g15173642282_0_210:notes"/>
+          <p:cNvPr id="539" name="Google Shape;539;g15173642282_0_217:notes"/>
           <p:cNvSpPr txBox="1">
             <a:spLocks noGrp="1"/>
           </p:cNvSpPr>
@@ -9021,110 +9020,6 @@
 </file>
 
 <file path=ppt/notesSlides/notesSlide81.xml><?xml version="1.0" encoding="utf-8"?>
-<p:notes xmlns:a="http://schemas.openxmlformats.org/drawingml/2006/main" xmlns:r="http://schemas.openxmlformats.org/officeDocument/2006/relationships" xmlns:p="http://schemas.openxmlformats.org/presentationml/2006/main" showMasterSp="0" showMasterPhAnim="0">
-  <p:cSld>
-    <p:spTree>
-      <p:nvGrpSpPr>
-        <p:cNvPr id="1" name="Shape 537"/>
-        <p:cNvGrpSpPr/>
-        <p:nvPr/>
-      </p:nvGrpSpPr>
-      <p:grpSpPr>
-        <a:xfrm>
-          <a:off x="0" y="0"/>
-          <a:ext cx="0" cy="0"/>
-          <a:chOff x="0" y="0"/>
-          <a:chExt cx="0" cy="0"/>
-        </a:xfrm>
-      </p:grpSpPr>
-      <p:sp>
-        <p:nvSpPr>
-          <p:cNvPr id="538" name="Google Shape;538;g15173642282_0_217:notes"/>
-          <p:cNvSpPr>
-            <a:spLocks noGrp="1" noRot="1" noChangeAspect="1"/>
-          </p:cNvSpPr>
-          <p:nvPr>
-            <p:ph type="sldImg" idx="2"/>
-          </p:nvPr>
-        </p:nvSpPr>
-        <p:spPr>
-          <a:xfrm>
-            <a:off x="381000" y="685800"/>
-            <a:ext cx="6096000" cy="3429000"/>
-          </a:xfrm>
-          <a:custGeom>
-            <a:avLst/>
-            <a:gdLst/>
-            <a:ahLst/>
-            <a:cxnLst/>
-            <a:rect l="l" t="t" r="r" b="b"/>
-            <a:pathLst>
-              <a:path w="120000" h="120000" extrusionOk="0">
-                <a:moveTo>
-                  <a:pt x="0" y="0"/>
-                </a:moveTo>
-                <a:lnTo>
-                  <a:pt x="120000" y="0"/>
-                </a:lnTo>
-                <a:lnTo>
-                  <a:pt x="120000" y="120000"/>
-                </a:lnTo>
-                <a:lnTo>
-                  <a:pt x="0" y="120000"/>
-                </a:lnTo>
-                <a:close/>
-              </a:path>
-            </a:pathLst>
-          </a:custGeom>
-        </p:spPr>
-      </p:sp>
-      <p:sp>
-        <p:nvSpPr>
-          <p:cNvPr id="539" name="Google Shape;539;g15173642282_0_217:notes"/>
-          <p:cNvSpPr txBox="1">
-            <a:spLocks noGrp="1"/>
-          </p:cNvSpPr>
-          <p:nvPr>
-            <p:ph type="body" idx="1"/>
-          </p:nvPr>
-        </p:nvSpPr>
-        <p:spPr>
-          <a:xfrm>
-            <a:off x="685800" y="4343400"/>
-            <a:ext cx="5486400" cy="4114800"/>
-          </a:xfrm>
-          <a:prstGeom prst="rect">
-            <a:avLst/>
-          </a:prstGeom>
-        </p:spPr>
-        <p:txBody>
-          <a:bodyPr spcFirstLastPara="1" wrap="square" lIns="91425" tIns="91425" rIns="91425" bIns="91425" anchor="t" anchorCtr="0">
-            <a:noAutofit/>
-          </a:bodyPr>
-          <a:lstStyle/>
-          <a:p>
-            <a:pPr marL="0" lvl="0" indent="0" algn="l" rtl="0">
-              <a:spcBef>
-                <a:spcPts val="0"/>
-              </a:spcBef>
-              <a:spcAft>
-                <a:spcPts val="0"/>
-              </a:spcAft>
-              <a:buNone/>
-            </a:pPr>
-            <a:endParaRPr/>
-          </a:p>
-        </p:txBody>
-      </p:sp>
-    </p:spTree>
-  </p:cSld>
-  <p:clrMapOvr>
-    <a:masterClrMapping/>
-  </p:clrMapOvr>
-</p:notes>
-</file>
-
-<file path=ppt/notesSlides/notesSlide82.xml><?xml version="1.0" encoding="utf-8"?>
 <p:notes xmlns:a="http://schemas.openxmlformats.org/drawingml/2006/main" xmlns:r="http://schemas.openxmlformats.org/officeDocument/2006/relationships" xmlns:p="http://schemas.openxmlformats.org/presentationml/2006/main" showMasterSp="0" showMasterPhAnim="0">
   <p:cSld>
     <p:spTree>
@@ -14133,10 +14028,10 @@
               <a:buNone/>
             </a:pPr>
             <a:r>
-              <a:rPr lang="en-GB"/>
+              <a:rPr lang="en-GB" dirty="0"/>
               <a:t>Database Fundamentals</a:t>
             </a:r>
-            <a:endParaRPr/>
+            <a:endParaRPr dirty="0"/>
           </a:p>
           <a:p>
             <a:pPr marL="0" lvl="0" indent="0" algn="ctr" rtl="0">
@@ -14149,10 +14044,10 @@
               <a:buNone/>
             </a:pPr>
             <a:r>
-              <a:rPr lang="en-GB"/>
-              <a:t>&amp; SQL Server BI</a:t>
-            </a:r>
-            <a:endParaRPr/>
+              <a:rPr lang="en-GB" dirty="0"/>
+              <a:t>&amp; SQL Server</a:t>
+            </a:r>
+            <a:endParaRPr dirty="0"/>
           </a:p>
         </p:txBody>
       </p:sp>
@@ -14420,101 +14315,6 @@
   <p:cSld>
     <p:spTree>
       <p:nvGrpSpPr>
-        <p:cNvPr id="1" name="Shape 114"/>
-        <p:cNvGrpSpPr/>
-        <p:nvPr/>
-      </p:nvGrpSpPr>
-      <p:grpSpPr>
-        <a:xfrm>
-          <a:off x="0" y="0"/>
-          <a:ext cx="0" cy="0"/>
-          <a:chOff x="0" y="0"/>
-          <a:chExt cx="0" cy="0"/>
-        </a:xfrm>
-      </p:grpSpPr>
-      <p:sp>
-        <p:nvSpPr>
-          <p:cNvPr id="115" name="Google Shape;115;p23"/>
-          <p:cNvSpPr txBox="1">
-            <a:spLocks noGrp="1"/>
-          </p:cNvSpPr>
-          <p:nvPr>
-            <p:ph type="title"/>
-          </p:nvPr>
-        </p:nvSpPr>
-        <p:spPr>
-          <a:xfrm>
-            <a:off x="311700" y="445025"/>
-            <a:ext cx="8520600" cy="572700"/>
-          </a:xfrm>
-          <a:prstGeom prst="rect">
-            <a:avLst/>
-          </a:prstGeom>
-        </p:spPr>
-        <p:txBody>
-          <a:bodyPr spcFirstLastPara="1" wrap="square" lIns="91425" tIns="91425" rIns="91425" bIns="91425" anchor="t" anchorCtr="0">
-            <a:normAutofit fontScale="90000"/>
-          </a:bodyPr>
-          <a:lstStyle/>
-          <a:p>
-            <a:pPr marL="0" lvl="0" indent="0" algn="l" rtl="0">
-              <a:spcBef>
-                <a:spcPts val="0"/>
-              </a:spcBef>
-              <a:spcAft>
-                <a:spcPts val="0"/>
-              </a:spcAft>
-              <a:buNone/>
-            </a:pPr>
-            <a:r>
-              <a:rPr lang="en-GB"/>
-              <a:t>Data File Structure</a:t>
-            </a:r>
-            <a:endParaRPr/>
-          </a:p>
-        </p:txBody>
-      </p:sp>
-      <p:pic>
-        <p:nvPicPr>
-          <p:cNvPr id="116" name="Google Shape;116;p23"/>
-          <p:cNvPicPr preferRelativeResize="0"/>
-          <p:nvPr/>
-        </p:nvPicPr>
-        <p:blipFill>
-          <a:blip r:embed="rId3">
-            <a:alphaModFix/>
-          </a:blip>
-          <a:stretch>
-            <a:fillRect/>
-          </a:stretch>
-        </p:blipFill>
-        <p:spPr>
-          <a:xfrm>
-            <a:off x="791850" y="1225750"/>
-            <a:ext cx="8352151" cy="3169078"/>
-          </a:xfrm>
-          <a:prstGeom prst="rect">
-            <a:avLst/>
-          </a:prstGeom>
-          <a:noFill/>
-          <a:ln>
-            <a:noFill/>
-          </a:ln>
-        </p:spPr>
-      </p:pic>
-    </p:spTree>
-  </p:cSld>
-  <p:clrMapOvr>
-    <a:masterClrMapping/>
-  </p:clrMapOvr>
-</p:sld>
-</file>
-
-<file path=ppt/slides/slide12.xml><?xml version="1.0" encoding="utf-8"?>
-<p:sld xmlns:a="http://schemas.openxmlformats.org/drawingml/2006/main" xmlns:r="http://schemas.openxmlformats.org/officeDocument/2006/relationships" xmlns:p="http://schemas.openxmlformats.org/presentationml/2006/main">
-  <p:cSld>
-    <p:spTree>
-      <p:nvGrpSpPr>
         <p:cNvPr id="1" name="Shape 120"/>
         <p:cNvGrpSpPr/>
         <p:nvPr/>
@@ -14785,7 +14585,7 @@
 </p:sld>
 </file>
 
-<file path=ppt/slides/slide13.xml><?xml version="1.0" encoding="utf-8"?>
+<file path=ppt/slides/slide12.xml><?xml version="1.0" encoding="utf-8"?>
 <p:sld xmlns:a="http://schemas.openxmlformats.org/drawingml/2006/main" xmlns:r="http://schemas.openxmlformats.org/officeDocument/2006/relationships" xmlns:p="http://schemas.openxmlformats.org/presentationml/2006/main">
   <p:cSld>
     <p:spTree>
@@ -15011,7 +14811,7 @@
 </p:sld>
 </file>
 
-<file path=ppt/slides/slide14.xml><?xml version="1.0" encoding="utf-8"?>
+<file path=ppt/slides/slide13.xml><?xml version="1.0" encoding="utf-8"?>
 <p:sld xmlns:a="http://schemas.openxmlformats.org/drawingml/2006/main" xmlns:r="http://schemas.openxmlformats.org/officeDocument/2006/relationships" xmlns:p="http://schemas.openxmlformats.org/presentationml/2006/main">
   <p:cSld>
     <p:spTree>
@@ -15219,7 +15019,7 @@
 </p:sld>
 </file>
 
-<file path=ppt/slides/slide15.xml><?xml version="1.0" encoding="utf-8"?>
+<file path=ppt/slides/slide14.xml><?xml version="1.0" encoding="utf-8"?>
 <p:sld xmlns:a="http://schemas.openxmlformats.org/drawingml/2006/main" xmlns:r="http://schemas.openxmlformats.org/officeDocument/2006/relationships" xmlns:p="http://schemas.openxmlformats.org/presentationml/2006/main">
   <p:cSld>
     <p:spTree>
@@ -15474,7 +15274,7 @@
 </p:sld>
 </file>
 
-<file path=ppt/slides/slide16.xml><?xml version="1.0" encoding="utf-8"?>
+<file path=ppt/slides/slide15.xml><?xml version="1.0" encoding="utf-8"?>
 <p:sld xmlns:a="http://schemas.openxmlformats.org/drawingml/2006/main" xmlns:r="http://schemas.openxmlformats.org/officeDocument/2006/relationships" xmlns:p="http://schemas.openxmlformats.org/presentationml/2006/main">
   <p:cSld>
     <p:spTree>
@@ -15915,7 +15715,7 @@
 </p:sld>
 </file>
 
-<file path=ppt/slides/slide17.xml><?xml version="1.0" encoding="utf-8"?>
+<file path=ppt/slides/slide16.xml><?xml version="1.0" encoding="utf-8"?>
 <p:sld xmlns:a="http://schemas.openxmlformats.org/drawingml/2006/main" xmlns:r="http://schemas.openxmlformats.org/officeDocument/2006/relationships" xmlns:p="http://schemas.openxmlformats.org/presentationml/2006/main">
   <p:cSld>
     <p:spTree>
@@ -16367,7 +16167,7 @@
 </p:sld>
 </file>
 
-<file path=ppt/slides/slide18.xml><?xml version="1.0" encoding="utf-8"?>
+<file path=ppt/slides/slide17.xml><?xml version="1.0" encoding="utf-8"?>
 <p:sld xmlns:a="http://schemas.openxmlformats.org/drawingml/2006/main" xmlns:r="http://schemas.openxmlformats.org/officeDocument/2006/relationships" xmlns:p="http://schemas.openxmlformats.org/presentationml/2006/main">
   <p:cSld>
     <p:spTree>
@@ -16593,7 +16393,7 @@
 </p:sld>
 </file>
 
-<file path=ppt/slides/slide19.xml><?xml version="1.0" encoding="utf-8"?>
+<file path=ppt/slides/slide18.xml><?xml version="1.0" encoding="utf-8"?>
 <p:sld xmlns:a="http://schemas.openxmlformats.org/drawingml/2006/main" xmlns:r="http://schemas.openxmlformats.org/officeDocument/2006/relationships" xmlns:p="http://schemas.openxmlformats.org/presentationml/2006/main">
   <p:cSld>
     <p:spTree>
@@ -16680,6 +16480,299 @@
           </a:ln>
         </p:spPr>
       </p:pic>
+    </p:spTree>
+  </p:cSld>
+  <p:clrMapOvr>
+    <a:masterClrMapping/>
+  </p:clrMapOvr>
+</p:sld>
+</file>
+
+<file path=ppt/slides/slide19.xml><?xml version="1.0" encoding="utf-8"?>
+<p:sld xmlns:a="http://schemas.openxmlformats.org/drawingml/2006/main" xmlns:r="http://schemas.openxmlformats.org/officeDocument/2006/relationships" xmlns:p="http://schemas.openxmlformats.org/presentationml/2006/main">
+  <p:cSld>
+    <p:spTree>
+      <p:nvGrpSpPr>
+        <p:cNvPr id="1" name="Shape 169"/>
+        <p:cNvGrpSpPr/>
+        <p:nvPr/>
+      </p:nvGrpSpPr>
+      <p:grpSpPr>
+        <a:xfrm>
+          <a:off x="0" y="0"/>
+          <a:ext cx="0" cy="0"/>
+          <a:chOff x="0" y="0"/>
+          <a:chExt cx="0" cy="0"/>
+        </a:xfrm>
+      </p:grpSpPr>
+      <p:sp>
+        <p:nvSpPr>
+          <p:cNvPr id="170" name="Google Shape;170;p32"/>
+          <p:cNvSpPr txBox="1">
+            <a:spLocks noGrp="1"/>
+          </p:cNvSpPr>
+          <p:nvPr>
+            <p:ph type="title"/>
+          </p:nvPr>
+        </p:nvSpPr>
+        <p:spPr>
+          <a:xfrm>
+            <a:off x="311700" y="246725"/>
+            <a:ext cx="8520600" cy="572700"/>
+          </a:xfrm>
+          <a:prstGeom prst="rect">
+            <a:avLst/>
+          </a:prstGeom>
+        </p:spPr>
+        <p:txBody>
+          <a:bodyPr spcFirstLastPara="1" wrap="square" lIns="91425" tIns="91425" rIns="91425" bIns="91425" anchor="t" anchorCtr="0">
+            <a:normAutofit fontScale="90000"/>
+          </a:bodyPr>
+          <a:lstStyle/>
+          <a:p>
+            <a:pPr marL="0" lvl="0" indent="0" algn="l" rtl="0">
+              <a:spcBef>
+                <a:spcPts val="0"/>
+              </a:spcBef>
+              <a:spcAft>
+                <a:spcPts val="0"/>
+              </a:spcAft>
+              <a:buNone/>
+            </a:pPr>
+            <a:r>
+              <a:rPr lang="en-GB"/>
+              <a:t>Creating Table</a:t>
+            </a:r>
+            <a:endParaRPr/>
+          </a:p>
+        </p:txBody>
+      </p:sp>
+      <p:sp>
+        <p:nvSpPr>
+          <p:cNvPr id="171" name="Google Shape;171;p32"/>
+          <p:cNvSpPr txBox="1">
+            <a:spLocks noGrp="1"/>
+          </p:cNvSpPr>
+          <p:nvPr>
+            <p:ph type="body" idx="1"/>
+          </p:nvPr>
+        </p:nvSpPr>
+        <p:spPr>
+          <a:xfrm>
+            <a:off x="311700" y="966550"/>
+            <a:ext cx="8520600" cy="3668700"/>
+          </a:xfrm>
+          <a:prstGeom prst="rect">
+            <a:avLst/>
+          </a:prstGeom>
+        </p:spPr>
+        <p:txBody>
+          <a:bodyPr spcFirstLastPara="1" wrap="square" lIns="91425" tIns="91425" rIns="91425" bIns="91425" anchor="t" anchorCtr="0">
+            <a:noAutofit/>
+          </a:bodyPr>
+          <a:lstStyle/>
+          <a:p>
+            <a:pPr marL="457200" lvl="0" indent="-301339" algn="l" rtl="0">
+              <a:lnSpc>
+                <a:spcPct val="85000"/>
+              </a:lnSpc>
+              <a:spcBef>
+                <a:spcPts val="0"/>
+              </a:spcBef>
+              <a:spcAft>
+                <a:spcPts val="0"/>
+              </a:spcAft>
+              <a:buSzPts val="1146"/>
+              <a:buChar char="●"/>
+            </a:pPr>
+            <a:r>
+              <a:rPr lang="en-GB" sz="1145"/>
+              <a:t>The data in RDBMS is stored in database objects called tables. The table is a collection of related data entries and it consists of columns and rows. </a:t>
+            </a:r>
+            <a:endParaRPr sz="1145"/>
+          </a:p>
+          <a:p>
+            <a:pPr marL="457200" lvl="0" indent="0" algn="l" rtl="0">
+              <a:lnSpc>
+                <a:spcPct val="85000"/>
+              </a:lnSpc>
+              <a:spcBef>
+                <a:spcPts val="1200"/>
+              </a:spcBef>
+              <a:spcAft>
+                <a:spcPts val="0"/>
+              </a:spcAft>
+              <a:buSzPts val="935"/>
+              <a:buNone/>
+            </a:pPr>
+            <a:endParaRPr sz="1145"/>
+          </a:p>
+          <a:p>
+            <a:pPr marL="457200" lvl="0" indent="-301339" algn="l" rtl="0">
+              <a:lnSpc>
+                <a:spcPct val="85000"/>
+              </a:lnSpc>
+              <a:spcBef>
+                <a:spcPts val="1200"/>
+              </a:spcBef>
+              <a:spcAft>
+                <a:spcPts val="0"/>
+              </a:spcAft>
+              <a:buSzPts val="1146"/>
+              <a:buChar char="●"/>
+            </a:pPr>
+            <a:r>
+              <a:rPr lang="en-GB" sz="1145"/>
+              <a:t>A table is the most common and simplest form of data storage in a relational database</a:t>
+            </a:r>
+            <a:endParaRPr sz="1145"/>
+          </a:p>
+          <a:p>
+            <a:pPr marL="457200" lvl="0" indent="0" algn="l" rtl="0">
+              <a:lnSpc>
+                <a:spcPct val="85000"/>
+              </a:lnSpc>
+              <a:spcBef>
+                <a:spcPts val="1200"/>
+              </a:spcBef>
+              <a:spcAft>
+                <a:spcPts val="0"/>
+              </a:spcAft>
+              <a:buSzPts val="935"/>
+              <a:buNone/>
+            </a:pPr>
+            <a:endParaRPr sz="1145"/>
+          </a:p>
+          <a:p>
+            <a:pPr marL="457200" lvl="0" indent="-301339" algn="l" rtl="0">
+              <a:lnSpc>
+                <a:spcPct val="85000"/>
+              </a:lnSpc>
+              <a:spcBef>
+                <a:spcPts val="1200"/>
+              </a:spcBef>
+              <a:spcAft>
+                <a:spcPts val="0"/>
+              </a:spcAft>
+              <a:buSzPts val="1146"/>
+              <a:buChar char="●"/>
+            </a:pPr>
+            <a:r>
+              <a:rPr lang="en-GB" sz="1145"/>
+              <a:t>A table describes an entity such as employees. You define a table with a table name, such as employees, and set of columns. </a:t>
+            </a:r>
+            <a:endParaRPr sz="1145"/>
+          </a:p>
+          <a:p>
+            <a:pPr marL="457200" lvl="0" indent="0" algn="l" rtl="0">
+              <a:lnSpc>
+                <a:spcPct val="85000"/>
+              </a:lnSpc>
+              <a:spcBef>
+                <a:spcPts val="1200"/>
+              </a:spcBef>
+              <a:spcAft>
+                <a:spcPts val="0"/>
+              </a:spcAft>
+              <a:buSzPts val="935"/>
+              <a:buNone/>
+            </a:pPr>
+            <a:endParaRPr sz="1145"/>
+          </a:p>
+          <a:p>
+            <a:pPr marL="457200" lvl="0" indent="-301339" algn="l" rtl="0">
+              <a:lnSpc>
+                <a:spcPct val="85000"/>
+              </a:lnSpc>
+              <a:spcBef>
+                <a:spcPts val="1200"/>
+              </a:spcBef>
+              <a:spcAft>
+                <a:spcPts val="0"/>
+              </a:spcAft>
+              <a:buSzPts val="1146"/>
+              <a:buChar char="●"/>
+            </a:pPr>
+            <a:r>
+              <a:rPr lang="en-GB" sz="1145"/>
+              <a:t>In general, you give each column a name, a data type, and a width when you create the table. </a:t>
+            </a:r>
+            <a:endParaRPr sz="1145"/>
+          </a:p>
+          <a:p>
+            <a:pPr marL="457200" lvl="0" indent="0" algn="l" rtl="0">
+              <a:lnSpc>
+                <a:spcPct val="85000"/>
+              </a:lnSpc>
+              <a:spcBef>
+                <a:spcPts val="1200"/>
+              </a:spcBef>
+              <a:spcAft>
+                <a:spcPts val="0"/>
+              </a:spcAft>
+              <a:buSzPts val="935"/>
+              <a:buNone/>
+            </a:pPr>
+            <a:endParaRPr sz="1145"/>
+          </a:p>
+          <a:p>
+            <a:pPr marL="457200" lvl="0" indent="-301339" algn="l" rtl="0">
+              <a:lnSpc>
+                <a:spcPct val="85000"/>
+              </a:lnSpc>
+              <a:spcBef>
+                <a:spcPts val="1200"/>
+              </a:spcBef>
+              <a:spcAft>
+                <a:spcPts val="0"/>
+              </a:spcAft>
+              <a:buSzPts val="1146"/>
+              <a:buChar char="●"/>
+            </a:pPr>
+            <a:r>
+              <a:rPr lang="en-GB" sz="1145"/>
+              <a:t>A table is a set of rows. A column identifies an attribute of the entity described by the table, whereas a row identifies an instance of the entity. For example, attributes of the employees entity correspond to columns for employee ID and last name. </a:t>
+            </a:r>
+            <a:endParaRPr sz="1145"/>
+          </a:p>
+          <a:p>
+            <a:pPr marL="457200" lvl="0" indent="0" algn="l" rtl="0">
+              <a:lnSpc>
+                <a:spcPct val="85000"/>
+              </a:lnSpc>
+              <a:spcBef>
+                <a:spcPts val="1200"/>
+              </a:spcBef>
+              <a:spcAft>
+                <a:spcPts val="0"/>
+              </a:spcAft>
+              <a:buSzPts val="935"/>
+              <a:buNone/>
+            </a:pPr>
+            <a:endParaRPr sz="1145"/>
+          </a:p>
+          <a:p>
+            <a:pPr marL="457200" lvl="0" indent="-301339" algn="l" rtl="0">
+              <a:lnSpc>
+                <a:spcPct val="85000"/>
+              </a:lnSpc>
+              <a:spcBef>
+                <a:spcPts val="1200"/>
+              </a:spcBef>
+              <a:spcAft>
+                <a:spcPts val="0"/>
+              </a:spcAft>
+              <a:buSzPts val="1146"/>
+              <a:buChar char="●"/>
+            </a:pPr>
+            <a:r>
+              <a:rPr lang="en-GB" sz="1145"/>
+              <a:t>A row identifies a specific employee. You can optionally specify a rule, called an integrity constraint, for a column. One example is a NOT NULL integrity constraint. This constraint forces the column to contain a value in every row. </a:t>
+            </a:r>
+            <a:endParaRPr sz="1145"/>
+          </a:p>
+        </p:txBody>
+      </p:sp>
     </p:spTree>
   </p:cSld>
   <p:clrMapOvr>
@@ -16906,299 +16999,6 @@
   <p:cSld>
     <p:spTree>
       <p:nvGrpSpPr>
-        <p:cNvPr id="1" name="Shape 169"/>
-        <p:cNvGrpSpPr/>
-        <p:nvPr/>
-      </p:nvGrpSpPr>
-      <p:grpSpPr>
-        <a:xfrm>
-          <a:off x="0" y="0"/>
-          <a:ext cx="0" cy="0"/>
-          <a:chOff x="0" y="0"/>
-          <a:chExt cx="0" cy="0"/>
-        </a:xfrm>
-      </p:grpSpPr>
-      <p:sp>
-        <p:nvSpPr>
-          <p:cNvPr id="170" name="Google Shape;170;p32"/>
-          <p:cNvSpPr txBox="1">
-            <a:spLocks noGrp="1"/>
-          </p:cNvSpPr>
-          <p:nvPr>
-            <p:ph type="title"/>
-          </p:nvPr>
-        </p:nvSpPr>
-        <p:spPr>
-          <a:xfrm>
-            <a:off x="311700" y="246725"/>
-            <a:ext cx="8520600" cy="572700"/>
-          </a:xfrm>
-          <a:prstGeom prst="rect">
-            <a:avLst/>
-          </a:prstGeom>
-        </p:spPr>
-        <p:txBody>
-          <a:bodyPr spcFirstLastPara="1" wrap="square" lIns="91425" tIns="91425" rIns="91425" bIns="91425" anchor="t" anchorCtr="0">
-            <a:normAutofit fontScale="90000"/>
-          </a:bodyPr>
-          <a:lstStyle/>
-          <a:p>
-            <a:pPr marL="0" lvl="0" indent="0" algn="l" rtl="0">
-              <a:spcBef>
-                <a:spcPts val="0"/>
-              </a:spcBef>
-              <a:spcAft>
-                <a:spcPts val="0"/>
-              </a:spcAft>
-              <a:buNone/>
-            </a:pPr>
-            <a:r>
-              <a:rPr lang="en-GB"/>
-              <a:t>Creating Table</a:t>
-            </a:r>
-            <a:endParaRPr/>
-          </a:p>
-        </p:txBody>
-      </p:sp>
-      <p:sp>
-        <p:nvSpPr>
-          <p:cNvPr id="171" name="Google Shape;171;p32"/>
-          <p:cNvSpPr txBox="1">
-            <a:spLocks noGrp="1"/>
-          </p:cNvSpPr>
-          <p:nvPr>
-            <p:ph type="body" idx="1"/>
-          </p:nvPr>
-        </p:nvSpPr>
-        <p:spPr>
-          <a:xfrm>
-            <a:off x="311700" y="966550"/>
-            <a:ext cx="8520600" cy="3668700"/>
-          </a:xfrm>
-          <a:prstGeom prst="rect">
-            <a:avLst/>
-          </a:prstGeom>
-        </p:spPr>
-        <p:txBody>
-          <a:bodyPr spcFirstLastPara="1" wrap="square" lIns="91425" tIns="91425" rIns="91425" bIns="91425" anchor="t" anchorCtr="0">
-            <a:noAutofit/>
-          </a:bodyPr>
-          <a:lstStyle/>
-          <a:p>
-            <a:pPr marL="457200" lvl="0" indent="-301339" algn="l" rtl="0">
-              <a:lnSpc>
-                <a:spcPct val="85000"/>
-              </a:lnSpc>
-              <a:spcBef>
-                <a:spcPts val="0"/>
-              </a:spcBef>
-              <a:spcAft>
-                <a:spcPts val="0"/>
-              </a:spcAft>
-              <a:buSzPts val="1146"/>
-              <a:buChar char="●"/>
-            </a:pPr>
-            <a:r>
-              <a:rPr lang="en-GB" sz="1145"/>
-              <a:t>The data in RDBMS is stored in database objects called tables. The table is a collection of related data entries and it consists of columns and rows. </a:t>
-            </a:r>
-            <a:endParaRPr sz="1145"/>
-          </a:p>
-          <a:p>
-            <a:pPr marL="457200" lvl="0" indent="0" algn="l" rtl="0">
-              <a:lnSpc>
-                <a:spcPct val="85000"/>
-              </a:lnSpc>
-              <a:spcBef>
-                <a:spcPts val="1200"/>
-              </a:spcBef>
-              <a:spcAft>
-                <a:spcPts val="0"/>
-              </a:spcAft>
-              <a:buSzPts val="935"/>
-              <a:buNone/>
-            </a:pPr>
-            <a:endParaRPr sz="1145"/>
-          </a:p>
-          <a:p>
-            <a:pPr marL="457200" lvl="0" indent="-301339" algn="l" rtl="0">
-              <a:lnSpc>
-                <a:spcPct val="85000"/>
-              </a:lnSpc>
-              <a:spcBef>
-                <a:spcPts val="1200"/>
-              </a:spcBef>
-              <a:spcAft>
-                <a:spcPts val="0"/>
-              </a:spcAft>
-              <a:buSzPts val="1146"/>
-              <a:buChar char="●"/>
-            </a:pPr>
-            <a:r>
-              <a:rPr lang="en-GB" sz="1145"/>
-              <a:t>A table is the most common and simplest form of data storage in a relational database</a:t>
-            </a:r>
-            <a:endParaRPr sz="1145"/>
-          </a:p>
-          <a:p>
-            <a:pPr marL="457200" lvl="0" indent="0" algn="l" rtl="0">
-              <a:lnSpc>
-                <a:spcPct val="85000"/>
-              </a:lnSpc>
-              <a:spcBef>
-                <a:spcPts val="1200"/>
-              </a:spcBef>
-              <a:spcAft>
-                <a:spcPts val="0"/>
-              </a:spcAft>
-              <a:buSzPts val="935"/>
-              <a:buNone/>
-            </a:pPr>
-            <a:endParaRPr sz="1145"/>
-          </a:p>
-          <a:p>
-            <a:pPr marL="457200" lvl="0" indent="-301339" algn="l" rtl="0">
-              <a:lnSpc>
-                <a:spcPct val="85000"/>
-              </a:lnSpc>
-              <a:spcBef>
-                <a:spcPts val="1200"/>
-              </a:spcBef>
-              <a:spcAft>
-                <a:spcPts val="0"/>
-              </a:spcAft>
-              <a:buSzPts val="1146"/>
-              <a:buChar char="●"/>
-            </a:pPr>
-            <a:r>
-              <a:rPr lang="en-GB" sz="1145"/>
-              <a:t>A table describes an entity such as employees. You define a table with a table name, such as employees, and set of columns. </a:t>
-            </a:r>
-            <a:endParaRPr sz="1145"/>
-          </a:p>
-          <a:p>
-            <a:pPr marL="457200" lvl="0" indent="0" algn="l" rtl="0">
-              <a:lnSpc>
-                <a:spcPct val="85000"/>
-              </a:lnSpc>
-              <a:spcBef>
-                <a:spcPts val="1200"/>
-              </a:spcBef>
-              <a:spcAft>
-                <a:spcPts val="0"/>
-              </a:spcAft>
-              <a:buSzPts val="935"/>
-              <a:buNone/>
-            </a:pPr>
-            <a:endParaRPr sz="1145"/>
-          </a:p>
-          <a:p>
-            <a:pPr marL="457200" lvl="0" indent="-301339" algn="l" rtl="0">
-              <a:lnSpc>
-                <a:spcPct val="85000"/>
-              </a:lnSpc>
-              <a:spcBef>
-                <a:spcPts val="1200"/>
-              </a:spcBef>
-              <a:spcAft>
-                <a:spcPts val="0"/>
-              </a:spcAft>
-              <a:buSzPts val="1146"/>
-              <a:buChar char="●"/>
-            </a:pPr>
-            <a:r>
-              <a:rPr lang="en-GB" sz="1145"/>
-              <a:t>In general, you give each column a name, a data type, and a width when you create the table. </a:t>
-            </a:r>
-            <a:endParaRPr sz="1145"/>
-          </a:p>
-          <a:p>
-            <a:pPr marL="457200" lvl="0" indent="0" algn="l" rtl="0">
-              <a:lnSpc>
-                <a:spcPct val="85000"/>
-              </a:lnSpc>
-              <a:spcBef>
-                <a:spcPts val="1200"/>
-              </a:spcBef>
-              <a:spcAft>
-                <a:spcPts val="0"/>
-              </a:spcAft>
-              <a:buSzPts val="935"/>
-              <a:buNone/>
-            </a:pPr>
-            <a:endParaRPr sz="1145"/>
-          </a:p>
-          <a:p>
-            <a:pPr marL="457200" lvl="0" indent="-301339" algn="l" rtl="0">
-              <a:lnSpc>
-                <a:spcPct val="85000"/>
-              </a:lnSpc>
-              <a:spcBef>
-                <a:spcPts val="1200"/>
-              </a:spcBef>
-              <a:spcAft>
-                <a:spcPts val="0"/>
-              </a:spcAft>
-              <a:buSzPts val="1146"/>
-              <a:buChar char="●"/>
-            </a:pPr>
-            <a:r>
-              <a:rPr lang="en-GB" sz="1145"/>
-              <a:t>A table is a set of rows. A column identifies an attribute of the entity described by the table, whereas a row identifies an instance of the entity. For example, attributes of the employees entity correspond to columns for employee ID and last name. </a:t>
-            </a:r>
-            <a:endParaRPr sz="1145"/>
-          </a:p>
-          <a:p>
-            <a:pPr marL="457200" lvl="0" indent="0" algn="l" rtl="0">
-              <a:lnSpc>
-                <a:spcPct val="85000"/>
-              </a:lnSpc>
-              <a:spcBef>
-                <a:spcPts val="1200"/>
-              </a:spcBef>
-              <a:spcAft>
-                <a:spcPts val="0"/>
-              </a:spcAft>
-              <a:buSzPts val="935"/>
-              <a:buNone/>
-            </a:pPr>
-            <a:endParaRPr sz="1145"/>
-          </a:p>
-          <a:p>
-            <a:pPr marL="457200" lvl="0" indent="-301339" algn="l" rtl="0">
-              <a:lnSpc>
-                <a:spcPct val="85000"/>
-              </a:lnSpc>
-              <a:spcBef>
-                <a:spcPts val="1200"/>
-              </a:spcBef>
-              <a:spcAft>
-                <a:spcPts val="0"/>
-              </a:spcAft>
-              <a:buSzPts val="1146"/>
-              <a:buChar char="●"/>
-            </a:pPr>
-            <a:r>
-              <a:rPr lang="en-GB" sz="1145"/>
-              <a:t>A row identifies a specific employee. You can optionally specify a rule, called an integrity constraint, for a column. One example is a NOT NULL integrity constraint. This constraint forces the column to contain a value in every row. </a:t>
-            </a:r>
-            <a:endParaRPr sz="1145"/>
-          </a:p>
-        </p:txBody>
-      </p:sp>
-    </p:spTree>
-  </p:cSld>
-  <p:clrMapOvr>
-    <a:masterClrMapping/>
-  </p:clrMapOvr>
-</p:sld>
-</file>
-
-<file path=ppt/slides/slide21.xml><?xml version="1.0" encoding="utf-8"?>
-<p:sld xmlns:a="http://schemas.openxmlformats.org/drawingml/2006/main" xmlns:r="http://schemas.openxmlformats.org/officeDocument/2006/relationships" xmlns:p="http://schemas.openxmlformats.org/presentationml/2006/main">
-  <p:cSld>
-    <p:spTree>
-      <p:nvGrpSpPr>
         <p:cNvPr id="1" name="Shape 175"/>
         <p:cNvGrpSpPr/>
         <p:nvPr/>
@@ -17333,7 +17133,7 @@
 </p:sld>
 </file>
 
-<file path=ppt/slides/slide22.xml><?xml version="1.0" encoding="utf-8"?>
+<file path=ppt/slides/slide21.xml><?xml version="1.0" encoding="utf-8"?>
 <p:sld xmlns:a="http://schemas.openxmlformats.org/drawingml/2006/main" xmlns:r="http://schemas.openxmlformats.org/officeDocument/2006/relationships" xmlns:p="http://schemas.openxmlformats.org/presentationml/2006/main">
   <p:cSld>
     <p:spTree>
@@ -17498,7 +17298,7 @@
 </p:sld>
 </file>
 
-<file path=ppt/slides/slide23.xml><?xml version="1.0" encoding="utf-8"?>
+<file path=ppt/slides/slide22.xml><?xml version="1.0" encoding="utf-8"?>
 <p:sld xmlns:a="http://schemas.openxmlformats.org/drawingml/2006/main" xmlns:r="http://schemas.openxmlformats.org/officeDocument/2006/relationships" xmlns:p="http://schemas.openxmlformats.org/presentationml/2006/main">
   <p:cSld>
     <p:spTree>
@@ -17608,7 +17408,7 @@
 </p:sld>
 </file>
 
-<file path=ppt/slides/slide24.xml><?xml version="1.0" encoding="utf-8"?>
+<file path=ppt/slides/slide23.xml><?xml version="1.0" encoding="utf-8"?>
 <p:sld xmlns:a="http://schemas.openxmlformats.org/drawingml/2006/main" xmlns:r="http://schemas.openxmlformats.org/officeDocument/2006/relationships" xmlns:p="http://schemas.openxmlformats.org/presentationml/2006/main">
   <p:cSld>
     <p:spTree>
@@ -17834,7 +17634,7 @@
 </p:sld>
 </file>
 
-<file path=ppt/slides/slide25.xml><?xml version="1.0" encoding="utf-8"?>
+<file path=ppt/slides/slide24.xml><?xml version="1.0" encoding="utf-8"?>
 <p:sld xmlns:a="http://schemas.openxmlformats.org/drawingml/2006/main" xmlns:r="http://schemas.openxmlformats.org/officeDocument/2006/relationships" xmlns:p="http://schemas.openxmlformats.org/presentationml/2006/main">
   <p:cSld>
     <p:spTree>
@@ -18036,7 +17836,7 @@
 </p:sld>
 </file>
 
-<file path=ppt/slides/slide26.xml><?xml version="1.0" encoding="utf-8"?>
+<file path=ppt/slides/slide25.xml><?xml version="1.0" encoding="utf-8"?>
 <p:sld xmlns:a="http://schemas.openxmlformats.org/drawingml/2006/main" xmlns:r="http://schemas.openxmlformats.org/officeDocument/2006/relationships" xmlns:p="http://schemas.openxmlformats.org/presentationml/2006/main">
   <p:cSld>
     <p:spTree>
@@ -18177,7 +17977,7 @@
 </p:sld>
 </file>
 
-<file path=ppt/slides/slide27.xml><?xml version="1.0" encoding="utf-8"?>
+<file path=ppt/slides/slide26.xml><?xml version="1.0" encoding="utf-8"?>
 <p:sld xmlns:a="http://schemas.openxmlformats.org/drawingml/2006/main" xmlns:r="http://schemas.openxmlformats.org/officeDocument/2006/relationships" xmlns:p="http://schemas.openxmlformats.org/presentationml/2006/main">
   <p:cSld>
     <p:spTree>
@@ -18322,7 +18122,7 @@
 </p:sld>
 </file>
 
-<file path=ppt/slides/slide28.xml><?xml version="1.0" encoding="utf-8"?>
+<file path=ppt/slides/slide27.xml><?xml version="1.0" encoding="utf-8"?>
 <p:sld xmlns:a="http://schemas.openxmlformats.org/drawingml/2006/main" xmlns:r="http://schemas.openxmlformats.org/officeDocument/2006/relationships" xmlns:p="http://schemas.openxmlformats.org/presentationml/2006/main">
   <p:cSld>
     <p:spTree>
@@ -18500,6 +18300,142 @@
         </p:txBody>
       </p:sp>
     </p:spTree>
+  </p:cSld>
+  <p:clrMapOvr>
+    <a:masterClrMapping/>
+  </p:clrMapOvr>
+</p:sld>
+</file>
+
+<file path=ppt/slides/slide28.xml><?xml version="1.0" encoding="utf-8"?>
+<p:sld xmlns:a="http://schemas.openxmlformats.org/drawingml/2006/main" xmlns:r="http://schemas.openxmlformats.org/officeDocument/2006/relationships" xmlns:p="http://schemas.openxmlformats.org/presentationml/2006/main">
+  <p:cSld>
+    <p:spTree>
+      <p:nvGrpSpPr>
+        <p:cNvPr id="1" name=""/>
+        <p:cNvGrpSpPr/>
+        <p:nvPr/>
+      </p:nvGrpSpPr>
+      <p:grpSpPr>
+        <a:xfrm>
+          <a:off x="0" y="0"/>
+          <a:ext cx="0" cy="0"/>
+          <a:chOff x="0" y="0"/>
+          <a:chExt cx="0" cy="0"/>
+        </a:xfrm>
+      </p:grpSpPr>
+      <p:sp>
+        <p:nvSpPr>
+          <p:cNvPr id="2" name="Title 1">
+            <a:extLst>
+              <a:ext uri="{FF2B5EF4-FFF2-40B4-BE49-F238E27FC236}">
+                <a16:creationId xmlns:a16="http://schemas.microsoft.com/office/drawing/2014/main" id="{98678DE6-AACC-1013-875F-95C8143E3F40}"/>
+              </a:ext>
+            </a:extLst>
+          </p:cNvPr>
+          <p:cNvSpPr>
+            <a:spLocks noGrp="1"/>
+          </p:cNvSpPr>
+          <p:nvPr>
+            <p:ph type="title"/>
+          </p:nvPr>
+        </p:nvSpPr>
+        <p:spPr/>
+        <p:txBody>
+          <a:bodyPr>
+            <a:normAutofit fontScale="90000"/>
+          </a:bodyPr>
+          <a:lstStyle/>
+          <a:p>
+            <a:r>
+              <a:rPr lang="en-IN" dirty="0"/>
+              <a:t>Integrity Constraints</a:t>
+            </a:r>
+          </a:p>
+        </p:txBody>
+      </p:sp>
+      <p:sp>
+        <p:nvSpPr>
+          <p:cNvPr id="3" name="Text Placeholder 2">
+            <a:extLst>
+              <a:ext uri="{FF2B5EF4-FFF2-40B4-BE49-F238E27FC236}">
+                <a16:creationId xmlns:a16="http://schemas.microsoft.com/office/drawing/2014/main" id="{A256388A-F971-4920-E441-1283BFF42FD7}"/>
+              </a:ext>
+            </a:extLst>
+          </p:cNvPr>
+          <p:cNvSpPr>
+            <a:spLocks noGrp="1"/>
+          </p:cNvSpPr>
+          <p:nvPr>
+            <p:ph type="body" idx="1"/>
+          </p:nvPr>
+        </p:nvSpPr>
+        <p:spPr/>
+        <p:txBody>
+          <a:bodyPr/>
+          <a:lstStyle/>
+          <a:p>
+            <a:pPr algn="just">
+              <a:buFont typeface="Arial" panose="020B0604020202020204" pitchFamily="34" charset="0"/>
+              <a:buChar char="•"/>
+            </a:pPr>
+            <a:r>
+              <a:rPr lang="en-IN" b="0" i="0" dirty="0">
+                <a:solidFill>
+                  <a:srgbClr val="000000"/>
+                </a:solidFill>
+                <a:effectLst/>
+                <a:latin typeface="inter-regular"/>
+              </a:rPr>
+              <a:t>Integrity constraints are a set of rules. It is used to maintain the quality of information.</a:t>
+            </a:r>
+          </a:p>
+          <a:p>
+            <a:pPr algn="just">
+              <a:buFont typeface="Arial" panose="020B0604020202020204" pitchFamily="34" charset="0"/>
+              <a:buChar char="•"/>
+            </a:pPr>
+            <a:r>
+              <a:rPr lang="en-IN" b="0" i="0" dirty="0">
+                <a:solidFill>
+                  <a:srgbClr val="000000"/>
+                </a:solidFill>
+                <a:effectLst/>
+                <a:latin typeface="inter-regular"/>
+              </a:rPr>
+              <a:t>Integrity constraints ensure that the data insertion, updating, and other processes have to be performed in such a way that data integrity is not affected.</a:t>
+            </a:r>
+          </a:p>
+          <a:p>
+            <a:pPr algn="just">
+              <a:buFont typeface="Arial" panose="020B0604020202020204" pitchFamily="34" charset="0"/>
+              <a:buChar char="•"/>
+            </a:pPr>
+            <a:r>
+              <a:rPr lang="en-IN" b="0" i="0" dirty="0">
+                <a:solidFill>
+                  <a:srgbClr val="000000"/>
+                </a:solidFill>
+                <a:effectLst/>
+                <a:latin typeface="inter-regular"/>
+              </a:rPr>
+              <a:t>Thus, integrity constraint is used to guard against accidental damage to the database.</a:t>
+            </a:r>
+          </a:p>
+          <a:p>
+            <a:pPr marL="114300" indent="0">
+              <a:buNone/>
+            </a:pPr>
+            <a:endParaRPr lang="en-IN" dirty="0"/>
+          </a:p>
+        </p:txBody>
+      </p:sp>
+    </p:spTree>
+    <p:extLst>
+      <p:ext uri="{BB962C8B-B14F-4D97-AF65-F5344CB8AC3E}">
+        <p14:creationId xmlns:p14="http://schemas.microsoft.com/office/powerpoint/2010/main" val="2042815321"/>
+      </p:ext>
+    </p:extLst>
   </p:cSld>
   <p:clrMapOvr>
     <a:masterClrMapping/>
@@ -18529,7 +18465,7 @@
           <p:cNvPr id="2" name="Title 1">
             <a:extLst>
               <a:ext uri="{FF2B5EF4-FFF2-40B4-BE49-F238E27FC236}">
-                <a16:creationId xmlns:a16="http://schemas.microsoft.com/office/drawing/2014/main" id="{98678DE6-AACC-1013-875F-95C8143E3F40}"/>
+                <a16:creationId xmlns:a16="http://schemas.microsoft.com/office/drawing/2014/main" id="{401EE44B-71E5-11D4-D75F-541124B8F8C8}"/>
               </a:ext>
             </a:extLst>
           </p:cNvPr>
@@ -18549,91 +18485,45 @@
           <a:p>
             <a:r>
               <a:rPr lang="en-IN" dirty="0"/>
-              <a:t>Integrity Constraints</a:t>
+              <a:t>Types of Integrity Constraints</a:t>
             </a:r>
           </a:p>
         </p:txBody>
       </p:sp>
-      <p:sp>
-        <p:nvSpPr>
-          <p:cNvPr id="3" name="Text Placeholder 2">
+      <p:pic>
+        <p:nvPicPr>
+          <p:cNvPr id="5" name="Picture 4">
             <a:extLst>
               <a:ext uri="{FF2B5EF4-FFF2-40B4-BE49-F238E27FC236}">
-                <a16:creationId xmlns:a16="http://schemas.microsoft.com/office/drawing/2014/main" id="{A256388A-F971-4920-E441-1283BFF42FD7}"/>
+                <a16:creationId xmlns:a16="http://schemas.microsoft.com/office/drawing/2014/main" id="{950B1670-18DE-4A51-F38F-C69A2C5FBEC6}"/>
               </a:ext>
             </a:extLst>
           </p:cNvPr>
-          <p:cNvSpPr>
-            <a:spLocks noGrp="1"/>
-          </p:cNvSpPr>
-          <p:nvPr>
-            <p:ph type="body" idx="1"/>
-          </p:nvPr>
-        </p:nvSpPr>
-        <p:spPr/>
-        <p:txBody>
-          <a:bodyPr/>
-          <a:lstStyle/>
-          <a:p>
-            <a:pPr algn="just">
-              <a:buFont typeface="Arial" panose="020B0604020202020204" pitchFamily="34" charset="0"/>
-              <a:buChar char="•"/>
-            </a:pPr>
-            <a:r>
-              <a:rPr lang="en-IN" b="0" i="0" dirty="0">
-                <a:solidFill>
-                  <a:srgbClr val="000000"/>
-                </a:solidFill>
-                <a:effectLst/>
-                <a:latin typeface="inter-regular"/>
-              </a:rPr>
-              <a:t>Integrity constraints are a set of rules. It is used to maintain the quality of information.</a:t>
-            </a:r>
-          </a:p>
-          <a:p>
-            <a:pPr algn="just">
-              <a:buFont typeface="Arial" panose="020B0604020202020204" pitchFamily="34" charset="0"/>
-              <a:buChar char="•"/>
-            </a:pPr>
-            <a:r>
-              <a:rPr lang="en-IN" b="0" i="0" dirty="0">
-                <a:solidFill>
-                  <a:srgbClr val="000000"/>
-                </a:solidFill>
-                <a:effectLst/>
-                <a:latin typeface="inter-regular"/>
-              </a:rPr>
-              <a:t>Integrity constraints ensure that the data insertion, updating, and other processes have to be performed in such a way that data integrity is not affected.</a:t>
-            </a:r>
-          </a:p>
-          <a:p>
-            <a:pPr algn="just">
-              <a:buFont typeface="Arial" panose="020B0604020202020204" pitchFamily="34" charset="0"/>
-              <a:buChar char="•"/>
-            </a:pPr>
-            <a:r>
-              <a:rPr lang="en-IN" b="0" i="0" dirty="0">
-                <a:solidFill>
-                  <a:srgbClr val="000000"/>
-                </a:solidFill>
-                <a:effectLst/>
-                <a:latin typeface="inter-regular"/>
-              </a:rPr>
-              <a:t>Thus, integrity constraint is used to guard against accidental damage to the database.</a:t>
-            </a:r>
-          </a:p>
-          <a:p>
-            <a:pPr marL="114300" indent="0">
-              <a:buNone/>
-            </a:pPr>
-            <a:endParaRPr lang="en-IN" dirty="0"/>
-          </a:p>
-        </p:txBody>
-      </p:sp>
+          <p:cNvPicPr>
+            <a:picLocks noChangeAspect="1"/>
+          </p:cNvPicPr>
+          <p:nvPr/>
+        </p:nvPicPr>
+        <p:blipFill>
+          <a:blip r:embed="rId2"/>
+          <a:stretch>
+            <a:fillRect/>
+          </a:stretch>
+        </p:blipFill>
+        <p:spPr>
+          <a:xfrm>
+            <a:off x="611372" y="1297393"/>
+            <a:ext cx="5943600" cy="2952750"/>
+          </a:xfrm>
+          <a:prstGeom prst="rect">
+            <a:avLst/>
+          </a:prstGeom>
+        </p:spPr>
+      </p:pic>
     </p:spTree>
     <p:extLst>
       <p:ext uri="{BB962C8B-B14F-4D97-AF65-F5344CB8AC3E}">
-        <p14:creationId xmlns:p14="http://schemas.microsoft.com/office/powerpoint/2010/main" val="2042815321"/>
+        <p14:creationId xmlns:p14="http://schemas.microsoft.com/office/powerpoint/2010/main" val="562214840"/>
       </p:ext>
     </p:extLst>
   </p:cSld>
@@ -18846,7 +18736,7 @@
           <p:cNvPr id="2" name="Title 1">
             <a:extLst>
               <a:ext uri="{FF2B5EF4-FFF2-40B4-BE49-F238E27FC236}">
-                <a16:creationId xmlns:a16="http://schemas.microsoft.com/office/drawing/2014/main" id="{401EE44B-71E5-11D4-D75F-541124B8F8C8}"/>
+                <a16:creationId xmlns:a16="http://schemas.microsoft.com/office/drawing/2014/main" id="{3716809C-6AD2-7886-A21C-105A60F8D7C5}"/>
               </a:ext>
             </a:extLst>
           </p:cNvPr>
@@ -18866,17 +18756,111 @@
           <a:p>
             <a:r>
               <a:rPr lang="en-IN" dirty="0"/>
-              <a:t>Types of Integrity Constraints</a:t>
-            </a:r>
+              <a:t>Domain Integrity Constraint</a:t>
+            </a:r>
+          </a:p>
+        </p:txBody>
+      </p:sp>
+      <p:sp>
+        <p:nvSpPr>
+          <p:cNvPr id="5" name="TextBox 4">
+            <a:extLst>
+              <a:ext uri="{FF2B5EF4-FFF2-40B4-BE49-F238E27FC236}">
+                <a16:creationId xmlns:a16="http://schemas.microsoft.com/office/drawing/2014/main" id="{E1B48771-873D-A9D9-EC58-0DC4B39F9DC5}"/>
+              </a:ext>
+            </a:extLst>
+          </p:cNvPr>
+          <p:cNvSpPr txBox="1"/>
+          <p:nvPr/>
+        </p:nvSpPr>
+        <p:spPr>
+          <a:xfrm>
+            <a:off x="311700" y="1158949"/>
+            <a:ext cx="8420986" cy="1384995"/>
+          </a:xfrm>
+          <a:prstGeom prst="rect">
+            <a:avLst/>
+          </a:prstGeom>
+          <a:noFill/>
+        </p:spPr>
+        <p:txBody>
+          <a:bodyPr wrap="square" rtlCol="0">
+            <a:spAutoFit/>
+          </a:bodyPr>
+          <a:lstStyle/>
+          <a:p>
+            <a:pPr algn="just">
+              <a:buFont typeface="Arial" panose="020B0604020202020204" pitchFamily="34" charset="0"/>
+              <a:buChar char="•"/>
+            </a:pPr>
+            <a:r>
+              <a:rPr lang="en-IN" dirty="0"/>
+              <a:t>It’s </a:t>
+            </a:r>
+            <a:r>
+              <a:rPr lang="en-IN" b="0" i="0" dirty="0">
+                <a:solidFill>
+                  <a:srgbClr val="000000"/>
+                </a:solidFill>
+                <a:effectLst/>
+                <a:latin typeface="inter-regular"/>
+              </a:rPr>
+              <a:t>defined as the definition of a valid set of values for an attribute.</a:t>
+            </a:r>
+          </a:p>
+          <a:p>
+            <a:pPr algn="just">
+              <a:buFont typeface="Arial" panose="020B0604020202020204" pitchFamily="34" charset="0"/>
+              <a:buChar char="•"/>
+            </a:pPr>
+            <a:r>
+              <a:rPr lang="en-IN" b="0" i="0" dirty="0">
+                <a:solidFill>
+                  <a:srgbClr val="000000"/>
+                </a:solidFill>
+                <a:effectLst/>
+                <a:latin typeface="inter-regular"/>
+              </a:rPr>
+              <a:t>The data type of domain includes string, character, integer, time, date, currency, etc. The value of the attribute must be available in the corresponding domain.</a:t>
+            </a:r>
+          </a:p>
+          <a:p>
+            <a:pPr algn="just">
+              <a:buFont typeface="Arial" panose="020B0604020202020204" pitchFamily="34" charset="0"/>
+              <a:buChar char="•"/>
+            </a:pPr>
+            <a:endParaRPr lang="en-IN" dirty="0">
+              <a:latin typeface="inter-regular"/>
+            </a:endParaRPr>
+          </a:p>
+          <a:p>
+            <a:pPr algn="just"/>
+            <a:r>
+              <a:rPr lang="en-IN" b="0" i="0" dirty="0">
+                <a:solidFill>
+                  <a:srgbClr val="000000"/>
+                </a:solidFill>
+                <a:effectLst/>
+                <a:latin typeface="inter-regular"/>
+              </a:rPr>
+              <a:t>Example: In this Student’s table, the record “A” is not allowed in the AGE column</a:t>
+            </a:r>
+          </a:p>
+          <a:p>
+            <a:pPr marL="285750" indent="-285750">
+              <a:buFont typeface="Arial" panose="020B0604020202020204" pitchFamily="34" charset="0"/>
+              <a:buChar char="•"/>
+            </a:pPr>
+            <a:endParaRPr lang="en-IN" dirty="0"/>
           </a:p>
         </p:txBody>
       </p:sp>
       <p:pic>
         <p:nvPicPr>
-          <p:cNvPr id="5" name="Picture 4">
+          <p:cNvPr id="7" name="Picture 6">
             <a:extLst>
               <a:ext uri="{FF2B5EF4-FFF2-40B4-BE49-F238E27FC236}">
-                <a16:creationId xmlns:a16="http://schemas.microsoft.com/office/drawing/2014/main" id="{950B1670-18DE-4A51-F38F-C69A2C5FBEC6}"/>
+                <a16:creationId xmlns:a16="http://schemas.microsoft.com/office/drawing/2014/main" id="{D3715786-8053-AFF1-388C-0EBE94DB1DA2}"/>
               </a:ext>
             </a:extLst>
           </p:cNvPr>
@@ -18893,8 +18877,8 @@
         </p:blipFill>
         <p:spPr>
           <a:xfrm>
-            <a:off x="611372" y="1297393"/>
-            <a:ext cx="5943600" cy="2952750"/>
+            <a:off x="947516" y="2448035"/>
+            <a:ext cx="5781675" cy="2352675"/>
           </a:xfrm>
           <a:prstGeom prst="rect">
             <a:avLst/>
@@ -18904,7 +18888,7 @@
     </p:spTree>
     <p:extLst>
       <p:ext uri="{BB962C8B-B14F-4D97-AF65-F5344CB8AC3E}">
-        <p14:creationId xmlns:p14="http://schemas.microsoft.com/office/powerpoint/2010/main" val="562214840"/>
+        <p14:creationId xmlns:p14="http://schemas.microsoft.com/office/powerpoint/2010/main" val="3349489546"/>
       </p:ext>
     </p:extLst>
   </p:cSld>
@@ -18936,7 +18920,7 @@
           <p:cNvPr id="2" name="Title 1">
             <a:extLst>
               <a:ext uri="{FF2B5EF4-FFF2-40B4-BE49-F238E27FC236}">
-                <a16:creationId xmlns:a16="http://schemas.microsoft.com/office/drawing/2014/main" id="{3716809C-6AD2-7886-A21C-105A60F8D7C5}"/>
+                <a16:creationId xmlns:a16="http://schemas.microsoft.com/office/drawing/2014/main" id="{FE3B3F92-9A96-417D-0353-55C54F069837}"/>
               </a:ext>
             </a:extLst>
           </p:cNvPr>
@@ -18956,37 +18940,30 @@
           <a:p>
             <a:r>
               <a:rPr lang="en-IN" dirty="0"/>
-              <a:t>Domain Integrity Constraint</a:t>
+              <a:t>Entity Integrity Constraints</a:t>
             </a:r>
           </a:p>
         </p:txBody>
       </p:sp>
       <p:sp>
         <p:nvSpPr>
-          <p:cNvPr id="5" name="TextBox 4">
+          <p:cNvPr id="3" name="Text Placeholder 2">
             <a:extLst>
               <a:ext uri="{FF2B5EF4-FFF2-40B4-BE49-F238E27FC236}">
-                <a16:creationId xmlns:a16="http://schemas.microsoft.com/office/drawing/2014/main" id="{E1B48771-873D-A9D9-EC58-0DC4B39F9DC5}"/>
+                <a16:creationId xmlns:a16="http://schemas.microsoft.com/office/drawing/2014/main" id="{FDA6F192-C4F0-7C8A-D539-044186EB1DAE}"/>
               </a:ext>
             </a:extLst>
           </p:cNvPr>
-          <p:cNvSpPr txBox="1"/>
-          <p:nvPr/>
-        </p:nvSpPr>
-        <p:spPr>
-          <a:xfrm>
-            <a:off x="311700" y="1158949"/>
-            <a:ext cx="8420986" cy="1384995"/>
-          </a:xfrm>
-          <a:prstGeom prst="rect">
-            <a:avLst/>
-          </a:prstGeom>
-          <a:noFill/>
-        </p:spPr>
+          <p:cNvSpPr>
+            <a:spLocks noGrp="1"/>
+          </p:cNvSpPr>
+          <p:nvPr>
+            <p:ph type="body" idx="1"/>
+          </p:nvPr>
+        </p:nvSpPr>
+        <p:spPr/>
         <p:txBody>
-          <a:bodyPr wrap="square" rtlCol="0">
-            <a:spAutoFit/>
-          </a:bodyPr>
+          <a:bodyPr/>
           <a:lstStyle/>
           <a:p>
             <a:pPr algn="just">
@@ -18994,8 +18971,43 @@
               <a:buChar char="•"/>
             </a:pPr>
             <a:r>
-              <a:rPr lang="en-IN" dirty="0"/>
-              <a:t>It’s </a:t>
+              <a:rPr lang="en-IN" sz="1400" dirty="0">
+                <a:solidFill>
+                  <a:srgbClr val="000000"/>
+                </a:solidFill>
+                <a:latin typeface="inter-regular"/>
+              </a:rPr>
+              <a:t>The entity integrity constraint states that primary key value can't be null.</a:t>
+            </a:r>
+          </a:p>
+          <a:p>
+            <a:pPr algn="just">
+              <a:buFont typeface="Arial" panose="020B0604020202020204" pitchFamily="34" charset="0"/>
+              <a:buChar char="•"/>
+            </a:pPr>
+            <a:r>
+              <a:rPr lang="en-IN" sz="1400" dirty="0">
+                <a:solidFill>
+                  <a:srgbClr val="000000"/>
+                </a:solidFill>
+                <a:latin typeface="inter-regular"/>
+              </a:rPr>
+              <a:t>This is because the primary key value is used to identify individual rows in relation and if the primary key has a null value, then we can't identify those rows.</a:t>
+            </a:r>
+          </a:p>
+          <a:p>
+            <a:pPr algn="just">
+              <a:buFont typeface="Arial" panose="020B0604020202020204" pitchFamily="34" charset="0"/>
+              <a:buChar char="•"/>
+            </a:pPr>
+            <a:r>
+              <a:rPr lang="en-IN" sz="1400" dirty="0">
+                <a:solidFill>
+                  <a:srgbClr val="000000"/>
+                </a:solidFill>
+                <a:latin typeface="inter-regular"/>
+              </a:rPr>
+              <a:t>A table can contain a null value other than the primary key field</a:t>
             </a:r>
             <a:r>
               <a:rPr lang="en-IN" b="0" i="0" dirty="0">
@@ -19005,62 +19017,31 @@
                 <a:effectLst/>
                 <a:latin typeface="inter-regular"/>
               </a:rPr>
-              <a:t>defined as the definition of a valid set of values for an attribute.</a:t>
-            </a:r>
-          </a:p>
-          <a:p>
-            <a:pPr algn="just">
-              <a:buFont typeface="Arial" panose="020B0604020202020204" pitchFamily="34" charset="0"/>
-              <a:buChar char="•"/>
-            </a:pPr>
-            <a:r>
-              <a:rPr lang="en-IN" b="0" i="0" dirty="0">
+              <a:t>.</a:t>
+            </a:r>
+          </a:p>
+          <a:p>
+            <a:pPr marL="114300" indent="0">
+              <a:buNone/>
+            </a:pPr>
+            <a:r>
+              <a:rPr lang="en-IN" sz="1400" dirty="0">
                 <a:solidFill>
                   <a:srgbClr val="000000"/>
                 </a:solidFill>
-                <a:effectLst/>
                 <a:latin typeface="inter-regular"/>
               </a:rPr>
-              <a:t>The data type of domain includes string, character, integer, time, date, currency, etc. The value of the attribute must be available in the corresponding domain.</a:t>
-            </a:r>
-          </a:p>
-          <a:p>
-            <a:pPr algn="just">
-              <a:buFont typeface="Arial" panose="020B0604020202020204" pitchFamily="34" charset="0"/>
-              <a:buChar char="•"/>
-            </a:pPr>
-            <a:endParaRPr lang="en-IN" dirty="0">
-              <a:latin typeface="inter-regular"/>
-            </a:endParaRPr>
-          </a:p>
-          <a:p>
-            <a:pPr algn="just"/>
-            <a:r>
-              <a:rPr lang="en-IN" b="0" i="0" dirty="0">
-                <a:solidFill>
-                  <a:srgbClr val="000000"/>
-                </a:solidFill>
-                <a:effectLst/>
-                <a:latin typeface="inter-regular"/>
-              </a:rPr>
-              <a:t>Example: In this Student’s table, the record “A” is not allowed in the AGE column</a:t>
-            </a:r>
-          </a:p>
-          <a:p>
-            <a:pPr marL="285750" indent="-285750">
-              <a:buFont typeface="Arial" panose="020B0604020202020204" pitchFamily="34" charset="0"/>
-              <a:buChar char="•"/>
-            </a:pPr>
-            <a:endParaRPr lang="en-IN" dirty="0"/>
+              <a:t>Example: In this EMPLOYEE table, the column “EMP_ID” is not allowed to have NULL value</a:t>
+            </a:r>
           </a:p>
         </p:txBody>
       </p:sp>
       <p:pic>
         <p:nvPicPr>
-          <p:cNvPr id="7" name="Picture 6">
+          <p:cNvPr id="5" name="Picture 4">
             <a:extLst>
               <a:ext uri="{FF2B5EF4-FFF2-40B4-BE49-F238E27FC236}">
-                <a16:creationId xmlns:a16="http://schemas.microsoft.com/office/drawing/2014/main" id="{D3715786-8053-AFF1-388C-0EBE94DB1DA2}"/>
+                <a16:creationId xmlns:a16="http://schemas.microsoft.com/office/drawing/2014/main" id="{573C1FB9-1D52-D096-14B5-B4E35671F20B}"/>
               </a:ext>
             </a:extLst>
           </p:cNvPr>
@@ -19077,8 +19058,8 @@
         </p:blipFill>
         <p:spPr>
           <a:xfrm>
-            <a:off x="947516" y="2448035"/>
-            <a:ext cx="5781675" cy="2352675"/>
+            <a:off x="1482023" y="2713074"/>
+            <a:ext cx="4733925" cy="2247900"/>
           </a:xfrm>
           <a:prstGeom prst="rect">
             <a:avLst/>
@@ -19088,7 +19069,7 @@
     </p:spTree>
     <p:extLst>
       <p:ext uri="{BB962C8B-B14F-4D97-AF65-F5344CB8AC3E}">
-        <p14:creationId xmlns:p14="http://schemas.microsoft.com/office/powerpoint/2010/main" val="3349489546"/>
+        <p14:creationId xmlns:p14="http://schemas.microsoft.com/office/powerpoint/2010/main" val="114559566"/>
       </p:ext>
     </p:extLst>
   </p:cSld>
@@ -19120,7 +19101,7 @@
           <p:cNvPr id="2" name="Title 1">
             <a:extLst>
               <a:ext uri="{FF2B5EF4-FFF2-40B4-BE49-F238E27FC236}">
-                <a16:creationId xmlns:a16="http://schemas.microsoft.com/office/drawing/2014/main" id="{FE3B3F92-9A96-417D-0353-55C54F069837}"/>
+                <a16:creationId xmlns:a16="http://schemas.microsoft.com/office/drawing/2014/main" id="{02443195-EEA4-9216-8835-22FD3B6EAD83}"/>
               </a:ext>
             </a:extLst>
           </p:cNvPr>
@@ -19140,7 +19121,7 @@
           <a:p>
             <a:r>
               <a:rPr lang="en-IN" dirty="0"/>
-              <a:t>Entity Integrity Constraints</a:t>
+              <a:t>Referential Integrity Constraints</a:t>
             </a:r>
           </a:p>
         </p:txBody>
@@ -19150,7 +19131,7 @@
           <p:cNvPr id="3" name="Text Placeholder 2">
             <a:extLst>
               <a:ext uri="{FF2B5EF4-FFF2-40B4-BE49-F238E27FC236}">
-                <a16:creationId xmlns:a16="http://schemas.microsoft.com/office/drawing/2014/main" id="{FDA6F192-C4F0-7C8A-D539-044186EB1DAE}"/>
+                <a16:creationId xmlns:a16="http://schemas.microsoft.com/office/drawing/2014/main" id="{D7BE7B2C-A1E6-9914-C1BB-AD22312E4572}"/>
               </a:ext>
             </a:extLst>
           </p:cNvPr>
@@ -19163,12 +19144,45 @@
         </p:nvSpPr>
         <p:spPr/>
         <p:txBody>
-          <a:bodyPr/>
+          <a:bodyPr>
+            <a:normAutofit/>
+          </a:bodyPr>
           <a:lstStyle/>
           <a:p>
             <a:pPr algn="just">
               <a:buFont typeface="Arial" panose="020B0604020202020204" pitchFamily="34" charset="0"/>
               <a:buChar char="•"/>
+            </a:pPr>
+            <a:r>
+              <a:rPr lang="en-IN" sz="1400" b="0" i="0" dirty="0">
+                <a:solidFill>
+                  <a:srgbClr val="000000"/>
+                </a:solidFill>
+                <a:effectLst/>
+                <a:latin typeface="inter-regular"/>
+              </a:rPr>
+              <a:t>A referential integrity constraint is specified between two tables.</a:t>
+            </a:r>
+          </a:p>
+          <a:p>
+            <a:pPr algn="just">
+              <a:buFont typeface="Arial" panose="020B0604020202020204" pitchFamily="34" charset="0"/>
+              <a:buChar char="•"/>
+            </a:pPr>
+            <a:r>
+              <a:rPr lang="en-IN" sz="1400" b="0" i="0" dirty="0">
+                <a:solidFill>
+                  <a:srgbClr val="000000"/>
+                </a:solidFill>
+                <a:effectLst/>
+                <a:latin typeface="inter-regular"/>
+              </a:rPr>
+              <a:t>In the Referential integrity constraints, if a foreign key in Table 1 refers to the Primary Key of Table 2, then every value of the Foreign Key in Table 1 must be null or be available in Table 2.</a:t>
+            </a:r>
+          </a:p>
+          <a:p>
+            <a:pPr marL="114300" indent="0">
+              <a:buNone/>
             </a:pPr>
             <a:r>
               <a:rPr lang="en-IN" sz="1400" dirty="0">
@@ -19177,14 +19191,17 @@
                 </a:solidFill>
                 <a:latin typeface="inter-regular"/>
               </a:rPr>
-              <a:t>The entity integrity constraint states that primary key value can't be null.</a:t>
-            </a:r>
-          </a:p>
-          <a:p>
-            <a:pPr algn="just">
-              <a:buFont typeface="Arial" panose="020B0604020202020204" pitchFamily="34" charset="0"/>
-              <a:buChar char="•"/>
-            </a:pPr>
+              <a:t>Example: In these two tables, the column value of 18 from “</a:t>
+            </a:r>
+            <a:r>
+              <a:rPr lang="en-IN" sz="1400" dirty="0" err="1">
+                <a:solidFill>
+                  <a:srgbClr val="000000"/>
+                </a:solidFill>
+                <a:latin typeface="inter-regular"/>
+              </a:rPr>
+              <a:t>D_No</a:t>
+            </a:r>
             <a:r>
               <a:rPr lang="en-IN" sz="1400" dirty="0">
                 <a:solidFill>
@@ -19192,46 +19209,7 @@
                 </a:solidFill>
                 <a:latin typeface="inter-regular"/>
               </a:rPr>
-              <a:t>This is because the primary key value is used to identify individual rows in relation and if the primary key has a null value, then we can't identify those rows.</a:t>
-            </a:r>
-          </a:p>
-          <a:p>
-            <a:pPr algn="just">
-              <a:buFont typeface="Arial" panose="020B0604020202020204" pitchFamily="34" charset="0"/>
-              <a:buChar char="•"/>
-            </a:pPr>
-            <a:r>
-              <a:rPr lang="en-IN" sz="1400" dirty="0">
-                <a:solidFill>
-                  <a:srgbClr val="000000"/>
-                </a:solidFill>
-                <a:latin typeface="inter-regular"/>
-              </a:rPr>
-              <a:t>A table can contain a null value other than the primary key field</a:t>
-            </a:r>
-            <a:r>
-              <a:rPr lang="en-IN" b="0" i="0" dirty="0">
-                <a:solidFill>
-                  <a:srgbClr val="000000"/>
-                </a:solidFill>
-                <a:effectLst/>
-                <a:latin typeface="inter-regular"/>
-              </a:rPr>
-              <a:t>.</a:t>
-            </a:r>
-          </a:p>
-          <a:p>
-            <a:pPr marL="114300" indent="0">
-              <a:buNone/>
-            </a:pPr>
-            <a:r>
-              <a:rPr lang="en-IN" sz="1400" dirty="0">
-                <a:solidFill>
-                  <a:srgbClr val="000000"/>
-                </a:solidFill>
-                <a:latin typeface="inter-regular"/>
-              </a:rPr>
-              <a:t>Example: In this EMPLOYEE table, the column “EMP_ID” is not allowed to have NULL value</a:t>
+              <a:t>” attribute, is not allowed. </a:t>
             </a:r>
           </a:p>
         </p:txBody>
@@ -19241,7 +19219,7 @@
           <p:cNvPr id="5" name="Picture 4">
             <a:extLst>
               <a:ext uri="{FF2B5EF4-FFF2-40B4-BE49-F238E27FC236}">
-                <a16:creationId xmlns:a16="http://schemas.microsoft.com/office/drawing/2014/main" id="{573C1FB9-1D52-D096-14B5-B4E35671F20B}"/>
+                <a16:creationId xmlns:a16="http://schemas.microsoft.com/office/drawing/2014/main" id="{A2930351-8176-F244-78EF-AE72B529C4A5}"/>
               </a:ext>
             </a:extLst>
           </p:cNvPr>
@@ -19258,8 +19236,8 @@
         </p:blipFill>
         <p:spPr>
           <a:xfrm>
-            <a:off x="1482023" y="2713074"/>
-            <a:ext cx="4733925" cy="2247900"/>
+            <a:off x="1029696" y="2263097"/>
+            <a:ext cx="3542304" cy="2671909"/>
           </a:xfrm>
           <a:prstGeom prst="rect">
             <a:avLst/>
@@ -19269,7 +19247,7 @@
     </p:spTree>
     <p:extLst>
       <p:ext uri="{BB962C8B-B14F-4D97-AF65-F5344CB8AC3E}">
-        <p14:creationId xmlns:p14="http://schemas.microsoft.com/office/powerpoint/2010/main" val="114559566"/>
+        <p14:creationId xmlns:p14="http://schemas.microsoft.com/office/powerpoint/2010/main" val="2512590080"/>
       </p:ext>
     </p:extLst>
   </p:cSld>
@@ -19301,184 +19279,6 @@
           <p:cNvPr id="2" name="Title 1">
             <a:extLst>
               <a:ext uri="{FF2B5EF4-FFF2-40B4-BE49-F238E27FC236}">
-                <a16:creationId xmlns:a16="http://schemas.microsoft.com/office/drawing/2014/main" id="{02443195-EEA4-9216-8835-22FD3B6EAD83}"/>
-              </a:ext>
-            </a:extLst>
-          </p:cNvPr>
-          <p:cNvSpPr>
-            <a:spLocks noGrp="1"/>
-          </p:cNvSpPr>
-          <p:nvPr>
-            <p:ph type="title"/>
-          </p:nvPr>
-        </p:nvSpPr>
-        <p:spPr/>
-        <p:txBody>
-          <a:bodyPr>
-            <a:normAutofit fontScale="90000"/>
-          </a:bodyPr>
-          <a:lstStyle/>
-          <a:p>
-            <a:r>
-              <a:rPr lang="en-IN" dirty="0"/>
-              <a:t>Referential Integrity Constraints</a:t>
-            </a:r>
-          </a:p>
-        </p:txBody>
-      </p:sp>
-      <p:sp>
-        <p:nvSpPr>
-          <p:cNvPr id="3" name="Text Placeholder 2">
-            <a:extLst>
-              <a:ext uri="{FF2B5EF4-FFF2-40B4-BE49-F238E27FC236}">
-                <a16:creationId xmlns:a16="http://schemas.microsoft.com/office/drawing/2014/main" id="{D7BE7B2C-A1E6-9914-C1BB-AD22312E4572}"/>
-              </a:ext>
-            </a:extLst>
-          </p:cNvPr>
-          <p:cNvSpPr>
-            <a:spLocks noGrp="1"/>
-          </p:cNvSpPr>
-          <p:nvPr>
-            <p:ph type="body" idx="1"/>
-          </p:nvPr>
-        </p:nvSpPr>
-        <p:spPr/>
-        <p:txBody>
-          <a:bodyPr>
-            <a:normAutofit/>
-          </a:bodyPr>
-          <a:lstStyle/>
-          <a:p>
-            <a:pPr algn="just">
-              <a:buFont typeface="Arial" panose="020B0604020202020204" pitchFamily="34" charset="0"/>
-              <a:buChar char="•"/>
-            </a:pPr>
-            <a:r>
-              <a:rPr lang="en-IN" sz="1400" b="0" i="0" dirty="0">
-                <a:solidFill>
-                  <a:srgbClr val="000000"/>
-                </a:solidFill>
-                <a:effectLst/>
-                <a:latin typeface="inter-regular"/>
-              </a:rPr>
-              <a:t>A referential integrity constraint is specified between two tables.</a:t>
-            </a:r>
-          </a:p>
-          <a:p>
-            <a:pPr algn="just">
-              <a:buFont typeface="Arial" panose="020B0604020202020204" pitchFamily="34" charset="0"/>
-              <a:buChar char="•"/>
-            </a:pPr>
-            <a:r>
-              <a:rPr lang="en-IN" sz="1400" b="0" i="0" dirty="0">
-                <a:solidFill>
-                  <a:srgbClr val="000000"/>
-                </a:solidFill>
-                <a:effectLst/>
-                <a:latin typeface="inter-regular"/>
-              </a:rPr>
-              <a:t>In the Referential integrity constraints, if a foreign key in Table 1 refers to the Primary Key of Table 2, then every value of the Foreign Key in Table 1 must be null or be available in Table 2.</a:t>
-            </a:r>
-          </a:p>
-          <a:p>
-            <a:pPr marL="114300" indent="0">
-              <a:buNone/>
-            </a:pPr>
-            <a:r>
-              <a:rPr lang="en-IN" sz="1400" dirty="0">
-                <a:solidFill>
-                  <a:srgbClr val="000000"/>
-                </a:solidFill>
-                <a:latin typeface="inter-regular"/>
-              </a:rPr>
-              <a:t>Example: In these two tables, the column value of 18 from “</a:t>
-            </a:r>
-            <a:r>
-              <a:rPr lang="en-IN" sz="1400" dirty="0" err="1">
-                <a:solidFill>
-                  <a:srgbClr val="000000"/>
-                </a:solidFill>
-                <a:latin typeface="inter-regular"/>
-              </a:rPr>
-              <a:t>D_No</a:t>
-            </a:r>
-            <a:r>
-              <a:rPr lang="en-IN" sz="1400" dirty="0">
-                <a:solidFill>
-                  <a:srgbClr val="000000"/>
-                </a:solidFill>
-                <a:latin typeface="inter-regular"/>
-              </a:rPr>
-              <a:t>” attribute, is not allowed. </a:t>
-            </a:r>
-          </a:p>
-        </p:txBody>
-      </p:sp>
-      <p:pic>
-        <p:nvPicPr>
-          <p:cNvPr id="5" name="Picture 4">
-            <a:extLst>
-              <a:ext uri="{FF2B5EF4-FFF2-40B4-BE49-F238E27FC236}">
-                <a16:creationId xmlns:a16="http://schemas.microsoft.com/office/drawing/2014/main" id="{A2930351-8176-F244-78EF-AE72B529C4A5}"/>
-              </a:ext>
-            </a:extLst>
-          </p:cNvPr>
-          <p:cNvPicPr>
-            <a:picLocks noChangeAspect="1"/>
-          </p:cNvPicPr>
-          <p:nvPr/>
-        </p:nvPicPr>
-        <p:blipFill>
-          <a:blip r:embed="rId2"/>
-          <a:stretch>
-            <a:fillRect/>
-          </a:stretch>
-        </p:blipFill>
-        <p:spPr>
-          <a:xfrm>
-            <a:off x="1029696" y="2263097"/>
-            <a:ext cx="3542304" cy="2671909"/>
-          </a:xfrm>
-          <a:prstGeom prst="rect">
-            <a:avLst/>
-          </a:prstGeom>
-        </p:spPr>
-      </p:pic>
-    </p:spTree>
-    <p:extLst>
-      <p:ext uri="{BB962C8B-B14F-4D97-AF65-F5344CB8AC3E}">
-        <p14:creationId xmlns:p14="http://schemas.microsoft.com/office/powerpoint/2010/main" val="2512590080"/>
-      </p:ext>
-    </p:extLst>
-  </p:cSld>
-  <p:clrMapOvr>
-    <a:masterClrMapping/>
-  </p:clrMapOvr>
-</p:sld>
-</file>
-
-<file path=ppt/slides/slide34.xml><?xml version="1.0" encoding="utf-8"?>
-<p:sld xmlns:a="http://schemas.openxmlformats.org/drawingml/2006/main" xmlns:r="http://schemas.openxmlformats.org/officeDocument/2006/relationships" xmlns:p="http://schemas.openxmlformats.org/presentationml/2006/main">
-  <p:cSld>
-    <p:spTree>
-      <p:nvGrpSpPr>
-        <p:cNvPr id="1" name=""/>
-        <p:cNvGrpSpPr/>
-        <p:nvPr/>
-      </p:nvGrpSpPr>
-      <p:grpSpPr>
-        <a:xfrm>
-          <a:off x="0" y="0"/>
-          <a:ext cx="0" cy="0"/>
-          <a:chOff x="0" y="0"/>
-          <a:chExt cx="0" cy="0"/>
-        </a:xfrm>
-      </p:grpSpPr>
-      <p:sp>
-        <p:nvSpPr>
-          <p:cNvPr id="2" name="Title 1">
-            <a:extLst>
-              <a:ext uri="{FF2B5EF4-FFF2-40B4-BE49-F238E27FC236}">
                 <a16:creationId xmlns:a16="http://schemas.microsoft.com/office/drawing/2014/main" id="{46CDF1DA-E6F6-CF80-3F36-636974314381}"/>
               </a:ext>
             </a:extLst>
@@ -19627,7 +19427,7 @@
 </p:sld>
 </file>
 
-<file path=ppt/slides/slide35.xml><?xml version="1.0" encoding="utf-8"?>
+<file path=ppt/slides/slide34.xml><?xml version="1.0" encoding="utf-8"?>
 <p:sld xmlns:a="http://schemas.openxmlformats.org/drawingml/2006/main" xmlns:r="http://schemas.openxmlformats.org/officeDocument/2006/relationships" xmlns:p="http://schemas.openxmlformats.org/presentationml/2006/main">
   <p:cSld>
     <p:spTree>
@@ -19860,7 +19660,7 @@
 </p:sld>
 </file>
 
-<file path=ppt/slides/slide36.xml><?xml version="1.0" encoding="utf-8"?>
+<file path=ppt/slides/slide35.xml><?xml version="1.0" encoding="utf-8"?>
 <p:sld xmlns:a="http://schemas.openxmlformats.org/drawingml/2006/main" xmlns:r="http://schemas.openxmlformats.org/officeDocument/2006/relationships" xmlns:p="http://schemas.openxmlformats.org/presentationml/2006/main">
   <p:cSld>
     <p:spTree>
@@ -20032,7 +19832,7 @@
 </p:sld>
 </file>
 
-<file path=ppt/slides/slide37.xml><?xml version="1.0" encoding="utf-8"?>
+<file path=ppt/slides/slide36.xml><?xml version="1.0" encoding="utf-8"?>
 <p:sld xmlns:a="http://schemas.openxmlformats.org/drawingml/2006/main" xmlns:r="http://schemas.openxmlformats.org/officeDocument/2006/relationships" xmlns:p="http://schemas.openxmlformats.org/presentationml/2006/main">
   <p:cSld>
     <p:spTree>
@@ -20127,7 +19927,7 @@
 </p:sld>
 </file>
 
-<file path=ppt/slides/slide38.xml><?xml version="1.0" encoding="utf-8"?>
+<file path=ppt/slides/slide37.xml><?xml version="1.0" encoding="utf-8"?>
 <p:sld xmlns:a="http://schemas.openxmlformats.org/drawingml/2006/main" xmlns:r="http://schemas.openxmlformats.org/officeDocument/2006/relationships" xmlns:p="http://schemas.openxmlformats.org/presentationml/2006/main">
   <p:cSld>
     <p:spTree>
@@ -20282,7 +20082,7 @@
 </p:sld>
 </file>
 
-<file path=ppt/slides/slide39.xml><?xml version="1.0" encoding="utf-8"?>
+<file path=ppt/slides/slide38.xml><?xml version="1.0" encoding="utf-8"?>
 <p:sld xmlns:a="http://schemas.openxmlformats.org/drawingml/2006/main" xmlns:r="http://schemas.openxmlformats.org/officeDocument/2006/relationships" xmlns:p="http://schemas.openxmlformats.org/presentationml/2006/main">
   <p:cSld>
     <p:spTree>
@@ -20423,6 +20223,101 @@
           </a:p>
         </p:txBody>
       </p:sp>
+    </p:spTree>
+  </p:cSld>
+  <p:clrMapOvr>
+    <a:masterClrMapping/>
+  </p:clrMapOvr>
+</p:sld>
+</file>
+
+<file path=ppt/slides/slide39.xml><?xml version="1.0" encoding="utf-8"?>
+<p:sld xmlns:a="http://schemas.openxmlformats.org/drawingml/2006/main" xmlns:r="http://schemas.openxmlformats.org/officeDocument/2006/relationships" xmlns:p="http://schemas.openxmlformats.org/presentationml/2006/main">
+  <p:cSld>
+    <p:spTree>
+      <p:nvGrpSpPr>
+        <p:cNvPr id="1" name="Shape 249"/>
+        <p:cNvGrpSpPr/>
+        <p:nvPr/>
+      </p:nvGrpSpPr>
+      <p:grpSpPr>
+        <a:xfrm>
+          <a:off x="0" y="0"/>
+          <a:ext cx="0" cy="0"/>
+          <a:chOff x="0" y="0"/>
+          <a:chExt cx="0" cy="0"/>
+        </a:xfrm>
+      </p:grpSpPr>
+      <p:sp>
+        <p:nvSpPr>
+          <p:cNvPr id="250" name="Google Shape;250;p45"/>
+          <p:cNvSpPr txBox="1">
+            <a:spLocks noGrp="1"/>
+          </p:cNvSpPr>
+          <p:nvPr>
+            <p:ph type="title"/>
+          </p:nvPr>
+        </p:nvSpPr>
+        <p:spPr>
+          <a:xfrm>
+            <a:off x="311700" y="445025"/>
+            <a:ext cx="8520600" cy="572700"/>
+          </a:xfrm>
+          <a:prstGeom prst="rect">
+            <a:avLst/>
+          </a:prstGeom>
+        </p:spPr>
+        <p:txBody>
+          <a:bodyPr spcFirstLastPara="1" wrap="square" lIns="91425" tIns="91425" rIns="91425" bIns="91425" anchor="t" anchorCtr="0">
+            <a:normAutofit fontScale="90000"/>
+          </a:bodyPr>
+          <a:lstStyle/>
+          <a:p>
+            <a:pPr marL="0" lvl="0" indent="0" algn="l" rtl="0">
+              <a:spcBef>
+                <a:spcPts val="0"/>
+              </a:spcBef>
+              <a:spcAft>
+                <a:spcPts val="0"/>
+              </a:spcAft>
+              <a:buNone/>
+            </a:pPr>
+            <a:r>
+              <a:rPr lang="en-GB"/>
+              <a:t>Unnormalized form (UNF)</a:t>
+            </a:r>
+            <a:endParaRPr/>
+          </a:p>
+        </p:txBody>
+      </p:sp>
+      <p:pic>
+        <p:nvPicPr>
+          <p:cNvPr id="251" name="Google Shape;251;p45"/>
+          <p:cNvPicPr preferRelativeResize="0"/>
+          <p:nvPr/>
+        </p:nvPicPr>
+        <p:blipFill>
+          <a:blip r:embed="rId3">
+            <a:alphaModFix/>
+          </a:blip>
+          <a:stretch>
+            <a:fillRect/>
+          </a:stretch>
+        </p:blipFill>
+        <p:spPr>
+          <a:xfrm>
+            <a:off x="152400" y="1170125"/>
+            <a:ext cx="8220075" cy="3762375"/>
+          </a:xfrm>
+          <a:prstGeom prst="rect">
+            <a:avLst/>
+          </a:prstGeom>
+          <a:noFill/>
+          <a:ln>
+            <a:noFill/>
+          </a:ln>
+        </p:spPr>
+      </p:pic>
     </p:spTree>
   </p:cSld>
   <p:clrMapOvr>
@@ -20698,101 +20593,6 @@
   <p:cSld>
     <p:spTree>
       <p:nvGrpSpPr>
-        <p:cNvPr id="1" name="Shape 249"/>
-        <p:cNvGrpSpPr/>
-        <p:nvPr/>
-      </p:nvGrpSpPr>
-      <p:grpSpPr>
-        <a:xfrm>
-          <a:off x="0" y="0"/>
-          <a:ext cx="0" cy="0"/>
-          <a:chOff x="0" y="0"/>
-          <a:chExt cx="0" cy="0"/>
-        </a:xfrm>
-      </p:grpSpPr>
-      <p:sp>
-        <p:nvSpPr>
-          <p:cNvPr id="250" name="Google Shape;250;p45"/>
-          <p:cNvSpPr txBox="1">
-            <a:spLocks noGrp="1"/>
-          </p:cNvSpPr>
-          <p:nvPr>
-            <p:ph type="title"/>
-          </p:nvPr>
-        </p:nvSpPr>
-        <p:spPr>
-          <a:xfrm>
-            <a:off x="311700" y="445025"/>
-            <a:ext cx="8520600" cy="572700"/>
-          </a:xfrm>
-          <a:prstGeom prst="rect">
-            <a:avLst/>
-          </a:prstGeom>
-        </p:spPr>
-        <p:txBody>
-          <a:bodyPr spcFirstLastPara="1" wrap="square" lIns="91425" tIns="91425" rIns="91425" bIns="91425" anchor="t" anchorCtr="0">
-            <a:normAutofit fontScale="90000"/>
-          </a:bodyPr>
-          <a:lstStyle/>
-          <a:p>
-            <a:pPr marL="0" lvl="0" indent="0" algn="l" rtl="0">
-              <a:spcBef>
-                <a:spcPts val="0"/>
-              </a:spcBef>
-              <a:spcAft>
-                <a:spcPts val="0"/>
-              </a:spcAft>
-              <a:buNone/>
-            </a:pPr>
-            <a:r>
-              <a:rPr lang="en-GB"/>
-              <a:t>Unnormalized form (UNF)</a:t>
-            </a:r>
-            <a:endParaRPr/>
-          </a:p>
-        </p:txBody>
-      </p:sp>
-      <p:pic>
-        <p:nvPicPr>
-          <p:cNvPr id="251" name="Google Shape;251;p45"/>
-          <p:cNvPicPr preferRelativeResize="0"/>
-          <p:nvPr/>
-        </p:nvPicPr>
-        <p:blipFill>
-          <a:blip r:embed="rId3">
-            <a:alphaModFix/>
-          </a:blip>
-          <a:stretch>
-            <a:fillRect/>
-          </a:stretch>
-        </p:blipFill>
-        <p:spPr>
-          <a:xfrm>
-            <a:off x="152400" y="1170125"/>
-            <a:ext cx="8220075" cy="3762375"/>
-          </a:xfrm>
-          <a:prstGeom prst="rect">
-            <a:avLst/>
-          </a:prstGeom>
-          <a:noFill/>
-          <a:ln>
-            <a:noFill/>
-          </a:ln>
-        </p:spPr>
-      </p:pic>
-    </p:spTree>
-  </p:cSld>
-  <p:clrMapOvr>
-    <a:masterClrMapping/>
-  </p:clrMapOvr>
-</p:sld>
-</file>
-
-<file path=ppt/slides/slide41.xml><?xml version="1.0" encoding="utf-8"?>
-<p:sld xmlns:a="http://schemas.openxmlformats.org/drawingml/2006/main" xmlns:r="http://schemas.openxmlformats.org/officeDocument/2006/relationships" xmlns:p="http://schemas.openxmlformats.org/presentationml/2006/main">
-  <p:cSld>
-    <p:spTree>
-      <p:nvGrpSpPr>
         <p:cNvPr id="1" name="Shape 255"/>
         <p:cNvGrpSpPr/>
         <p:nvPr/>
@@ -20883,7 +20683,7 @@
 </p:sld>
 </file>
 
-<file path=ppt/slides/slide42.xml><?xml version="1.0" encoding="utf-8"?>
+<file path=ppt/slides/slide41.xml><?xml version="1.0" encoding="utf-8"?>
 <p:sld xmlns:a="http://schemas.openxmlformats.org/drawingml/2006/main" xmlns:r="http://schemas.openxmlformats.org/officeDocument/2006/relationships" xmlns:p="http://schemas.openxmlformats.org/presentationml/2006/main">
   <p:cSld>
     <p:spTree>
@@ -20978,7 +20778,7 @@
 </p:sld>
 </file>
 
-<file path=ppt/slides/slide43.xml><?xml version="1.0" encoding="utf-8"?>
+<file path=ppt/slides/slide42.xml><?xml version="1.0" encoding="utf-8"?>
 <p:sld xmlns:a="http://schemas.openxmlformats.org/drawingml/2006/main" xmlns:r="http://schemas.openxmlformats.org/officeDocument/2006/relationships" xmlns:p="http://schemas.openxmlformats.org/presentationml/2006/main">
   <p:cSld>
     <p:spTree>
@@ -21073,7 +20873,7 @@
 </p:sld>
 </file>
 
-<file path=ppt/slides/slide44.xml><?xml version="1.0" encoding="utf-8"?>
+<file path=ppt/slides/slide43.xml><?xml version="1.0" encoding="utf-8"?>
 <p:sld xmlns:a="http://schemas.openxmlformats.org/drawingml/2006/main" xmlns:r="http://schemas.openxmlformats.org/officeDocument/2006/relationships" xmlns:p="http://schemas.openxmlformats.org/presentationml/2006/main">
   <p:cSld>
     <p:spTree>
@@ -21168,7 +20968,7 @@
 </p:sld>
 </file>
 
-<file path=ppt/slides/slide45.xml><?xml version="1.0" encoding="utf-8"?>
+<file path=ppt/slides/slide44.xml><?xml version="1.0" encoding="utf-8"?>
 <p:sld xmlns:a="http://schemas.openxmlformats.org/drawingml/2006/main" xmlns:r="http://schemas.openxmlformats.org/officeDocument/2006/relationships" xmlns:p="http://schemas.openxmlformats.org/presentationml/2006/main">
   <p:cSld>
     <p:spTree>
@@ -21263,7 +21063,7 @@
 </p:sld>
 </file>
 
-<file path=ppt/slides/slide46.xml><?xml version="1.0" encoding="utf-8"?>
+<file path=ppt/slides/slide45.xml><?xml version="1.0" encoding="utf-8"?>
 <p:sld xmlns:a="http://schemas.openxmlformats.org/drawingml/2006/main" xmlns:r="http://schemas.openxmlformats.org/officeDocument/2006/relationships" xmlns:p="http://schemas.openxmlformats.org/presentationml/2006/main">
   <p:cSld>
     <p:spTree>
@@ -21358,7 +21158,7 @@
 </p:sld>
 </file>
 
-<file path=ppt/slides/slide47.xml><?xml version="1.0" encoding="utf-8"?>
+<file path=ppt/slides/slide46.xml><?xml version="1.0" encoding="utf-8"?>
 <p:sld xmlns:a="http://schemas.openxmlformats.org/drawingml/2006/main" xmlns:r="http://schemas.openxmlformats.org/officeDocument/2006/relationships" xmlns:p="http://schemas.openxmlformats.org/presentationml/2006/main">
   <p:cSld>
     <p:spTree>
@@ -21453,7 +21253,7 @@
 </p:sld>
 </file>
 
-<file path=ppt/slides/slide48.xml><?xml version="1.0" encoding="utf-8"?>
+<file path=ppt/slides/slide47.xml><?xml version="1.0" encoding="utf-8"?>
 <p:sld xmlns:a="http://schemas.openxmlformats.org/drawingml/2006/main" xmlns:r="http://schemas.openxmlformats.org/officeDocument/2006/relationships" xmlns:p="http://schemas.openxmlformats.org/presentationml/2006/main">
   <p:cSld>
     <p:spTree>
@@ -21642,7 +21442,7 @@
 </p:sld>
 </file>
 
-<file path=ppt/slides/slide49.xml><?xml version="1.0" encoding="utf-8"?>
+<file path=ppt/slides/slide48.xml><?xml version="1.0" encoding="utf-8"?>
 <p:sld xmlns:a="http://schemas.openxmlformats.org/drawingml/2006/main" xmlns:r="http://schemas.openxmlformats.org/officeDocument/2006/relationships" xmlns:p="http://schemas.openxmlformats.org/presentationml/2006/main">
   <p:cSld>
     <p:spTree>
@@ -21754,6 +21554,179 @@
             <a:r>
               <a:rPr lang="en-GB"/>
               <a:t>• No headache caused by data operation anomalies. Good for data integrity and consistency.</a:t>
+            </a:r>
+            <a:endParaRPr/>
+          </a:p>
+        </p:txBody>
+      </p:sp>
+    </p:spTree>
+  </p:cSld>
+  <p:clrMapOvr>
+    <a:masterClrMapping/>
+  </p:clrMapOvr>
+</p:sld>
+</file>
+
+<file path=ppt/slides/slide49.xml><?xml version="1.0" encoding="utf-8"?>
+<p:sld xmlns:a="http://schemas.openxmlformats.org/drawingml/2006/main" xmlns:r="http://schemas.openxmlformats.org/officeDocument/2006/relationships" xmlns:p="http://schemas.openxmlformats.org/presentationml/2006/main">
+  <p:cSld>
+    <p:spTree>
+      <p:nvGrpSpPr>
+        <p:cNvPr id="1" name="Shape 309"/>
+        <p:cNvGrpSpPr/>
+        <p:nvPr/>
+      </p:nvGrpSpPr>
+      <p:grpSpPr>
+        <a:xfrm>
+          <a:off x="0" y="0"/>
+          <a:ext cx="0" cy="0"/>
+          <a:chOff x="0" y="0"/>
+          <a:chExt cx="0" cy="0"/>
+        </a:xfrm>
+      </p:grpSpPr>
+      <p:sp>
+        <p:nvSpPr>
+          <p:cNvPr id="310" name="Google Shape;310;p55"/>
+          <p:cNvSpPr txBox="1">
+            <a:spLocks noGrp="1"/>
+          </p:cNvSpPr>
+          <p:nvPr>
+            <p:ph type="title"/>
+          </p:nvPr>
+        </p:nvSpPr>
+        <p:spPr>
+          <a:xfrm>
+            <a:off x="311700" y="445025"/>
+            <a:ext cx="8520600" cy="572700"/>
+          </a:xfrm>
+          <a:prstGeom prst="rect">
+            <a:avLst/>
+          </a:prstGeom>
+        </p:spPr>
+        <p:txBody>
+          <a:bodyPr spcFirstLastPara="1" wrap="square" lIns="91425" tIns="91425" rIns="91425" bIns="91425" anchor="t" anchorCtr="0">
+            <a:normAutofit fontScale="90000"/>
+          </a:bodyPr>
+          <a:lstStyle/>
+          <a:p>
+            <a:pPr marL="0" lvl="0" indent="0" algn="l" rtl="0">
+              <a:spcBef>
+                <a:spcPts val="0"/>
+              </a:spcBef>
+              <a:spcAft>
+                <a:spcPts val="0"/>
+              </a:spcAft>
+              <a:buNone/>
+            </a:pPr>
+            <a:r>
+              <a:rPr lang="en-GB"/>
+              <a:t>Disadvantages of Normalization</a:t>
+            </a:r>
+            <a:endParaRPr/>
+          </a:p>
+        </p:txBody>
+      </p:sp>
+      <p:sp>
+        <p:nvSpPr>
+          <p:cNvPr id="311" name="Google Shape;311;p55"/>
+          <p:cNvSpPr txBox="1">
+            <a:spLocks noGrp="1"/>
+          </p:cNvSpPr>
+          <p:nvPr>
+            <p:ph type="body" idx="1"/>
+          </p:nvPr>
+        </p:nvSpPr>
+        <p:spPr>
+          <a:xfrm>
+            <a:off x="311700" y="1152475"/>
+            <a:ext cx="8520600" cy="3416400"/>
+          </a:xfrm>
+          <a:prstGeom prst="rect">
+            <a:avLst/>
+          </a:prstGeom>
+        </p:spPr>
+        <p:txBody>
+          <a:bodyPr spcFirstLastPara="1" wrap="square" lIns="91425" tIns="91425" rIns="91425" bIns="91425" anchor="t" anchorCtr="0">
+            <a:normAutofit/>
+          </a:bodyPr>
+          <a:lstStyle/>
+          <a:p>
+            <a:pPr marL="0" lvl="0" indent="0" algn="l" rtl="0">
+              <a:spcBef>
+                <a:spcPts val="0"/>
+              </a:spcBef>
+              <a:spcAft>
+                <a:spcPts val="0"/>
+              </a:spcAft>
+              <a:buNone/>
+            </a:pPr>
+            <a:r>
+              <a:rPr lang="en-GB"/>
+              <a:t>Disadvantages of Normalization </a:t>
+            </a:r>
+            <a:endParaRPr/>
+          </a:p>
+          <a:p>
+            <a:pPr marL="0" lvl="0" indent="0" algn="l" rtl="0">
+              <a:spcBef>
+                <a:spcPts val="1200"/>
+              </a:spcBef>
+              <a:spcAft>
+                <a:spcPts val="0"/>
+              </a:spcAft>
+              <a:buNone/>
+            </a:pPr>
+            <a:r>
+              <a:rPr lang="en-GB"/>
+              <a:t>• Take effort </a:t>
+            </a:r>
+            <a:endParaRPr/>
+          </a:p>
+          <a:p>
+            <a:pPr marL="0" lvl="0" indent="0" algn="l" rtl="0">
+              <a:spcBef>
+                <a:spcPts val="1200"/>
+              </a:spcBef>
+              <a:spcAft>
+                <a:spcPts val="0"/>
+              </a:spcAft>
+              <a:buNone/>
+            </a:pPr>
+            <a:r>
+              <a:rPr lang="en-GB"/>
+              <a:t>• May increase complexity in data structure </a:t>
+            </a:r>
+            <a:endParaRPr/>
+          </a:p>
+          <a:p>
+            <a:pPr marL="0" lvl="0" indent="0" algn="l" rtl="0">
+              <a:spcBef>
+                <a:spcPts val="1200"/>
+              </a:spcBef>
+              <a:spcAft>
+                <a:spcPts val="0"/>
+              </a:spcAft>
+              <a:buNone/>
+            </a:pPr>
+            <a:r>
+              <a:rPr lang="en-GB"/>
+              <a:t>• Data retrieving efficiency may be discounted due to the need of join of multiple tables; So may not be proper in read-intensive data applications </a:t>
+            </a:r>
+            <a:endParaRPr/>
+          </a:p>
+          <a:p>
+            <a:pPr marL="0" lvl="0" indent="0" algn="l" rtl="0">
+              <a:spcBef>
+                <a:spcPts val="1200"/>
+              </a:spcBef>
+              <a:spcAft>
+                <a:spcPts val="1200"/>
+              </a:spcAft>
+              <a:buNone/>
+            </a:pPr>
+            <a:r>
+              <a:rPr lang="en-GB"/>
+              <a:t>• Sometimes the constraints may be too strict to be flexible to make some customized change needed. </a:t>
             </a:r>
             <a:endParaRPr/>
           </a:p>
@@ -21867,179 +21840,6 @@
   <p:cSld>
     <p:spTree>
       <p:nvGrpSpPr>
-        <p:cNvPr id="1" name="Shape 309"/>
-        <p:cNvGrpSpPr/>
-        <p:nvPr/>
-      </p:nvGrpSpPr>
-      <p:grpSpPr>
-        <a:xfrm>
-          <a:off x="0" y="0"/>
-          <a:ext cx="0" cy="0"/>
-          <a:chOff x="0" y="0"/>
-          <a:chExt cx="0" cy="0"/>
-        </a:xfrm>
-      </p:grpSpPr>
-      <p:sp>
-        <p:nvSpPr>
-          <p:cNvPr id="310" name="Google Shape;310;p55"/>
-          <p:cNvSpPr txBox="1">
-            <a:spLocks noGrp="1"/>
-          </p:cNvSpPr>
-          <p:nvPr>
-            <p:ph type="title"/>
-          </p:nvPr>
-        </p:nvSpPr>
-        <p:spPr>
-          <a:xfrm>
-            <a:off x="311700" y="445025"/>
-            <a:ext cx="8520600" cy="572700"/>
-          </a:xfrm>
-          <a:prstGeom prst="rect">
-            <a:avLst/>
-          </a:prstGeom>
-        </p:spPr>
-        <p:txBody>
-          <a:bodyPr spcFirstLastPara="1" wrap="square" lIns="91425" tIns="91425" rIns="91425" bIns="91425" anchor="t" anchorCtr="0">
-            <a:normAutofit fontScale="90000"/>
-          </a:bodyPr>
-          <a:lstStyle/>
-          <a:p>
-            <a:pPr marL="0" lvl="0" indent="0" algn="l" rtl="0">
-              <a:spcBef>
-                <a:spcPts val="0"/>
-              </a:spcBef>
-              <a:spcAft>
-                <a:spcPts val="0"/>
-              </a:spcAft>
-              <a:buNone/>
-            </a:pPr>
-            <a:r>
-              <a:rPr lang="en-GB"/>
-              <a:t>Disadvantages of Normalization</a:t>
-            </a:r>
-            <a:endParaRPr/>
-          </a:p>
-        </p:txBody>
-      </p:sp>
-      <p:sp>
-        <p:nvSpPr>
-          <p:cNvPr id="311" name="Google Shape;311;p55"/>
-          <p:cNvSpPr txBox="1">
-            <a:spLocks noGrp="1"/>
-          </p:cNvSpPr>
-          <p:nvPr>
-            <p:ph type="body" idx="1"/>
-          </p:nvPr>
-        </p:nvSpPr>
-        <p:spPr>
-          <a:xfrm>
-            <a:off x="311700" y="1152475"/>
-            <a:ext cx="8520600" cy="3416400"/>
-          </a:xfrm>
-          <a:prstGeom prst="rect">
-            <a:avLst/>
-          </a:prstGeom>
-        </p:spPr>
-        <p:txBody>
-          <a:bodyPr spcFirstLastPara="1" wrap="square" lIns="91425" tIns="91425" rIns="91425" bIns="91425" anchor="t" anchorCtr="0">
-            <a:normAutofit/>
-          </a:bodyPr>
-          <a:lstStyle/>
-          <a:p>
-            <a:pPr marL="0" lvl="0" indent="0" algn="l" rtl="0">
-              <a:spcBef>
-                <a:spcPts val="0"/>
-              </a:spcBef>
-              <a:spcAft>
-                <a:spcPts val="0"/>
-              </a:spcAft>
-              <a:buNone/>
-            </a:pPr>
-            <a:r>
-              <a:rPr lang="en-GB"/>
-              <a:t>Disadvantages of Normalization </a:t>
-            </a:r>
-            <a:endParaRPr/>
-          </a:p>
-          <a:p>
-            <a:pPr marL="0" lvl="0" indent="0" algn="l" rtl="0">
-              <a:spcBef>
-                <a:spcPts val="1200"/>
-              </a:spcBef>
-              <a:spcAft>
-                <a:spcPts val="0"/>
-              </a:spcAft>
-              <a:buNone/>
-            </a:pPr>
-            <a:r>
-              <a:rPr lang="en-GB"/>
-              <a:t>• Take effort </a:t>
-            </a:r>
-            <a:endParaRPr/>
-          </a:p>
-          <a:p>
-            <a:pPr marL="0" lvl="0" indent="0" algn="l" rtl="0">
-              <a:spcBef>
-                <a:spcPts val="1200"/>
-              </a:spcBef>
-              <a:spcAft>
-                <a:spcPts val="0"/>
-              </a:spcAft>
-              <a:buNone/>
-            </a:pPr>
-            <a:r>
-              <a:rPr lang="en-GB"/>
-              <a:t>• May increase complexity in data structure </a:t>
-            </a:r>
-            <a:endParaRPr/>
-          </a:p>
-          <a:p>
-            <a:pPr marL="0" lvl="0" indent="0" algn="l" rtl="0">
-              <a:spcBef>
-                <a:spcPts val="1200"/>
-              </a:spcBef>
-              <a:spcAft>
-                <a:spcPts val="0"/>
-              </a:spcAft>
-              <a:buNone/>
-            </a:pPr>
-            <a:r>
-              <a:rPr lang="en-GB"/>
-              <a:t>• Data retrieving efficiency may be discounted due to the need of join of multiple tables; So may not be proper in read-intensive data applications </a:t>
-            </a:r>
-            <a:endParaRPr/>
-          </a:p>
-          <a:p>
-            <a:pPr marL="0" lvl="0" indent="0" algn="l" rtl="0">
-              <a:spcBef>
-                <a:spcPts val="1200"/>
-              </a:spcBef>
-              <a:spcAft>
-                <a:spcPts val="1200"/>
-              </a:spcAft>
-              <a:buNone/>
-            </a:pPr>
-            <a:r>
-              <a:rPr lang="en-GB"/>
-              <a:t>• Sometimes the constraints may be too strict to be flexible to make some customized change needed. </a:t>
-            </a:r>
-            <a:endParaRPr/>
-          </a:p>
-        </p:txBody>
-      </p:sp>
-    </p:spTree>
-  </p:cSld>
-  <p:clrMapOvr>
-    <a:masterClrMapping/>
-  </p:clrMapOvr>
-</p:sld>
-</file>
-
-<file path=ppt/slides/slide51.xml><?xml version="1.0" encoding="utf-8"?>
-<p:sld xmlns:a="http://schemas.openxmlformats.org/drawingml/2006/main" xmlns:r="http://schemas.openxmlformats.org/officeDocument/2006/relationships" xmlns:p="http://schemas.openxmlformats.org/presentationml/2006/main">
-  <p:cSld>
-    <p:spTree>
-      <p:nvGrpSpPr>
         <p:cNvPr id="1" name="Shape 315"/>
         <p:cNvGrpSpPr/>
         <p:nvPr/>
@@ -22176,7 +21976,7 @@
 </p:sld>
 </file>
 
-<file path=ppt/slides/slide52.xml><?xml version="1.0" encoding="utf-8"?>
+<file path=ppt/slides/slide51.xml><?xml version="1.0" encoding="utf-8"?>
 <p:sld xmlns:a="http://schemas.openxmlformats.org/drawingml/2006/main" xmlns:r="http://schemas.openxmlformats.org/officeDocument/2006/relationships" xmlns:p="http://schemas.openxmlformats.org/presentationml/2006/main">
   <p:cSld>
     <p:spTree>
@@ -22317,7 +22117,7 @@
 </p:sld>
 </file>
 
-<file path=ppt/slides/slide53.xml><?xml version="1.0" encoding="utf-8"?>
+<file path=ppt/slides/slide52.xml><?xml version="1.0" encoding="utf-8"?>
 <p:sld xmlns:a="http://schemas.openxmlformats.org/drawingml/2006/main" xmlns:r="http://schemas.openxmlformats.org/officeDocument/2006/relationships" xmlns:p="http://schemas.openxmlformats.org/presentationml/2006/main">
   <p:cSld>
     <p:spTree>
@@ -22412,7 +22212,7 @@
 </p:sld>
 </file>
 
-<file path=ppt/slides/slide54.xml><?xml version="1.0" encoding="utf-8"?>
+<file path=ppt/slides/slide53.xml><?xml version="1.0" encoding="utf-8"?>
 <p:sld xmlns:a="http://schemas.openxmlformats.org/drawingml/2006/main" xmlns:r="http://schemas.openxmlformats.org/officeDocument/2006/relationships" xmlns:p="http://schemas.openxmlformats.org/presentationml/2006/main">
   <p:cSld>
     <p:spTree>
@@ -22507,7 +22307,7 @@
 </p:sld>
 </file>
 
-<file path=ppt/slides/slide55.xml><?xml version="1.0" encoding="utf-8"?>
+<file path=ppt/slides/slide54.xml><?xml version="1.0" encoding="utf-8"?>
 <p:sld xmlns:a="http://schemas.openxmlformats.org/drawingml/2006/main" xmlns:r="http://schemas.openxmlformats.org/officeDocument/2006/relationships" xmlns:p="http://schemas.openxmlformats.org/presentationml/2006/main">
   <p:cSld>
     <p:spTree>
@@ -22607,7 +22407,7 @@
 </p:sld>
 </file>
 
-<file path=ppt/slides/slide56.xml><?xml version="1.0" encoding="utf-8"?>
+<file path=ppt/slides/slide55.xml><?xml version="1.0" encoding="utf-8"?>
 <p:sld xmlns:a="http://schemas.openxmlformats.org/drawingml/2006/main" xmlns:r="http://schemas.openxmlformats.org/officeDocument/2006/relationships" xmlns:p="http://schemas.openxmlformats.org/presentationml/2006/main">
   <p:cSld>
     <p:spTree>
@@ -22828,7 +22628,7 @@
 </p:sld>
 </file>
 
-<file path=ppt/slides/slide57.xml><?xml version="1.0" encoding="utf-8"?>
+<file path=ppt/slides/slide56.xml><?xml version="1.0" encoding="utf-8"?>
 <p:sld xmlns:a="http://schemas.openxmlformats.org/drawingml/2006/main" xmlns:r="http://schemas.openxmlformats.org/officeDocument/2006/relationships" xmlns:p="http://schemas.openxmlformats.org/presentationml/2006/main">
   <p:cSld>
     <p:spTree>
@@ -23025,7 +22825,7 @@
 </p:sld>
 </file>
 
-<file path=ppt/slides/slide58.xml><?xml version="1.0" encoding="utf-8"?>
+<file path=ppt/slides/slide57.xml><?xml version="1.0" encoding="utf-8"?>
 <p:sld xmlns:a="http://schemas.openxmlformats.org/drawingml/2006/main" xmlns:r="http://schemas.openxmlformats.org/officeDocument/2006/relationships" xmlns:p="http://schemas.openxmlformats.org/presentationml/2006/main">
   <p:cSld>
     <p:spTree>
@@ -23214,7 +23014,7 @@
 </p:sld>
 </file>
 
-<file path=ppt/slides/slide59.xml><?xml version="1.0" encoding="utf-8"?>
+<file path=ppt/slides/slide58.xml><?xml version="1.0" encoding="utf-8"?>
 <p:sld xmlns:a="http://schemas.openxmlformats.org/drawingml/2006/main" xmlns:r="http://schemas.openxmlformats.org/officeDocument/2006/relationships" xmlns:p="http://schemas.openxmlformats.org/presentationml/2006/main">
   <p:cSld>
     <p:spTree>
@@ -23429,6 +23229,184 @@
               <a:t>SQL can delete records from a database </a:t>
             </a:r>
             <a:endParaRPr sz="1200"/>
+          </a:p>
+        </p:txBody>
+      </p:sp>
+    </p:spTree>
+  </p:cSld>
+  <p:clrMapOvr>
+    <a:masterClrMapping/>
+  </p:clrMapOvr>
+</p:sld>
+</file>
+
+<file path=ppt/slides/slide59.xml><?xml version="1.0" encoding="utf-8"?>
+<p:sld xmlns:a="http://schemas.openxmlformats.org/drawingml/2006/main" xmlns:r="http://schemas.openxmlformats.org/officeDocument/2006/relationships" xmlns:p="http://schemas.openxmlformats.org/presentationml/2006/main">
+  <p:cSld>
+    <p:spTree>
+      <p:nvGrpSpPr>
+        <p:cNvPr id="1" name="Shape 369"/>
+        <p:cNvGrpSpPr/>
+        <p:nvPr/>
+      </p:nvGrpSpPr>
+      <p:grpSpPr>
+        <a:xfrm>
+          <a:off x="0" y="0"/>
+          <a:ext cx="0" cy="0"/>
+          <a:chOff x="0" y="0"/>
+          <a:chExt cx="0" cy="0"/>
+        </a:xfrm>
+      </p:grpSpPr>
+      <p:sp>
+        <p:nvSpPr>
+          <p:cNvPr id="370" name="Google Shape;370;p65"/>
+          <p:cNvSpPr txBox="1">
+            <a:spLocks noGrp="1"/>
+          </p:cNvSpPr>
+          <p:nvPr>
+            <p:ph type="title"/>
+          </p:nvPr>
+        </p:nvSpPr>
+        <p:spPr>
+          <a:xfrm>
+            <a:off x="311700" y="445025"/>
+            <a:ext cx="8520600" cy="572700"/>
+          </a:xfrm>
+          <a:prstGeom prst="rect">
+            <a:avLst/>
+          </a:prstGeom>
+        </p:spPr>
+        <p:txBody>
+          <a:bodyPr spcFirstLastPara="1" wrap="square" lIns="91425" tIns="91425" rIns="91425" bIns="91425" anchor="t" anchorCtr="0">
+            <a:normAutofit fontScale="90000"/>
+          </a:bodyPr>
+          <a:lstStyle/>
+          <a:p>
+            <a:pPr marL="0" lvl="0" indent="0" algn="l" rtl="0">
+              <a:spcBef>
+                <a:spcPts val="0"/>
+              </a:spcBef>
+              <a:spcAft>
+                <a:spcPts val="0"/>
+              </a:spcAft>
+              <a:buNone/>
+            </a:pPr>
+            <a:r>
+              <a:rPr lang="en-GB"/>
+              <a:t>Using SQL in your project</a:t>
+            </a:r>
+            <a:endParaRPr/>
+          </a:p>
+        </p:txBody>
+      </p:sp>
+      <p:sp>
+        <p:nvSpPr>
+          <p:cNvPr id="371" name="Google Shape;371;p65"/>
+          <p:cNvSpPr txBox="1">
+            <a:spLocks noGrp="1"/>
+          </p:cNvSpPr>
+          <p:nvPr>
+            <p:ph type="body" idx="1"/>
+          </p:nvPr>
+        </p:nvSpPr>
+        <p:spPr>
+          <a:xfrm>
+            <a:off x="311700" y="1152475"/>
+            <a:ext cx="8520600" cy="3416400"/>
+          </a:xfrm>
+          <a:prstGeom prst="rect">
+            <a:avLst/>
+          </a:prstGeom>
+        </p:spPr>
+        <p:txBody>
+          <a:bodyPr spcFirstLastPara="1" wrap="square" lIns="91425" tIns="91425" rIns="91425" bIns="91425" anchor="t" anchorCtr="0">
+            <a:normAutofit/>
+          </a:bodyPr>
+          <a:lstStyle/>
+          <a:p>
+            <a:pPr marL="457200" lvl="0" indent="-317500" algn="l" rtl="0">
+              <a:spcBef>
+                <a:spcPts val="0"/>
+              </a:spcBef>
+              <a:spcAft>
+                <a:spcPts val="0"/>
+              </a:spcAft>
+              <a:buSzPts val="1400"/>
+              <a:buChar char="●"/>
+            </a:pPr>
+            <a:r>
+              <a:rPr lang="en-GB" sz="1400"/>
+              <a:t>To build an application which shows data from a database, we’ll require. </a:t>
+            </a:r>
+            <a:endParaRPr sz="1400"/>
+          </a:p>
+          <a:p>
+            <a:pPr marL="457200" lvl="0" indent="-311150" algn="l" rtl="0">
+              <a:spcBef>
+                <a:spcPts val="0"/>
+              </a:spcBef>
+              <a:spcAft>
+                <a:spcPts val="0"/>
+              </a:spcAft>
+              <a:buSzPts val="1300"/>
+              <a:buChar char="●"/>
+            </a:pPr>
+            <a:r>
+              <a:rPr lang="en-GB" sz="1300"/>
+              <a:t>An RDBMS database program (MS Access, SQL Server &amp; MySQL)</a:t>
+            </a:r>
+            <a:endParaRPr sz="1300"/>
+          </a:p>
+          <a:p>
+            <a:pPr marL="457200" lvl="0" indent="-311150" algn="l" rtl="0">
+              <a:spcBef>
+                <a:spcPts val="0"/>
+              </a:spcBef>
+              <a:spcAft>
+                <a:spcPts val="0"/>
+              </a:spcAft>
+              <a:buSzPts val="1300"/>
+              <a:buChar char="●"/>
+            </a:pPr>
+            <a:r>
+              <a:rPr lang="en-GB" sz="1300"/>
+              <a:t>To use a server-side scripting language like PHP, Java</a:t>
+            </a:r>
+            <a:endParaRPr sz="1300"/>
+          </a:p>
+          <a:p>
+            <a:pPr marL="457200" lvl="0" indent="-311150" algn="l" rtl="0">
+              <a:spcBef>
+                <a:spcPts val="0"/>
+              </a:spcBef>
+              <a:spcAft>
+                <a:spcPts val="0"/>
+              </a:spcAft>
+              <a:buSzPts val="1300"/>
+              <a:buChar char="●"/>
+            </a:pPr>
+            <a:r>
+              <a:rPr lang="en-GB" sz="1300"/>
+              <a:t>To use SQL to get the data looking for</a:t>
+            </a:r>
+            <a:endParaRPr sz="1300"/>
+          </a:p>
+          <a:p>
+            <a:pPr marL="457200" lvl="0" indent="-311150" algn="l" rtl="0">
+              <a:spcBef>
+                <a:spcPts val="0"/>
+              </a:spcBef>
+              <a:spcAft>
+                <a:spcPts val="0"/>
+              </a:spcAft>
+              <a:buSzPts val="1300"/>
+              <a:buChar char="●"/>
+            </a:pPr>
+            <a:r>
+              <a:rPr lang="en-GB" sz="1300"/>
+              <a:t>To use HTML / CSS </a:t>
+            </a:r>
+            <a:endParaRPr sz="1300"/>
           </a:p>
         </p:txBody>
       </p:sp>
@@ -23589,184 +23567,6 @@
   <p:cSld>
     <p:spTree>
       <p:nvGrpSpPr>
-        <p:cNvPr id="1" name="Shape 369"/>
-        <p:cNvGrpSpPr/>
-        <p:nvPr/>
-      </p:nvGrpSpPr>
-      <p:grpSpPr>
-        <a:xfrm>
-          <a:off x="0" y="0"/>
-          <a:ext cx="0" cy="0"/>
-          <a:chOff x="0" y="0"/>
-          <a:chExt cx="0" cy="0"/>
-        </a:xfrm>
-      </p:grpSpPr>
-      <p:sp>
-        <p:nvSpPr>
-          <p:cNvPr id="370" name="Google Shape;370;p65"/>
-          <p:cNvSpPr txBox="1">
-            <a:spLocks noGrp="1"/>
-          </p:cNvSpPr>
-          <p:nvPr>
-            <p:ph type="title"/>
-          </p:nvPr>
-        </p:nvSpPr>
-        <p:spPr>
-          <a:xfrm>
-            <a:off x="311700" y="445025"/>
-            <a:ext cx="8520600" cy="572700"/>
-          </a:xfrm>
-          <a:prstGeom prst="rect">
-            <a:avLst/>
-          </a:prstGeom>
-        </p:spPr>
-        <p:txBody>
-          <a:bodyPr spcFirstLastPara="1" wrap="square" lIns="91425" tIns="91425" rIns="91425" bIns="91425" anchor="t" anchorCtr="0">
-            <a:normAutofit fontScale="90000"/>
-          </a:bodyPr>
-          <a:lstStyle/>
-          <a:p>
-            <a:pPr marL="0" lvl="0" indent="0" algn="l" rtl="0">
-              <a:spcBef>
-                <a:spcPts val="0"/>
-              </a:spcBef>
-              <a:spcAft>
-                <a:spcPts val="0"/>
-              </a:spcAft>
-              <a:buNone/>
-            </a:pPr>
-            <a:r>
-              <a:rPr lang="en-GB"/>
-              <a:t>Using SQL in your project</a:t>
-            </a:r>
-            <a:endParaRPr/>
-          </a:p>
-        </p:txBody>
-      </p:sp>
-      <p:sp>
-        <p:nvSpPr>
-          <p:cNvPr id="371" name="Google Shape;371;p65"/>
-          <p:cNvSpPr txBox="1">
-            <a:spLocks noGrp="1"/>
-          </p:cNvSpPr>
-          <p:nvPr>
-            <p:ph type="body" idx="1"/>
-          </p:nvPr>
-        </p:nvSpPr>
-        <p:spPr>
-          <a:xfrm>
-            <a:off x="311700" y="1152475"/>
-            <a:ext cx="8520600" cy="3416400"/>
-          </a:xfrm>
-          <a:prstGeom prst="rect">
-            <a:avLst/>
-          </a:prstGeom>
-        </p:spPr>
-        <p:txBody>
-          <a:bodyPr spcFirstLastPara="1" wrap="square" lIns="91425" tIns="91425" rIns="91425" bIns="91425" anchor="t" anchorCtr="0">
-            <a:normAutofit/>
-          </a:bodyPr>
-          <a:lstStyle/>
-          <a:p>
-            <a:pPr marL="457200" lvl="0" indent="-317500" algn="l" rtl="0">
-              <a:spcBef>
-                <a:spcPts val="0"/>
-              </a:spcBef>
-              <a:spcAft>
-                <a:spcPts val="0"/>
-              </a:spcAft>
-              <a:buSzPts val="1400"/>
-              <a:buChar char="●"/>
-            </a:pPr>
-            <a:r>
-              <a:rPr lang="en-GB" sz="1400"/>
-              <a:t>To build an application which shows data from a database, we’ll require. </a:t>
-            </a:r>
-            <a:endParaRPr sz="1400"/>
-          </a:p>
-          <a:p>
-            <a:pPr marL="457200" lvl="0" indent="-311150" algn="l" rtl="0">
-              <a:spcBef>
-                <a:spcPts val="0"/>
-              </a:spcBef>
-              <a:spcAft>
-                <a:spcPts val="0"/>
-              </a:spcAft>
-              <a:buSzPts val="1300"/>
-              <a:buChar char="●"/>
-            </a:pPr>
-            <a:r>
-              <a:rPr lang="en-GB" sz="1300"/>
-              <a:t>An RDBMS database program (MS Access, SQL Server &amp; MySQL)</a:t>
-            </a:r>
-            <a:endParaRPr sz="1300"/>
-          </a:p>
-          <a:p>
-            <a:pPr marL="457200" lvl="0" indent="-311150" algn="l" rtl="0">
-              <a:spcBef>
-                <a:spcPts val="0"/>
-              </a:spcBef>
-              <a:spcAft>
-                <a:spcPts val="0"/>
-              </a:spcAft>
-              <a:buSzPts val="1300"/>
-              <a:buChar char="●"/>
-            </a:pPr>
-            <a:r>
-              <a:rPr lang="en-GB" sz="1300"/>
-              <a:t>To use a server-side scripting language like PHP, Java</a:t>
-            </a:r>
-            <a:endParaRPr sz="1300"/>
-          </a:p>
-          <a:p>
-            <a:pPr marL="457200" lvl="0" indent="-311150" algn="l" rtl="0">
-              <a:spcBef>
-                <a:spcPts val="0"/>
-              </a:spcBef>
-              <a:spcAft>
-                <a:spcPts val="0"/>
-              </a:spcAft>
-              <a:buSzPts val="1300"/>
-              <a:buChar char="●"/>
-            </a:pPr>
-            <a:r>
-              <a:rPr lang="en-GB" sz="1300"/>
-              <a:t>To use SQL to get the data looking for</a:t>
-            </a:r>
-            <a:endParaRPr sz="1300"/>
-          </a:p>
-          <a:p>
-            <a:pPr marL="457200" lvl="0" indent="-311150" algn="l" rtl="0">
-              <a:spcBef>
-                <a:spcPts val="0"/>
-              </a:spcBef>
-              <a:spcAft>
-                <a:spcPts val="0"/>
-              </a:spcAft>
-              <a:buSzPts val="1300"/>
-              <a:buChar char="●"/>
-            </a:pPr>
-            <a:r>
-              <a:rPr lang="en-GB" sz="1300"/>
-              <a:t>To use HTML / CSS </a:t>
-            </a:r>
-            <a:endParaRPr sz="1300"/>
-          </a:p>
-        </p:txBody>
-      </p:sp>
-    </p:spTree>
-  </p:cSld>
-  <p:clrMapOvr>
-    <a:masterClrMapping/>
-  </p:clrMapOvr>
-</p:sld>
-</file>
-
-<file path=ppt/slides/slide61.xml><?xml version="1.0" encoding="utf-8"?>
-<p:sld xmlns:a="http://schemas.openxmlformats.org/drawingml/2006/main" xmlns:r="http://schemas.openxmlformats.org/officeDocument/2006/relationships" xmlns:p="http://schemas.openxmlformats.org/presentationml/2006/main">
-  <p:cSld>
-    <p:spTree>
-      <p:nvGrpSpPr>
         <p:cNvPr id="1" name="Shape 375"/>
         <p:cNvGrpSpPr/>
         <p:nvPr/>
@@ -23930,7 +23730,7 @@
 </p:sld>
 </file>
 
-<file path=ppt/slides/slide62.xml><?xml version="1.0" encoding="utf-8"?>
+<file path=ppt/slides/slide61.xml><?xml version="1.0" encoding="utf-8"?>
 <p:sld xmlns:a="http://schemas.openxmlformats.org/drawingml/2006/main" xmlns:r="http://schemas.openxmlformats.org/officeDocument/2006/relationships" xmlns:p="http://schemas.openxmlformats.org/presentationml/2006/main">
   <p:cSld>
     <p:spTree>
@@ -24108,7 +23908,7 @@
 </p:sld>
 </file>
 
-<file path=ppt/slides/slide63.xml><?xml version="1.0" encoding="utf-8"?>
+<file path=ppt/slides/slide62.xml><?xml version="1.0" encoding="utf-8"?>
 <p:sld xmlns:a="http://schemas.openxmlformats.org/drawingml/2006/main" xmlns:r="http://schemas.openxmlformats.org/officeDocument/2006/relationships" xmlns:p="http://schemas.openxmlformats.org/presentationml/2006/main">
   <p:cSld>
     <p:spTree>
@@ -24252,7 +24052,7 @@
 </p:sld>
 </file>
 
-<file path=ppt/slides/slide64.xml><?xml version="1.0" encoding="utf-8"?>
+<file path=ppt/slides/slide63.xml><?xml version="1.0" encoding="utf-8"?>
 <p:sld xmlns:a="http://schemas.openxmlformats.org/drawingml/2006/main" xmlns:r="http://schemas.openxmlformats.org/officeDocument/2006/relationships" xmlns:p="http://schemas.openxmlformats.org/presentationml/2006/main">
   <p:cSld>
     <p:spTree>
@@ -24412,7 +24212,7 @@
 </p:sld>
 </file>
 
-<file path=ppt/slides/slide65.xml><?xml version="1.0" encoding="utf-8"?>
+<file path=ppt/slides/slide64.xml><?xml version="1.0" encoding="utf-8"?>
 <p:sld xmlns:a="http://schemas.openxmlformats.org/drawingml/2006/main" xmlns:r="http://schemas.openxmlformats.org/officeDocument/2006/relationships" xmlns:p="http://schemas.openxmlformats.org/presentationml/2006/main">
   <p:cSld>
     <p:spTree>
@@ -24590,7 +24390,7 @@
 </p:sld>
 </file>
 
-<file path=ppt/slides/slide66.xml><?xml version="1.0" encoding="utf-8"?>
+<file path=ppt/slides/slide65.xml><?xml version="1.0" encoding="utf-8"?>
 <p:sld xmlns:a="http://schemas.openxmlformats.org/drawingml/2006/main" xmlns:r="http://schemas.openxmlformats.org/officeDocument/2006/relationships" xmlns:p="http://schemas.openxmlformats.org/presentationml/2006/main">
   <p:cSld>
     <p:spTree>
@@ -24889,7 +24689,7 @@
 </p:sld>
 </file>
 
-<file path=ppt/slides/slide67.xml><?xml version="1.0" encoding="utf-8"?>
+<file path=ppt/slides/slide66.xml><?xml version="1.0" encoding="utf-8"?>
 <p:sld xmlns:a="http://schemas.openxmlformats.org/drawingml/2006/main" xmlns:r="http://schemas.openxmlformats.org/officeDocument/2006/relationships" xmlns:p="http://schemas.openxmlformats.org/presentationml/2006/main">
   <p:cSld>
     <p:spTree>
@@ -25217,7 +25017,7 @@
 </p:sld>
 </file>
 
-<file path=ppt/slides/slide68.xml><?xml version="1.0" encoding="utf-8"?>
+<file path=ppt/slides/slide67.xml><?xml version="1.0" encoding="utf-8"?>
 <p:sld xmlns:a="http://schemas.openxmlformats.org/drawingml/2006/main" xmlns:r="http://schemas.openxmlformats.org/officeDocument/2006/relationships" xmlns:p="http://schemas.openxmlformats.org/presentationml/2006/main">
   <p:cSld>
     <p:spTree>
@@ -25583,7 +25383,7 @@
 </p:sld>
 </file>
 
-<file path=ppt/slides/slide69.xml><?xml version="1.0" encoding="utf-8"?>
+<file path=ppt/slides/slide68.xml><?xml version="1.0" encoding="utf-8"?>
 <p:sld xmlns:a="http://schemas.openxmlformats.org/drawingml/2006/main" xmlns:r="http://schemas.openxmlformats.org/officeDocument/2006/relationships" xmlns:p="http://schemas.openxmlformats.org/presentationml/2006/main">
   <p:cSld>
     <p:spTree>
@@ -25912,6 +25712,232 @@
               <a:buNone/>
             </a:pPr>
             <a:endParaRPr sz="650"/>
+          </a:p>
+        </p:txBody>
+      </p:sp>
+    </p:spTree>
+  </p:cSld>
+  <p:clrMapOvr>
+    <a:masterClrMapping/>
+  </p:clrMapOvr>
+</p:sld>
+</file>
+
+<file path=ppt/slides/slide69.xml><?xml version="1.0" encoding="utf-8"?>
+<p:sld xmlns:a="http://schemas.openxmlformats.org/drawingml/2006/main" xmlns:r="http://schemas.openxmlformats.org/officeDocument/2006/relationships" xmlns:p="http://schemas.openxmlformats.org/presentationml/2006/main">
+  <p:cSld>
+    <p:spTree>
+      <p:nvGrpSpPr>
+        <p:cNvPr id="1" name="Shape 429"/>
+        <p:cNvGrpSpPr/>
+        <p:nvPr/>
+      </p:nvGrpSpPr>
+      <p:grpSpPr>
+        <a:xfrm>
+          <a:off x="0" y="0"/>
+          <a:ext cx="0" cy="0"/>
+          <a:chOff x="0" y="0"/>
+          <a:chExt cx="0" cy="0"/>
+        </a:xfrm>
+      </p:grpSpPr>
+      <p:sp>
+        <p:nvSpPr>
+          <p:cNvPr id="430" name="Google Shape;430;p75"/>
+          <p:cNvSpPr txBox="1">
+            <a:spLocks noGrp="1"/>
+          </p:cNvSpPr>
+          <p:nvPr>
+            <p:ph type="title"/>
+          </p:nvPr>
+        </p:nvSpPr>
+        <p:spPr>
+          <a:xfrm>
+            <a:off x="311700" y="445025"/>
+            <a:ext cx="8520600" cy="572700"/>
+          </a:xfrm>
+          <a:prstGeom prst="rect">
+            <a:avLst/>
+          </a:prstGeom>
+        </p:spPr>
+        <p:txBody>
+          <a:bodyPr spcFirstLastPara="1" wrap="square" lIns="91425" tIns="91425" rIns="91425" bIns="91425" anchor="t" anchorCtr="0">
+            <a:normAutofit fontScale="90000"/>
+          </a:bodyPr>
+          <a:lstStyle/>
+          <a:p>
+            <a:pPr marL="0" lvl="0" indent="0" algn="l" rtl="0">
+              <a:spcBef>
+                <a:spcPts val="0"/>
+              </a:spcBef>
+              <a:spcAft>
+                <a:spcPts val="0"/>
+              </a:spcAft>
+              <a:buNone/>
+            </a:pPr>
+            <a:r>
+              <a:rPr lang="en-GB"/>
+              <a:t>SQL Transactions</a:t>
+            </a:r>
+            <a:endParaRPr/>
+          </a:p>
+        </p:txBody>
+      </p:sp>
+      <p:sp>
+        <p:nvSpPr>
+          <p:cNvPr id="431" name="Google Shape;431;p75"/>
+          <p:cNvSpPr txBox="1">
+            <a:spLocks noGrp="1"/>
+          </p:cNvSpPr>
+          <p:nvPr>
+            <p:ph type="body" idx="1"/>
+          </p:nvPr>
+        </p:nvSpPr>
+        <p:spPr>
+          <a:xfrm>
+            <a:off x="311700" y="1152475"/>
+            <a:ext cx="8520600" cy="3416400"/>
+          </a:xfrm>
+          <a:prstGeom prst="rect">
+            <a:avLst/>
+          </a:prstGeom>
+        </p:spPr>
+        <p:txBody>
+          <a:bodyPr spcFirstLastPara="1" wrap="square" lIns="91425" tIns="91425" rIns="91425" bIns="91425" anchor="t" anchorCtr="0">
+            <a:normAutofit/>
+          </a:bodyPr>
+          <a:lstStyle/>
+          <a:p>
+            <a:pPr marL="0" lvl="0" indent="0" algn="l" rtl="0">
+              <a:spcBef>
+                <a:spcPts val="1200"/>
+              </a:spcBef>
+              <a:spcAft>
+                <a:spcPts val="0"/>
+              </a:spcAft>
+              <a:buClr>
+                <a:schemeClr val="dk1"/>
+              </a:buClr>
+              <a:buSzPts val="275"/>
+              <a:buFont typeface="Arial"/>
+              <a:buNone/>
+            </a:pPr>
+            <a:r>
+              <a:rPr lang="en-GB" sz="1242" b="1">
+                <a:solidFill>
+                  <a:srgbClr val="171717"/>
+                </a:solidFill>
+                <a:highlight>
+                  <a:srgbClr val="FFFFFF"/>
+                </a:highlight>
+              </a:rPr>
+              <a:t>Implicit transactions</a:t>
+            </a:r>
+            <a:endParaRPr sz="1242" b="1">
+              <a:solidFill>
+                <a:srgbClr val="171717"/>
+              </a:solidFill>
+              <a:highlight>
+                <a:srgbClr val="FFFFFF"/>
+              </a:highlight>
+            </a:endParaRPr>
+          </a:p>
+          <a:p>
+            <a:pPr marL="0" lvl="0" indent="0" algn="l" rtl="0">
+              <a:spcBef>
+                <a:spcPts val="1200"/>
+              </a:spcBef>
+              <a:spcAft>
+                <a:spcPts val="0"/>
+              </a:spcAft>
+              <a:buClr>
+                <a:schemeClr val="dk1"/>
+              </a:buClr>
+              <a:buSzPts val="275"/>
+              <a:buFont typeface="Arial"/>
+              <a:buNone/>
+            </a:pPr>
+            <a:r>
+              <a:rPr lang="en-GB" sz="1242">
+                <a:solidFill>
+                  <a:srgbClr val="171717"/>
+                </a:solidFill>
+                <a:highlight>
+                  <a:srgbClr val="FFFFFF"/>
+                </a:highlight>
+              </a:rPr>
+              <a:t>A new transaction is implicitly started when the prior transaction completes, but each transaction is explicitly completed with a COMMIT or ROLLBACK statement.</a:t>
+            </a:r>
+            <a:endParaRPr sz="1242">
+              <a:solidFill>
+                <a:srgbClr val="171717"/>
+              </a:solidFill>
+              <a:highlight>
+                <a:srgbClr val="FFFFFF"/>
+              </a:highlight>
+            </a:endParaRPr>
+          </a:p>
+          <a:p>
+            <a:pPr marL="0" lvl="0" indent="0" algn="l" rtl="0">
+              <a:spcBef>
+                <a:spcPts val="1200"/>
+              </a:spcBef>
+              <a:spcAft>
+                <a:spcPts val="0"/>
+              </a:spcAft>
+              <a:buClr>
+                <a:schemeClr val="dk1"/>
+              </a:buClr>
+              <a:buSzPts val="275"/>
+              <a:buFont typeface="Arial"/>
+              <a:buNone/>
+            </a:pPr>
+            <a:r>
+              <a:rPr lang="en-GB" sz="1242" b="1">
+                <a:solidFill>
+                  <a:srgbClr val="171717"/>
+                </a:solidFill>
+                <a:highlight>
+                  <a:srgbClr val="FFFFFF"/>
+                </a:highlight>
+              </a:rPr>
+              <a:t>Batch-scoped transactions</a:t>
+            </a:r>
+            <a:endParaRPr sz="1242" b="1">
+              <a:solidFill>
+                <a:srgbClr val="171717"/>
+              </a:solidFill>
+              <a:highlight>
+                <a:srgbClr val="FFFFFF"/>
+              </a:highlight>
+            </a:endParaRPr>
+          </a:p>
+          <a:p>
+            <a:pPr marL="0" lvl="0" indent="0" algn="l" rtl="0">
+              <a:spcBef>
+                <a:spcPts val="1200"/>
+              </a:spcBef>
+              <a:spcAft>
+                <a:spcPts val="0"/>
+              </a:spcAft>
+              <a:buClr>
+                <a:schemeClr val="dk1"/>
+              </a:buClr>
+              <a:buSzPts val="275"/>
+              <a:buFont typeface="Arial"/>
+              <a:buNone/>
+            </a:pPr>
+            <a:r>
+              <a:rPr lang="en-GB" sz="1242">
+                <a:solidFill>
+                  <a:srgbClr val="171717"/>
+                </a:solidFill>
+                <a:highlight>
+                  <a:srgbClr val="FFFFFF"/>
+                </a:highlight>
+              </a:rPr>
+              <a:t>Applicable only to multiple active result sets (MARS), a Transact-SQL explicit or implicit transaction that starts under a MARS session becomes a batch-scoped transaction. A batch-scoped transaction that is not committed or rolled back when a batch completes is automatically rolled back by SQL Server.</a:t>
+            </a:r>
+            <a:endParaRPr sz="2000"/>
           </a:p>
         </p:txBody>
       </p:sp>
@@ -26113,232 +26139,6 @@
   <p:cSld>
     <p:spTree>
       <p:nvGrpSpPr>
-        <p:cNvPr id="1" name="Shape 429"/>
-        <p:cNvGrpSpPr/>
-        <p:nvPr/>
-      </p:nvGrpSpPr>
-      <p:grpSpPr>
-        <a:xfrm>
-          <a:off x="0" y="0"/>
-          <a:ext cx="0" cy="0"/>
-          <a:chOff x="0" y="0"/>
-          <a:chExt cx="0" cy="0"/>
-        </a:xfrm>
-      </p:grpSpPr>
-      <p:sp>
-        <p:nvSpPr>
-          <p:cNvPr id="430" name="Google Shape;430;p75"/>
-          <p:cNvSpPr txBox="1">
-            <a:spLocks noGrp="1"/>
-          </p:cNvSpPr>
-          <p:nvPr>
-            <p:ph type="title"/>
-          </p:nvPr>
-        </p:nvSpPr>
-        <p:spPr>
-          <a:xfrm>
-            <a:off x="311700" y="445025"/>
-            <a:ext cx="8520600" cy="572700"/>
-          </a:xfrm>
-          <a:prstGeom prst="rect">
-            <a:avLst/>
-          </a:prstGeom>
-        </p:spPr>
-        <p:txBody>
-          <a:bodyPr spcFirstLastPara="1" wrap="square" lIns="91425" tIns="91425" rIns="91425" bIns="91425" anchor="t" anchorCtr="0">
-            <a:normAutofit fontScale="90000"/>
-          </a:bodyPr>
-          <a:lstStyle/>
-          <a:p>
-            <a:pPr marL="0" lvl="0" indent="0" algn="l" rtl="0">
-              <a:spcBef>
-                <a:spcPts val="0"/>
-              </a:spcBef>
-              <a:spcAft>
-                <a:spcPts val="0"/>
-              </a:spcAft>
-              <a:buNone/>
-            </a:pPr>
-            <a:r>
-              <a:rPr lang="en-GB"/>
-              <a:t>SQL Transactions</a:t>
-            </a:r>
-            <a:endParaRPr/>
-          </a:p>
-        </p:txBody>
-      </p:sp>
-      <p:sp>
-        <p:nvSpPr>
-          <p:cNvPr id="431" name="Google Shape;431;p75"/>
-          <p:cNvSpPr txBox="1">
-            <a:spLocks noGrp="1"/>
-          </p:cNvSpPr>
-          <p:nvPr>
-            <p:ph type="body" idx="1"/>
-          </p:nvPr>
-        </p:nvSpPr>
-        <p:spPr>
-          <a:xfrm>
-            <a:off x="311700" y="1152475"/>
-            <a:ext cx="8520600" cy="3416400"/>
-          </a:xfrm>
-          <a:prstGeom prst="rect">
-            <a:avLst/>
-          </a:prstGeom>
-        </p:spPr>
-        <p:txBody>
-          <a:bodyPr spcFirstLastPara="1" wrap="square" lIns="91425" tIns="91425" rIns="91425" bIns="91425" anchor="t" anchorCtr="0">
-            <a:normAutofit/>
-          </a:bodyPr>
-          <a:lstStyle/>
-          <a:p>
-            <a:pPr marL="0" lvl="0" indent="0" algn="l" rtl="0">
-              <a:spcBef>
-                <a:spcPts val="1200"/>
-              </a:spcBef>
-              <a:spcAft>
-                <a:spcPts val="0"/>
-              </a:spcAft>
-              <a:buClr>
-                <a:schemeClr val="dk1"/>
-              </a:buClr>
-              <a:buSzPts val="275"/>
-              <a:buFont typeface="Arial"/>
-              <a:buNone/>
-            </a:pPr>
-            <a:r>
-              <a:rPr lang="en-GB" sz="1242" b="1">
-                <a:solidFill>
-                  <a:srgbClr val="171717"/>
-                </a:solidFill>
-                <a:highlight>
-                  <a:srgbClr val="FFFFFF"/>
-                </a:highlight>
-              </a:rPr>
-              <a:t>Implicit transactions</a:t>
-            </a:r>
-            <a:endParaRPr sz="1242" b="1">
-              <a:solidFill>
-                <a:srgbClr val="171717"/>
-              </a:solidFill>
-              <a:highlight>
-                <a:srgbClr val="FFFFFF"/>
-              </a:highlight>
-            </a:endParaRPr>
-          </a:p>
-          <a:p>
-            <a:pPr marL="0" lvl="0" indent="0" algn="l" rtl="0">
-              <a:spcBef>
-                <a:spcPts val="1200"/>
-              </a:spcBef>
-              <a:spcAft>
-                <a:spcPts val="0"/>
-              </a:spcAft>
-              <a:buClr>
-                <a:schemeClr val="dk1"/>
-              </a:buClr>
-              <a:buSzPts val="275"/>
-              <a:buFont typeface="Arial"/>
-              <a:buNone/>
-            </a:pPr>
-            <a:r>
-              <a:rPr lang="en-GB" sz="1242">
-                <a:solidFill>
-                  <a:srgbClr val="171717"/>
-                </a:solidFill>
-                <a:highlight>
-                  <a:srgbClr val="FFFFFF"/>
-                </a:highlight>
-              </a:rPr>
-              <a:t>A new transaction is implicitly started when the prior transaction completes, but each transaction is explicitly completed with a COMMIT or ROLLBACK statement.</a:t>
-            </a:r>
-            <a:endParaRPr sz="1242">
-              <a:solidFill>
-                <a:srgbClr val="171717"/>
-              </a:solidFill>
-              <a:highlight>
-                <a:srgbClr val="FFFFFF"/>
-              </a:highlight>
-            </a:endParaRPr>
-          </a:p>
-          <a:p>
-            <a:pPr marL="0" lvl="0" indent="0" algn="l" rtl="0">
-              <a:spcBef>
-                <a:spcPts val="1200"/>
-              </a:spcBef>
-              <a:spcAft>
-                <a:spcPts val="0"/>
-              </a:spcAft>
-              <a:buClr>
-                <a:schemeClr val="dk1"/>
-              </a:buClr>
-              <a:buSzPts val="275"/>
-              <a:buFont typeface="Arial"/>
-              <a:buNone/>
-            </a:pPr>
-            <a:r>
-              <a:rPr lang="en-GB" sz="1242" b="1">
-                <a:solidFill>
-                  <a:srgbClr val="171717"/>
-                </a:solidFill>
-                <a:highlight>
-                  <a:srgbClr val="FFFFFF"/>
-                </a:highlight>
-              </a:rPr>
-              <a:t>Batch-scoped transactions</a:t>
-            </a:r>
-            <a:endParaRPr sz="1242" b="1">
-              <a:solidFill>
-                <a:srgbClr val="171717"/>
-              </a:solidFill>
-              <a:highlight>
-                <a:srgbClr val="FFFFFF"/>
-              </a:highlight>
-            </a:endParaRPr>
-          </a:p>
-          <a:p>
-            <a:pPr marL="0" lvl="0" indent="0" algn="l" rtl="0">
-              <a:spcBef>
-                <a:spcPts val="1200"/>
-              </a:spcBef>
-              <a:spcAft>
-                <a:spcPts val="0"/>
-              </a:spcAft>
-              <a:buClr>
-                <a:schemeClr val="dk1"/>
-              </a:buClr>
-              <a:buSzPts val="275"/>
-              <a:buFont typeface="Arial"/>
-              <a:buNone/>
-            </a:pPr>
-            <a:r>
-              <a:rPr lang="en-GB" sz="1242">
-                <a:solidFill>
-                  <a:srgbClr val="171717"/>
-                </a:solidFill>
-                <a:highlight>
-                  <a:srgbClr val="FFFFFF"/>
-                </a:highlight>
-              </a:rPr>
-              <a:t>Applicable only to multiple active result sets (MARS), a Transact-SQL explicit or implicit transaction that starts under a MARS session becomes a batch-scoped transaction. A batch-scoped transaction that is not committed or rolled back when a batch completes is automatically rolled back by SQL Server.</a:t>
-            </a:r>
-            <a:endParaRPr sz="2000"/>
-          </a:p>
-        </p:txBody>
-      </p:sp>
-    </p:spTree>
-  </p:cSld>
-  <p:clrMapOvr>
-    <a:masterClrMapping/>
-  </p:clrMapOvr>
-</p:sld>
-</file>
-
-<file path=ppt/slides/slide71.xml><?xml version="1.0" encoding="utf-8"?>
-<p:sld xmlns:a="http://schemas.openxmlformats.org/drawingml/2006/main" xmlns:r="http://schemas.openxmlformats.org/officeDocument/2006/relationships" xmlns:p="http://schemas.openxmlformats.org/presentationml/2006/main">
-  <p:cSld>
-    <p:spTree>
-      <p:nvGrpSpPr>
         <p:cNvPr id="1" name="Shape 435"/>
         <p:cNvGrpSpPr/>
         <p:nvPr/>
@@ -26605,7 +26405,7 @@
 </p:sld>
 </file>
 
-<file path=ppt/slides/slide72.xml><?xml version="1.0" encoding="utf-8"?>
+<file path=ppt/slides/slide71.xml><?xml version="1.0" encoding="utf-8"?>
 <p:sld xmlns:a="http://schemas.openxmlformats.org/drawingml/2006/main" xmlns:r="http://schemas.openxmlformats.org/officeDocument/2006/relationships" xmlns:p="http://schemas.openxmlformats.org/presentationml/2006/main">
   <p:cSld>
     <p:spTree>
@@ -26969,7 +26769,7 @@
 </p:sld>
 </file>
 
-<file path=ppt/slides/slide73.xml><?xml version="1.0" encoding="utf-8"?>
+<file path=ppt/slides/slide72.xml><?xml version="1.0" encoding="utf-8"?>
 <p:sld xmlns:a="http://schemas.openxmlformats.org/drawingml/2006/main" xmlns:r="http://schemas.openxmlformats.org/officeDocument/2006/relationships" xmlns:p="http://schemas.openxmlformats.org/presentationml/2006/main">
   <p:cSld>
     <p:spTree>
@@ -27260,7 +27060,7 @@
 </p:sld>
 </file>
 
-<file path=ppt/slides/slide74.xml><?xml version="1.0" encoding="utf-8"?>
+<file path=ppt/slides/slide73.xml><?xml version="1.0" encoding="utf-8"?>
 <p:sld xmlns:a="http://schemas.openxmlformats.org/drawingml/2006/main" xmlns:r="http://schemas.openxmlformats.org/officeDocument/2006/relationships" xmlns:p="http://schemas.openxmlformats.org/presentationml/2006/main">
   <p:cSld>
     <p:spTree>
@@ -27355,7 +27155,7 @@
 </p:sld>
 </file>
 
-<file path=ppt/slides/slide75.xml><?xml version="1.0" encoding="utf-8"?>
+<file path=ppt/slides/slide74.xml><?xml version="1.0" encoding="utf-8"?>
 <p:sld xmlns:a="http://schemas.openxmlformats.org/drawingml/2006/main" xmlns:r="http://schemas.openxmlformats.org/officeDocument/2006/relationships" xmlns:p="http://schemas.openxmlformats.org/presentationml/2006/main">
   <p:cSld>
     <p:spTree>
@@ -27450,7 +27250,7 @@
 </p:sld>
 </file>
 
-<file path=ppt/slides/slide76.xml><?xml version="1.0" encoding="utf-8"?>
+<file path=ppt/slides/slide75.xml><?xml version="1.0" encoding="utf-8"?>
 <p:sld xmlns:a="http://schemas.openxmlformats.org/drawingml/2006/main" xmlns:r="http://schemas.openxmlformats.org/officeDocument/2006/relationships" xmlns:p="http://schemas.openxmlformats.org/presentationml/2006/main">
   <p:cSld>
     <p:spTree>
@@ -27545,7 +27345,7 @@
 </p:sld>
 </file>
 
-<file path=ppt/slides/slide77.xml><?xml version="1.0" encoding="utf-8"?>
+<file path=ppt/slides/slide76.xml><?xml version="1.0" encoding="utf-8"?>
 <p:sld xmlns:a="http://schemas.openxmlformats.org/drawingml/2006/main" xmlns:r="http://schemas.openxmlformats.org/officeDocument/2006/relationships" xmlns:p="http://schemas.openxmlformats.org/presentationml/2006/main">
   <p:cSld>
     <p:spTree>
@@ -27640,7 +27440,7 @@
 </p:sld>
 </file>
 
-<file path=ppt/slides/slide78.xml><?xml version="1.0" encoding="utf-8"?>
+<file path=ppt/slides/slide77.xml><?xml version="1.0" encoding="utf-8"?>
 <p:sld xmlns:a="http://schemas.openxmlformats.org/drawingml/2006/main" xmlns:r="http://schemas.openxmlformats.org/officeDocument/2006/relationships" xmlns:p="http://schemas.openxmlformats.org/presentationml/2006/main">
   <p:cSld>
     <p:spTree>
@@ -27735,7 +27535,7 @@
 </p:sld>
 </file>
 
-<file path=ppt/slides/slide79.xml><?xml version="1.0" encoding="utf-8"?>
+<file path=ppt/slides/slide78.xml><?xml version="1.0" encoding="utf-8"?>
 <p:sld xmlns:a="http://schemas.openxmlformats.org/drawingml/2006/main" xmlns:r="http://schemas.openxmlformats.org/officeDocument/2006/relationships" xmlns:p="http://schemas.openxmlformats.org/presentationml/2006/main">
   <p:cSld>
     <p:spTree>
@@ -27866,6 +27666,101 @@
           </a:p>
         </p:txBody>
       </p:sp>
+    </p:spTree>
+  </p:cSld>
+  <p:clrMapOvr>
+    <a:masterClrMapping/>
+  </p:clrMapOvr>
+</p:sld>
+</file>
+
+<file path=ppt/slides/slide79.xml><?xml version="1.0" encoding="utf-8"?>
+<p:sld xmlns:a="http://schemas.openxmlformats.org/drawingml/2006/main" xmlns:r="http://schemas.openxmlformats.org/officeDocument/2006/relationships" xmlns:p="http://schemas.openxmlformats.org/presentationml/2006/main">
+  <p:cSld>
+    <p:spTree>
+      <p:nvGrpSpPr>
+        <p:cNvPr id="1" name="Shape 490"/>
+        <p:cNvGrpSpPr/>
+        <p:nvPr/>
+      </p:nvGrpSpPr>
+      <p:grpSpPr>
+        <a:xfrm>
+          <a:off x="0" y="0"/>
+          <a:ext cx="0" cy="0"/>
+          <a:chOff x="0" y="0"/>
+          <a:chExt cx="0" cy="0"/>
+        </a:xfrm>
+      </p:grpSpPr>
+      <p:sp>
+        <p:nvSpPr>
+          <p:cNvPr id="491" name="Google Shape;491;p85"/>
+          <p:cNvSpPr txBox="1">
+            <a:spLocks noGrp="1"/>
+          </p:cNvSpPr>
+          <p:nvPr>
+            <p:ph type="title"/>
+          </p:nvPr>
+        </p:nvSpPr>
+        <p:spPr>
+          <a:xfrm>
+            <a:off x="311700" y="445025"/>
+            <a:ext cx="8520600" cy="572700"/>
+          </a:xfrm>
+          <a:prstGeom prst="rect">
+            <a:avLst/>
+          </a:prstGeom>
+        </p:spPr>
+        <p:txBody>
+          <a:bodyPr spcFirstLastPara="1" wrap="square" lIns="91425" tIns="91425" rIns="91425" bIns="91425" anchor="t" anchorCtr="0">
+            <a:normAutofit fontScale="90000"/>
+          </a:bodyPr>
+          <a:lstStyle/>
+          <a:p>
+            <a:pPr marL="0" lvl="0" indent="0" algn="l" rtl="0">
+              <a:spcBef>
+                <a:spcPts val="0"/>
+              </a:spcBef>
+              <a:spcAft>
+                <a:spcPts val="0"/>
+              </a:spcAft>
+              <a:buNone/>
+            </a:pPr>
+            <a:r>
+              <a:rPr lang="en-GB"/>
+              <a:t>ORDER BY Keyword </a:t>
+            </a:r>
+            <a:endParaRPr/>
+          </a:p>
+        </p:txBody>
+      </p:sp>
+      <p:pic>
+        <p:nvPicPr>
+          <p:cNvPr id="492" name="Google Shape;492;p85"/>
+          <p:cNvPicPr preferRelativeResize="0"/>
+          <p:nvPr/>
+        </p:nvPicPr>
+        <p:blipFill>
+          <a:blip r:embed="rId3">
+            <a:alphaModFix/>
+          </a:blip>
+          <a:stretch>
+            <a:fillRect/>
+          </a:stretch>
+        </p:blipFill>
+        <p:spPr>
+          <a:xfrm>
+            <a:off x="444325" y="1143000"/>
+            <a:ext cx="6502300" cy="3652975"/>
+          </a:xfrm>
+          <a:prstGeom prst="rect">
+            <a:avLst/>
+          </a:prstGeom>
+          <a:noFill/>
+          <a:ln>
+            <a:noFill/>
+          </a:ln>
+        </p:spPr>
+      </p:pic>
     </p:spTree>
   </p:cSld>
   <p:clrMapOvr>
@@ -28068,101 +27963,6 @@
   <p:cSld>
     <p:spTree>
       <p:nvGrpSpPr>
-        <p:cNvPr id="1" name="Shape 490"/>
-        <p:cNvGrpSpPr/>
-        <p:nvPr/>
-      </p:nvGrpSpPr>
-      <p:grpSpPr>
-        <a:xfrm>
-          <a:off x="0" y="0"/>
-          <a:ext cx="0" cy="0"/>
-          <a:chOff x="0" y="0"/>
-          <a:chExt cx="0" cy="0"/>
-        </a:xfrm>
-      </p:grpSpPr>
-      <p:sp>
-        <p:nvSpPr>
-          <p:cNvPr id="491" name="Google Shape;491;p85"/>
-          <p:cNvSpPr txBox="1">
-            <a:spLocks noGrp="1"/>
-          </p:cNvSpPr>
-          <p:nvPr>
-            <p:ph type="title"/>
-          </p:nvPr>
-        </p:nvSpPr>
-        <p:spPr>
-          <a:xfrm>
-            <a:off x="311700" y="445025"/>
-            <a:ext cx="8520600" cy="572700"/>
-          </a:xfrm>
-          <a:prstGeom prst="rect">
-            <a:avLst/>
-          </a:prstGeom>
-        </p:spPr>
-        <p:txBody>
-          <a:bodyPr spcFirstLastPara="1" wrap="square" lIns="91425" tIns="91425" rIns="91425" bIns="91425" anchor="t" anchorCtr="0">
-            <a:normAutofit fontScale="90000"/>
-          </a:bodyPr>
-          <a:lstStyle/>
-          <a:p>
-            <a:pPr marL="0" lvl="0" indent="0" algn="l" rtl="0">
-              <a:spcBef>
-                <a:spcPts val="0"/>
-              </a:spcBef>
-              <a:spcAft>
-                <a:spcPts val="0"/>
-              </a:spcAft>
-              <a:buNone/>
-            </a:pPr>
-            <a:r>
-              <a:rPr lang="en-GB"/>
-              <a:t>ORDER BY Keyword </a:t>
-            </a:r>
-            <a:endParaRPr/>
-          </a:p>
-        </p:txBody>
-      </p:sp>
-      <p:pic>
-        <p:nvPicPr>
-          <p:cNvPr id="492" name="Google Shape;492;p85"/>
-          <p:cNvPicPr preferRelativeResize="0"/>
-          <p:nvPr/>
-        </p:nvPicPr>
-        <p:blipFill>
-          <a:blip r:embed="rId3">
-            <a:alphaModFix/>
-          </a:blip>
-          <a:stretch>
-            <a:fillRect/>
-          </a:stretch>
-        </p:blipFill>
-        <p:spPr>
-          <a:xfrm>
-            <a:off x="444325" y="1143000"/>
-            <a:ext cx="6502300" cy="3652975"/>
-          </a:xfrm>
-          <a:prstGeom prst="rect">
-            <a:avLst/>
-          </a:prstGeom>
-          <a:noFill/>
-          <a:ln>
-            <a:noFill/>
-          </a:ln>
-        </p:spPr>
-      </p:pic>
-    </p:spTree>
-  </p:cSld>
-  <p:clrMapOvr>
-    <a:masterClrMapping/>
-  </p:clrMapOvr>
-</p:sld>
-</file>
-
-<file path=ppt/slides/slide81.xml><?xml version="1.0" encoding="utf-8"?>
-<p:sld xmlns:a="http://schemas.openxmlformats.org/drawingml/2006/main" xmlns:r="http://schemas.openxmlformats.org/officeDocument/2006/relationships" xmlns:p="http://schemas.openxmlformats.org/presentationml/2006/main">
-  <p:cSld>
-    <p:spTree>
-      <p:nvGrpSpPr>
         <p:cNvPr id="1" name="Shape 496"/>
         <p:cNvGrpSpPr/>
         <p:nvPr/>
@@ -28253,7 +28053,7 @@
 </p:sld>
 </file>
 
-<file path=ppt/slides/slide82.xml><?xml version="1.0" encoding="utf-8"?>
+<file path=ppt/slides/slide81.xml><?xml version="1.0" encoding="utf-8"?>
 <p:sld xmlns:a="http://schemas.openxmlformats.org/drawingml/2006/main" xmlns:r="http://schemas.openxmlformats.org/officeDocument/2006/relationships" xmlns:p="http://schemas.openxmlformats.org/presentationml/2006/main">
   <p:cSld>
     <p:spTree>
@@ -28348,7 +28148,7 @@
 </p:sld>
 </file>
 
-<file path=ppt/slides/slide83.xml><?xml version="1.0" encoding="utf-8"?>
+<file path=ppt/slides/slide82.xml><?xml version="1.0" encoding="utf-8"?>
 <p:sld xmlns:a="http://schemas.openxmlformats.org/drawingml/2006/main" xmlns:r="http://schemas.openxmlformats.org/officeDocument/2006/relationships" xmlns:p="http://schemas.openxmlformats.org/presentationml/2006/main">
   <p:cSld>
     <p:spTree>
@@ -28443,7 +28243,7 @@
 </p:sld>
 </file>
 
-<file path=ppt/slides/slide84.xml><?xml version="1.0" encoding="utf-8"?>
+<file path=ppt/slides/slide83.xml><?xml version="1.0" encoding="utf-8"?>
 <p:sld xmlns:a="http://schemas.openxmlformats.org/drawingml/2006/main" xmlns:r="http://schemas.openxmlformats.org/officeDocument/2006/relationships" xmlns:p="http://schemas.openxmlformats.org/presentationml/2006/main">
   <p:cSld>
     <p:spTree>
@@ -28538,7 +28338,7 @@
 </p:sld>
 </file>
 
-<file path=ppt/slides/slide85.xml><?xml version="1.0" encoding="utf-8"?>
+<file path=ppt/slides/slide84.xml><?xml version="1.0" encoding="utf-8"?>
 <p:sld xmlns:a="http://schemas.openxmlformats.org/drawingml/2006/main" xmlns:r="http://schemas.openxmlformats.org/officeDocument/2006/relationships" xmlns:p="http://schemas.openxmlformats.org/presentationml/2006/main">
   <p:cSld>
     <p:spTree>
@@ -28677,7 +28477,7 @@
 </p:sld>
 </file>
 
-<file path=ppt/slides/slide86.xml><?xml version="1.0" encoding="utf-8"?>
+<file path=ppt/slides/slide85.xml><?xml version="1.0" encoding="utf-8"?>
 <p:sld xmlns:a="http://schemas.openxmlformats.org/drawingml/2006/main" xmlns:r="http://schemas.openxmlformats.org/officeDocument/2006/relationships" xmlns:p="http://schemas.openxmlformats.org/presentationml/2006/main">
   <p:cSld>
     <p:spTree>
@@ -29402,7 +29202,7 @@
 </p:sld>
 </file>
 
-<file path=ppt/slides/slide87.xml><?xml version="1.0" encoding="utf-8"?>
+<file path=ppt/slides/slide86.xml><?xml version="1.0" encoding="utf-8"?>
 <p:sld xmlns:a="http://schemas.openxmlformats.org/drawingml/2006/main" xmlns:r="http://schemas.openxmlformats.org/officeDocument/2006/relationships" xmlns:p="http://schemas.openxmlformats.org/presentationml/2006/main">
   <p:cSld>
     <p:spTree>
@@ -29845,7 +29645,7 @@
 </p:sld>
 </file>
 
-<file path=ppt/slides/slide88.xml><?xml version="1.0" encoding="utf-8"?>
+<file path=ppt/slides/slide87.xml><?xml version="1.0" encoding="utf-8"?>
 <p:sld xmlns:a="http://schemas.openxmlformats.org/drawingml/2006/main" xmlns:r="http://schemas.openxmlformats.org/officeDocument/2006/relationships" xmlns:p="http://schemas.openxmlformats.org/presentationml/2006/main">
   <p:cSld>
     <p:spTree>
@@ -30419,7 +30219,7 @@
 </p:sld>
 </file>
 
-<file path=ppt/slides/slide89.xml><?xml version="1.0" encoding="utf-8"?>
+<file path=ppt/slides/slide88.xml><?xml version="1.0" encoding="utf-8"?>
 <p:sld xmlns:a="http://schemas.openxmlformats.org/drawingml/2006/main" xmlns:r="http://schemas.openxmlformats.org/officeDocument/2006/relationships" xmlns:p="http://schemas.openxmlformats.org/presentationml/2006/main">
   <p:cSld>
     <p:spTree>
@@ -30993,196 +30793,7 @@
 </p:sld>
 </file>
 
-<file path=ppt/slides/slide9.xml><?xml version="1.0" encoding="utf-8"?>
-<p:sld xmlns:a="http://schemas.openxmlformats.org/drawingml/2006/main" xmlns:r="http://schemas.openxmlformats.org/officeDocument/2006/relationships" xmlns:p="http://schemas.openxmlformats.org/presentationml/2006/main">
-  <p:cSld>
-    <p:spTree>
-      <p:nvGrpSpPr>
-        <p:cNvPr id="1" name="Shape 101"/>
-        <p:cNvGrpSpPr/>
-        <p:nvPr/>
-      </p:nvGrpSpPr>
-      <p:grpSpPr>
-        <a:xfrm>
-          <a:off x="0" y="0"/>
-          <a:ext cx="0" cy="0"/>
-          <a:chOff x="0" y="0"/>
-          <a:chExt cx="0" cy="0"/>
-        </a:xfrm>
-      </p:grpSpPr>
-      <p:sp>
-        <p:nvSpPr>
-          <p:cNvPr id="102" name="Google Shape;102;p21"/>
-          <p:cNvSpPr txBox="1">
-            <a:spLocks noGrp="1"/>
-          </p:cNvSpPr>
-          <p:nvPr>
-            <p:ph type="title"/>
-          </p:nvPr>
-        </p:nvSpPr>
-        <p:spPr>
-          <a:xfrm>
-            <a:off x="311700" y="445025"/>
-            <a:ext cx="8520600" cy="572700"/>
-          </a:xfrm>
-          <a:prstGeom prst="rect">
-            <a:avLst/>
-          </a:prstGeom>
-        </p:spPr>
-        <p:txBody>
-          <a:bodyPr spcFirstLastPara="1" wrap="square" lIns="91425" tIns="91425" rIns="91425" bIns="91425" anchor="t" anchorCtr="0">
-            <a:normAutofit fontScale="90000"/>
-          </a:bodyPr>
-          <a:lstStyle/>
-          <a:p>
-            <a:pPr marL="0" lvl="0" indent="0" algn="l" rtl="0">
-              <a:spcBef>
-                <a:spcPts val="0"/>
-              </a:spcBef>
-              <a:spcAft>
-                <a:spcPts val="0"/>
-              </a:spcAft>
-              <a:buNone/>
-            </a:pPr>
-            <a:r>
-              <a:rPr lang="en-GB"/>
-              <a:t>How Databases solve the problem?</a:t>
-            </a:r>
-            <a:endParaRPr/>
-          </a:p>
-        </p:txBody>
-      </p:sp>
-      <p:sp>
-        <p:nvSpPr>
-          <p:cNvPr id="103" name="Google Shape;103;p21"/>
-          <p:cNvSpPr txBox="1">
-            <a:spLocks noGrp="1"/>
-          </p:cNvSpPr>
-          <p:nvPr>
-            <p:ph type="body" idx="1"/>
-          </p:nvPr>
-        </p:nvSpPr>
-        <p:spPr>
-          <a:xfrm>
-            <a:off x="311700" y="1152475"/>
-            <a:ext cx="8520600" cy="3416400"/>
-          </a:xfrm>
-          <a:prstGeom prst="rect">
-            <a:avLst/>
-          </a:prstGeom>
-        </p:spPr>
-        <p:txBody>
-          <a:bodyPr spcFirstLastPara="1" wrap="square" lIns="91425" tIns="91425" rIns="91425" bIns="91425" anchor="t" anchorCtr="0">
-            <a:normAutofit fontScale="85000" lnSpcReduction="20000"/>
-          </a:bodyPr>
-          <a:lstStyle/>
-          <a:p>
-            <a:pPr marL="0" lvl="0" indent="0" algn="l" rtl="0">
-              <a:spcBef>
-                <a:spcPts val="0"/>
-              </a:spcBef>
-              <a:spcAft>
-                <a:spcPts val="0"/>
-              </a:spcAft>
-              <a:buNone/>
-            </a:pPr>
-            <a:r>
-              <a:rPr lang="en-GB" dirty="0"/>
-              <a:t>Self-describing data collection of related records (meta data, data about data) , detail explanation as below: - </a:t>
-            </a:r>
-            <a:endParaRPr dirty="0"/>
-          </a:p>
-          <a:p>
-            <a:pPr marL="0" lvl="0" indent="0" algn="l" rtl="0">
-              <a:spcBef>
-                <a:spcPts val="1200"/>
-              </a:spcBef>
-              <a:spcAft>
-                <a:spcPts val="0"/>
-              </a:spcAft>
-              <a:buNone/>
-            </a:pPr>
-            <a:r>
-              <a:rPr lang="en-GB" dirty="0"/>
-              <a:t>Self-describing means: </a:t>
-            </a:r>
-            <a:endParaRPr dirty="0"/>
-          </a:p>
-          <a:p>
-            <a:pPr marL="0" lvl="0" indent="0" algn="l" rtl="0">
-              <a:spcBef>
-                <a:spcPts val="1200"/>
-              </a:spcBef>
-              <a:spcAft>
-                <a:spcPts val="0"/>
-              </a:spcAft>
-              <a:buNone/>
-            </a:pPr>
-            <a:r>
-              <a:rPr lang="en-GB" dirty="0"/>
-              <a:t>▫ Database not just contains data, but also contains definition of the structure of data, that can be considered ‘</a:t>
-            </a:r>
-            <a:r>
-              <a:rPr lang="en-GB" b="1" dirty="0"/>
-              <a:t>Meta data</a:t>
-            </a:r>
-            <a:r>
-              <a:rPr lang="en-GB" dirty="0"/>
-              <a:t>’; </a:t>
-            </a:r>
-            <a:endParaRPr dirty="0"/>
-          </a:p>
-          <a:p>
-            <a:pPr marL="0" lvl="0" indent="0" algn="l" rtl="0">
-              <a:spcBef>
-                <a:spcPts val="1200"/>
-              </a:spcBef>
-              <a:spcAft>
-                <a:spcPts val="0"/>
-              </a:spcAft>
-              <a:buNone/>
-            </a:pPr>
-            <a:r>
-              <a:rPr lang="en-GB" dirty="0"/>
-              <a:t>It includes many related info : table column definition, index and key info, constraints, etc ▫ At database application level, database can also store other </a:t>
-            </a:r>
-            <a:r>
-              <a:rPr lang="en-GB" b="1" dirty="0"/>
-              <a:t>application related meta data</a:t>
-            </a:r>
-            <a:r>
-              <a:rPr lang="en-GB" dirty="0"/>
-              <a:t> as well, it makes personalization and customization of the application according to user profile much easier to handle. </a:t>
-            </a:r>
-            <a:endParaRPr dirty="0"/>
-          </a:p>
-          <a:p>
-            <a:pPr marL="0" lvl="0" indent="0" algn="l" rtl="0">
-              <a:spcBef>
-                <a:spcPts val="1200"/>
-              </a:spcBef>
-              <a:spcAft>
-                <a:spcPts val="1200"/>
-              </a:spcAft>
-              <a:buNone/>
-            </a:pPr>
-            <a:r>
-              <a:rPr lang="en-GB" dirty="0"/>
-              <a:t>The typical example could be the user preference for those common social media sites or e-commerce sites, etc.</a:t>
-            </a:r>
-            <a:endParaRPr dirty="0"/>
-          </a:p>
-        </p:txBody>
-      </p:sp>
-    </p:spTree>
-  </p:cSld>
-  <p:clrMapOvr>
-    <a:masterClrMapping/>
-  </p:clrMapOvr>
-</p:sld>
-</file>
-
-<file path=ppt/slides/slide90.xml><?xml version="1.0" encoding="utf-8"?>
+<file path=ppt/slides/slide89.xml><?xml version="1.0" encoding="utf-8"?>
 <p:sld xmlns:a="http://schemas.openxmlformats.org/drawingml/2006/main" xmlns:r="http://schemas.openxmlformats.org/officeDocument/2006/relationships" xmlns:p="http://schemas.openxmlformats.org/presentationml/2006/main">
   <p:cSld>
     <p:spTree>
@@ -31707,7 +31318,196 @@
 </p:sld>
 </file>
 
-<file path=ppt/slides/slide91.xml><?xml version="1.0" encoding="utf-8"?>
+<file path=ppt/slides/slide9.xml><?xml version="1.0" encoding="utf-8"?>
+<p:sld xmlns:a="http://schemas.openxmlformats.org/drawingml/2006/main" xmlns:r="http://schemas.openxmlformats.org/officeDocument/2006/relationships" xmlns:p="http://schemas.openxmlformats.org/presentationml/2006/main">
+  <p:cSld>
+    <p:spTree>
+      <p:nvGrpSpPr>
+        <p:cNvPr id="1" name="Shape 101"/>
+        <p:cNvGrpSpPr/>
+        <p:nvPr/>
+      </p:nvGrpSpPr>
+      <p:grpSpPr>
+        <a:xfrm>
+          <a:off x="0" y="0"/>
+          <a:ext cx="0" cy="0"/>
+          <a:chOff x="0" y="0"/>
+          <a:chExt cx="0" cy="0"/>
+        </a:xfrm>
+      </p:grpSpPr>
+      <p:sp>
+        <p:nvSpPr>
+          <p:cNvPr id="102" name="Google Shape;102;p21"/>
+          <p:cNvSpPr txBox="1">
+            <a:spLocks noGrp="1"/>
+          </p:cNvSpPr>
+          <p:nvPr>
+            <p:ph type="title"/>
+          </p:nvPr>
+        </p:nvSpPr>
+        <p:spPr>
+          <a:xfrm>
+            <a:off x="311700" y="445025"/>
+            <a:ext cx="8520600" cy="572700"/>
+          </a:xfrm>
+          <a:prstGeom prst="rect">
+            <a:avLst/>
+          </a:prstGeom>
+        </p:spPr>
+        <p:txBody>
+          <a:bodyPr spcFirstLastPara="1" wrap="square" lIns="91425" tIns="91425" rIns="91425" bIns="91425" anchor="t" anchorCtr="0">
+            <a:normAutofit fontScale="90000"/>
+          </a:bodyPr>
+          <a:lstStyle/>
+          <a:p>
+            <a:pPr marL="0" lvl="0" indent="0" algn="l" rtl="0">
+              <a:spcBef>
+                <a:spcPts val="0"/>
+              </a:spcBef>
+              <a:spcAft>
+                <a:spcPts val="0"/>
+              </a:spcAft>
+              <a:buNone/>
+            </a:pPr>
+            <a:r>
+              <a:rPr lang="en-GB"/>
+              <a:t>How Databases solve the problem?</a:t>
+            </a:r>
+            <a:endParaRPr/>
+          </a:p>
+        </p:txBody>
+      </p:sp>
+      <p:sp>
+        <p:nvSpPr>
+          <p:cNvPr id="103" name="Google Shape;103;p21"/>
+          <p:cNvSpPr txBox="1">
+            <a:spLocks noGrp="1"/>
+          </p:cNvSpPr>
+          <p:nvPr>
+            <p:ph type="body" idx="1"/>
+          </p:nvPr>
+        </p:nvSpPr>
+        <p:spPr>
+          <a:xfrm>
+            <a:off x="311700" y="1152475"/>
+            <a:ext cx="8520600" cy="3416400"/>
+          </a:xfrm>
+          <a:prstGeom prst="rect">
+            <a:avLst/>
+          </a:prstGeom>
+        </p:spPr>
+        <p:txBody>
+          <a:bodyPr spcFirstLastPara="1" wrap="square" lIns="91425" tIns="91425" rIns="91425" bIns="91425" anchor="t" anchorCtr="0">
+            <a:normAutofit fontScale="85000" lnSpcReduction="20000"/>
+          </a:bodyPr>
+          <a:lstStyle/>
+          <a:p>
+            <a:pPr marL="0" lvl="0" indent="0" algn="l" rtl="0">
+              <a:spcBef>
+                <a:spcPts val="0"/>
+              </a:spcBef>
+              <a:spcAft>
+                <a:spcPts val="0"/>
+              </a:spcAft>
+              <a:buNone/>
+            </a:pPr>
+            <a:r>
+              <a:rPr lang="en-GB" dirty="0"/>
+              <a:t>Self-describing data collection of related records (meta data, data about data) , detail explanation as below: - </a:t>
+            </a:r>
+            <a:endParaRPr dirty="0"/>
+          </a:p>
+          <a:p>
+            <a:pPr marL="0" lvl="0" indent="0" algn="l" rtl="0">
+              <a:spcBef>
+                <a:spcPts val="1200"/>
+              </a:spcBef>
+              <a:spcAft>
+                <a:spcPts val="0"/>
+              </a:spcAft>
+              <a:buNone/>
+            </a:pPr>
+            <a:r>
+              <a:rPr lang="en-GB" dirty="0"/>
+              <a:t>Self-describing means: </a:t>
+            </a:r>
+            <a:endParaRPr dirty="0"/>
+          </a:p>
+          <a:p>
+            <a:pPr marL="0" lvl="0" indent="0" algn="l" rtl="0">
+              <a:spcBef>
+                <a:spcPts val="1200"/>
+              </a:spcBef>
+              <a:spcAft>
+                <a:spcPts val="0"/>
+              </a:spcAft>
+              <a:buNone/>
+            </a:pPr>
+            <a:r>
+              <a:rPr lang="en-GB" dirty="0"/>
+              <a:t>▫ Database not just contains data, but also contains definition of the structure of data, that can be considered ‘</a:t>
+            </a:r>
+            <a:r>
+              <a:rPr lang="en-GB" b="1" dirty="0"/>
+              <a:t>Meta data</a:t>
+            </a:r>
+            <a:r>
+              <a:rPr lang="en-GB" dirty="0"/>
+              <a:t>’; </a:t>
+            </a:r>
+            <a:endParaRPr dirty="0"/>
+          </a:p>
+          <a:p>
+            <a:pPr marL="0" lvl="0" indent="0" algn="l" rtl="0">
+              <a:spcBef>
+                <a:spcPts val="1200"/>
+              </a:spcBef>
+              <a:spcAft>
+                <a:spcPts val="0"/>
+              </a:spcAft>
+              <a:buNone/>
+            </a:pPr>
+            <a:r>
+              <a:rPr lang="en-GB" dirty="0"/>
+              <a:t>It includes many related info : table column definition, index and key info, constraints, etc ▫ At database application level, database can also store other </a:t>
+            </a:r>
+            <a:r>
+              <a:rPr lang="en-GB" b="1" dirty="0"/>
+              <a:t>application related meta data</a:t>
+            </a:r>
+            <a:r>
+              <a:rPr lang="en-GB" dirty="0"/>
+              <a:t> as well, it makes personalization and customization of the application according to user profile much easier to handle. </a:t>
+            </a:r>
+            <a:endParaRPr dirty="0"/>
+          </a:p>
+          <a:p>
+            <a:pPr marL="0" lvl="0" indent="0" algn="l" rtl="0">
+              <a:spcBef>
+                <a:spcPts val="1200"/>
+              </a:spcBef>
+              <a:spcAft>
+                <a:spcPts val="1200"/>
+              </a:spcAft>
+              <a:buNone/>
+            </a:pPr>
+            <a:r>
+              <a:rPr lang="en-GB" dirty="0"/>
+              <a:t>The typical example could be the user preference for those common social media sites or e-commerce sites, etc.</a:t>
+            </a:r>
+            <a:endParaRPr dirty="0"/>
+          </a:p>
+        </p:txBody>
+      </p:sp>
+    </p:spTree>
+  </p:cSld>
+  <p:clrMapOvr>
+    <a:masterClrMapping/>
+  </p:clrMapOvr>
+</p:sld>
+</file>
+
+<file path=ppt/slides/slide90.xml><?xml version="1.0" encoding="utf-8"?>
 <p:sld xmlns:a="http://schemas.openxmlformats.org/drawingml/2006/main" xmlns:r="http://schemas.openxmlformats.org/officeDocument/2006/relationships" xmlns:p="http://schemas.openxmlformats.org/presentationml/2006/main">
   <p:cSld>
     <p:spTree>
@@ -32478,7 +32278,7 @@
 </p:sld>
 </file>
 
-<file path=ppt/slides/slide92.xml><?xml version="1.0" encoding="utf-8"?>
+<file path=ppt/slides/slide91.xml><?xml version="1.0" encoding="utf-8"?>
 <p:sld xmlns:a="http://schemas.openxmlformats.org/drawingml/2006/main" xmlns:r="http://schemas.openxmlformats.org/officeDocument/2006/relationships" xmlns:p="http://schemas.openxmlformats.org/presentationml/2006/main">
   <p:cSld>
     <p:spTree>
@@ -33002,7 +32802,7 @@
 </p:sld>
 </file>
 
-<file path=ppt/slides/slide93.xml><?xml version="1.0" encoding="utf-8"?>
+<file path=ppt/slides/slide92.xml><?xml version="1.0" encoding="utf-8"?>
 <p:sld xmlns:a="http://schemas.openxmlformats.org/drawingml/2006/main" xmlns:r="http://schemas.openxmlformats.org/officeDocument/2006/relationships" xmlns:p="http://schemas.openxmlformats.org/presentationml/2006/main">
   <p:cSld>
     <p:spTree>
@@ -33584,7 +33384,7 @@
 </p:sld>
 </file>
 
-<file path=ppt/slides/slide94.xml><?xml version="1.0" encoding="utf-8"?>
+<file path=ppt/slides/slide93.xml><?xml version="1.0" encoding="utf-8"?>
 <p:sld xmlns:a="http://schemas.openxmlformats.org/drawingml/2006/main" xmlns:r="http://schemas.openxmlformats.org/officeDocument/2006/relationships" xmlns:p="http://schemas.openxmlformats.org/presentationml/2006/main">
   <p:cSld>
     <p:spTree>
@@ -33814,7 +33614,7 @@
 </p:sld>
 </file>
 
-<file path=ppt/slides/slide95.xml><?xml version="1.0" encoding="utf-8"?>
+<file path=ppt/slides/slide94.xml><?xml version="1.0" encoding="utf-8"?>
 <p:sld xmlns:a="http://schemas.openxmlformats.org/drawingml/2006/main" xmlns:r="http://schemas.openxmlformats.org/officeDocument/2006/relationships" xmlns:p="http://schemas.openxmlformats.org/presentationml/2006/main">
   <p:cSld>
     <p:spTree>
